--- a/flutter_application_1/flutter2025_yogiashi.pptx
+++ b/flutter_application_1/flutter2025_yogiashi.pptx
@@ -7,6 +7,7 @@
   <p:sldIdLst>
     <p:sldId id="256" r:id="rId2"/>
     <p:sldId id="257" r:id="rId3"/>
+    <p:sldId id="258" r:id="rId4"/>
   </p:sldIdLst>
   <p:sldSz cx="12192000" cy="6858000"/>
   <p:notesSz cx="6858000" cy="9144000"/>
@@ -105,6 +106,11 @@
       </a:defRPr>
     </a:lvl9pPr>
   </p:defaultTextStyle>
+  <p:extLst>
+    <p:ext uri="{EFAFB233-063F-42B5-8137-9DF3F51BA10A}">
+      <p15:sldGuideLst xmlns:p15="http://schemas.microsoft.com/office/powerpoint/2012/main"/>
+    </p:ext>
+  </p:extLst>
 </p:presentation>
 </file>
 
@@ -3874,7 +3880,7 @@
         <p:spPr>
           <a:xfrm>
             <a:off x="594360" y="4577625"/>
-            <a:ext cx="6515100" cy="369332"/>
+            <a:ext cx="6515100" cy="646331"/>
           </a:xfrm>
           <a:prstGeom prst="rect">
             <a:avLst/>
@@ -3891,6 +3897,9 @@
               <a:rPr kumimoji="1" lang="ja-JP" altLang="en-US" dirty="0"/>
               <a:t>案３　クイズみたいなもの</a:t>
             </a:r>
+            <a:endParaRPr kumimoji="1" lang="en-US" altLang="ja-JP" dirty="0"/>
+          </a:p>
+          <a:p>
             <a:endParaRPr lang="en-US" altLang="ja-JP" dirty="0"/>
           </a:p>
         </p:txBody>
@@ -3899,6 +3908,104 @@
     <p:extLst>
       <p:ext uri="{BB962C8B-B14F-4D97-AF65-F5344CB8AC3E}">
         <p14:creationId xmlns:p14="http://schemas.microsoft.com/office/powerpoint/2010/main" val="3349396290"/>
+      </p:ext>
+    </p:extLst>
+  </p:cSld>
+  <p:clrMapOvr>
+    <a:masterClrMapping/>
+  </p:clrMapOvr>
+</p:sld>
+</file>
+
+<file path=ppt/slides/slide3.xml><?xml version="1.0" encoding="utf-8"?>
+<p:sld xmlns:a="http://schemas.openxmlformats.org/drawingml/2006/main" xmlns:r="http://schemas.openxmlformats.org/officeDocument/2006/relationships" xmlns:p="http://schemas.openxmlformats.org/presentationml/2006/main">
+  <p:cSld>
+    <p:spTree>
+      <p:nvGrpSpPr>
+        <p:cNvPr id="1" name=""/>
+        <p:cNvGrpSpPr/>
+        <p:nvPr/>
+      </p:nvGrpSpPr>
+      <p:grpSpPr>
+        <a:xfrm>
+          <a:off x="0" y="0"/>
+          <a:ext cx="0" cy="0"/>
+          <a:chOff x="0" y="0"/>
+          <a:chExt cx="0" cy="0"/>
+        </a:xfrm>
+      </p:grpSpPr>
+      <p:sp>
+        <p:nvSpPr>
+          <p:cNvPr id="2" name="テキスト ボックス 1">
+            <a:extLst>
+              <a:ext uri="{FF2B5EF4-FFF2-40B4-BE49-F238E27FC236}">
+                <a16:creationId xmlns:a16="http://schemas.microsoft.com/office/drawing/2014/main" id="{63513FE9-3155-B506-A3CF-C9CFCD34272D}"/>
+              </a:ext>
+            </a:extLst>
+          </p:cNvPr>
+          <p:cNvSpPr txBox="1"/>
+          <p:nvPr/>
+        </p:nvSpPr>
+        <p:spPr>
+          <a:xfrm>
+            <a:off x="1186249" y="1173892"/>
+            <a:ext cx="6425513" cy="1477328"/>
+          </a:xfrm>
+          <a:prstGeom prst="rect">
+            <a:avLst/>
+          </a:prstGeom>
+          <a:noFill/>
+        </p:spPr>
+        <p:txBody>
+          <a:bodyPr wrap="square" rtlCol="0">
+            <a:spAutoFit/>
+          </a:bodyPr>
+          <a:lstStyle/>
+          <a:p>
+            <a:r>
+              <a:rPr kumimoji="1" lang="ja-JP" altLang="en-US" dirty="0"/>
+              <a:t>とりあえずできそうな</a:t>
+            </a:r>
+            <a:r>
+              <a:rPr kumimoji="1" lang="en-US" altLang="ja-JP" dirty="0"/>
+              <a:t>TODO</a:t>
+            </a:r>
+            <a:r>
+              <a:rPr kumimoji="1" lang="ja-JP" altLang="en-US" dirty="0"/>
+              <a:t>リストを作ってみる</a:t>
+            </a:r>
+            <a:endParaRPr kumimoji="1" lang="en-US" altLang="ja-JP" dirty="0"/>
+          </a:p>
+          <a:p>
+            <a:endParaRPr lang="en-US" altLang="ja-JP" dirty="0"/>
+          </a:p>
+          <a:p>
+            <a:r>
+              <a:rPr lang="ja-JP" altLang="en-US" dirty="0"/>
+              <a:t>自分は予定を作るのが苦手で、そもそも</a:t>
+            </a:r>
+            <a:r>
+              <a:rPr lang="en-US" altLang="ja-JP" dirty="0"/>
+              <a:t>TODO</a:t>
+            </a:r>
+            <a:r>
+              <a:rPr lang="ja-JP" altLang="en-US" dirty="0"/>
+              <a:t>リストみたいなものを使う機会がなく勝手に苦手意識があり</a:t>
+            </a:r>
+            <a:endParaRPr lang="en-US" altLang="ja-JP" dirty="0"/>
+          </a:p>
+          <a:p>
+            <a:r>
+              <a:rPr kumimoji="1" lang="ja-JP" altLang="en-US" dirty="0"/>
+              <a:t>自分で作ることを機に、予定つくりを学ぼうと思ったから</a:t>
+            </a:r>
+          </a:p>
+        </p:txBody>
+      </p:sp>
+    </p:spTree>
+    <p:extLst>
+      <p:ext uri="{BB962C8B-B14F-4D97-AF65-F5344CB8AC3E}">
+        <p14:creationId xmlns:p14="http://schemas.microsoft.com/office/powerpoint/2010/main" val="1880777680"/>
       </p:ext>
     </p:extLst>
   </p:cSld>

--- a/flutter_application_1/flutter2025_yogiashi.pptx
+++ b/flutter_application_1/flutter2025_yogiashi.pptx
@@ -12,17 +12,18 @@
     <p:sldId id="260" r:id="rId10"/>
     <p:sldId id="261" r:id="rId11"/>
     <p:sldId id="262" r:id="rId12"/>
+    <p:sldId id="263" r:id="rId13"/>
   </p:sldIdLst>
   <p:sldSz cx="18288000" cy="10287000"/>
   <p:notesSz cx="6858000" cy="9144000"/>
   <p:embeddedFontLst>
     <p:embeddedFont>
       <p:font typeface="ドットゴシック 12" charset="1" panose="02020600000000000000"/>
-      <p:regular r:id="rId13"/>
+      <p:regular r:id="rId14"/>
     </p:embeddedFont>
     <p:embeddedFont>
       <p:font typeface="Arcade Gamer" charset="1" panose="00000000000000000000"/>
-      <p:regular r:id="rId14"/>
+      <p:regular r:id="rId15"/>
     </p:embeddedFont>
   </p:embeddedFontLst>
   <p:defaultTextStyle>
@@ -3682,8 +3683,8 @@
         </p:nvSpPr>
         <p:spPr>
           <a:xfrm flipH="false" flipV="false" rot="0">
-            <a:off x="0" y="4628850"/>
-            <a:ext cx="3775529" cy="5658150"/>
+            <a:off x="8081296" y="8938950"/>
+            <a:ext cx="2840719" cy="1348050"/>
           </a:xfrm>
           <a:custGeom>
             <a:avLst/>
@@ -3692,18 +3693,18 @@
             <a:cxnLst/>
             <a:rect r="r" b="b" t="t" l="l"/>
             <a:pathLst>
-              <a:path h="5658150" w="3775529">
+              <a:path h="1348050" w="2840719">
                 <a:moveTo>
                   <a:pt x="0" y="0"/>
                 </a:moveTo>
                 <a:lnTo>
-                  <a:pt x="3775529" y="0"/>
-                </a:lnTo>
-                <a:lnTo>
-                  <a:pt x="3775529" y="5658150"/>
-                </a:lnTo>
-                <a:lnTo>
-                  <a:pt x="0" y="5658150"/>
+                  <a:pt x="2840719" y="0"/>
+                </a:lnTo>
+                <a:lnTo>
+                  <a:pt x="2840719" y="1348050"/>
+                </a:lnTo>
+                <a:lnTo>
+                  <a:pt x="0" y="1348050"/>
                 </a:lnTo>
                 <a:lnTo>
                   <a:pt x="0" y="0"/>
@@ -3714,7 +3715,7 @@
           </a:custGeom>
           <a:blipFill>
             <a:blip r:embed="rId4">
-              <a:alphaModFix amt="64000"/>
+              <a:alphaModFix amt="75000"/>
               <a:extLst>
                 <a:ext uri="{96DAC541-7B7A-43D3-8B79-37D633B846F1}">
                   <asvg:svgBlip xmlns:asvg="http://schemas.microsoft.com/office/drawing/2016/SVG/main" r:embed="rId5"/>
@@ -3735,59 +3736,6 @@
         </p:nvSpPr>
         <p:spPr>
           <a:xfrm flipH="false" flipV="false" rot="0">
-            <a:off x="8081296" y="8938950"/>
-            <a:ext cx="2840719" cy="1348050"/>
-          </a:xfrm>
-          <a:custGeom>
-            <a:avLst/>
-            <a:gdLst/>
-            <a:ahLst/>
-            <a:cxnLst/>
-            <a:rect r="r" b="b" t="t" l="l"/>
-            <a:pathLst>
-              <a:path h="1348050" w="2840719">
-                <a:moveTo>
-                  <a:pt x="0" y="0"/>
-                </a:moveTo>
-                <a:lnTo>
-                  <a:pt x="2840719" y="0"/>
-                </a:lnTo>
-                <a:lnTo>
-                  <a:pt x="2840719" y="1348050"/>
-                </a:lnTo>
-                <a:lnTo>
-                  <a:pt x="0" y="1348050"/>
-                </a:lnTo>
-                <a:lnTo>
-                  <a:pt x="0" y="0"/>
-                </a:lnTo>
-                <a:close/>
-              </a:path>
-            </a:pathLst>
-          </a:custGeom>
-          <a:blipFill>
-            <a:blip r:embed="rId6">
-              <a:alphaModFix amt="75000"/>
-              <a:extLst>
-                <a:ext uri="{96DAC541-7B7A-43D3-8B79-37D633B846F1}">
-                  <asvg:svgBlip xmlns:asvg="http://schemas.microsoft.com/office/drawing/2016/SVG/main" r:embed="rId7"/>
-                </a:ext>
-              </a:extLst>
-            </a:blip>
-            <a:stretch>
-              <a:fillRect l="0" t="0" r="0" b="0"/>
-            </a:stretch>
-          </a:blipFill>
-        </p:spPr>
-      </p:sp>
-      <p:sp>
-        <p:nvSpPr>
-          <p:cNvPr name="Freeform 5" id="5"/>
-          <p:cNvSpPr/>
-          <p:nvPr/>
-        </p:nvSpPr>
-        <p:spPr>
-          <a:xfrm flipH="false" flipV="false" rot="0">
             <a:off x="5124240" y="5558342"/>
             <a:ext cx="2957056" cy="5197806"/>
           </a:xfrm>
@@ -3819,7 +3767,7 @@
             </a:pathLst>
           </a:custGeom>
           <a:blipFill>
-            <a:blip r:embed="rId8"/>
+            <a:blip r:embed="rId6"/>
             <a:stretch>
               <a:fillRect l="0" t="0" r="0" b="0"/>
             </a:stretch>
@@ -3828,7 +3776,177 @@
       </p:sp>
       <p:sp>
         <p:nvSpPr>
-          <p:cNvPr name="TextBox 6" id="6"/>
+          <p:cNvPr name="Freeform 5" id="5"/>
+          <p:cNvSpPr/>
+          <p:nvPr/>
+        </p:nvSpPr>
+        <p:spPr>
+          <a:xfrm flipH="false" flipV="false" rot="0">
+            <a:off x="0" y="4628850"/>
+            <a:ext cx="3775529" cy="5658150"/>
+          </a:xfrm>
+          <a:custGeom>
+            <a:avLst/>
+            <a:gdLst/>
+            <a:ahLst/>
+            <a:cxnLst/>
+            <a:rect r="r" b="b" t="t" l="l"/>
+            <a:pathLst>
+              <a:path h="5658150" w="3775529">
+                <a:moveTo>
+                  <a:pt x="0" y="0"/>
+                </a:moveTo>
+                <a:lnTo>
+                  <a:pt x="3775529" y="0"/>
+                </a:lnTo>
+                <a:lnTo>
+                  <a:pt x="3775529" y="5658150"/>
+                </a:lnTo>
+                <a:lnTo>
+                  <a:pt x="0" y="5658150"/>
+                </a:lnTo>
+                <a:lnTo>
+                  <a:pt x="0" y="0"/>
+                </a:lnTo>
+                <a:close/>
+              </a:path>
+            </a:pathLst>
+          </a:custGeom>
+          <a:blipFill>
+            <a:blip r:embed="rId7">
+              <a:alphaModFix amt="64000"/>
+              <a:extLst>
+                <a:ext uri="{96DAC541-7B7A-43D3-8B79-37D633B846F1}">
+                  <asvg:svgBlip xmlns:asvg="http://schemas.microsoft.com/office/drawing/2016/SVG/main" r:embed="rId8"/>
+                </a:ext>
+              </a:extLst>
+            </a:blip>
+            <a:stretch>
+              <a:fillRect l="0" t="0" r="0" b="0"/>
+            </a:stretch>
+          </a:blipFill>
+        </p:spPr>
+      </p:sp>
+      <p:grpSp>
+        <p:nvGrpSpPr>
+          <p:cNvPr name="Group 6" id="6"/>
+          <p:cNvGrpSpPr/>
+          <p:nvPr/>
+        </p:nvGrpSpPr>
+        <p:grpSpPr>
+          <a:xfrm rot="0">
+            <a:off x="1028700" y="1028700"/>
+            <a:ext cx="16436790" cy="8229600"/>
+            <a:chOff x="0" y="0"/>
+            <a:chExt cx="4329031" cy="2167467"/>
+          </a:xfrm>
+        </p:grpSpPr>
+        <p:sp>
+          <p:nvSpPr>
+            <p:cNvPr name="Freeform 7" id="7"/>
+            <p:cNvSpPr/>
+            <p:nvPr/>
+          </p:nvSpPr>
+          <p:spPr>
+            <a:xfrm flipH="false" flipV="false" rot="0">
+              <a:off x="0" y="0"/>
+              <a:ext cx="4329031" cy="2167467"/>
+            </a:xfrm>
+            <a:custGeom>
+              <a:avLst/>
+              <a:gdLst/>
+              <a:ahLst/>
+              <a:cxnLst/>
+              <a:rect r="r" b="b" t="t" l="l"/>
+              <a:pathLst>
+                <a:path h="2167467" w="4329031">
+                  <a:moveTo>
+                    <a:pt x="24022" y="0"/>
+                  </a:moveTo>
+                  <a:lnTo>
+                    <a:pt x="4305010" y="0"/>
+                  </a:lnTo>
+                  <a:cubicBezTo>
+                    <a:pt x="4311380" y="0"/>
+                    <a:pt x="4317490" y="2531"/>
+                    <a:pt x="4321995" y="7036"/>
+                  </a:cubicBezTo>
+                  <a:cubicBezTo>
+                    <a:pt x="4326500" y="11541"/>
+                    <a:pt x="4329031" y="17651"/>
+                    <a:pt x="4329031" y="24022"/>
+                  </a:cubicBezTo>
+                  <a:lnTo>
+                    <a:pt x="4329031" y="2143445"/>
+                  </a:lnTo>
+                  <a:cubicBezTo>
+                    <a:pt x="4329031" y="2156712"/>
+                    <a:pt x="4318276" y="2167467"/>
+                    <a:pt x="4305010" y="2167467"/>
+                  </a:cubicBezTo>
+                  <a:lnTo>
+                    <a:pt x="24022" y="2167467"/>
+                  </a:lnTo>
+                  <a:cubicBezTo>
+                    <a:pt x="17651" y="2167467"/>
+                    <a:pt x="11541" y="2164936"/>
+                    <a:pt x="7036" y="2160431"/>
+                  </a:cubicBezTo>
+                  <a:cubicBezTo>
+                    <a:pt x="2531" y="2155926"/>
+                    <a:pt x="0" y="2149816"/>
+                    <a:pt x="0" y="2143445"/>
+                  </a:cubicBezTo>
+                  <a:lnTo>
+                    <a:pt x="0" y="24022"/>
+                  </a:lnTo>
+                  <a:cubicBezTo>
+                    <a:pt x="0" y="10755"/>
+                    <a:pt x="10755" y="0"/>
+                    <a:pt x="24022" y="0"/>
+                  </a:cubicBezTo>
+                  <a:close/>
+                </a:path>
+              </a:pathLst>
+            </a:custGeom>
+            <a:solidFill>
+              <a:srgbClr val="FFFFFF">
+                <a:alpha val="60000"/>
+              </a:srgbClr>
+            </a:solidFill>
+          </p:spPr>
+        </p:sp>
+        <p:sp>
+          <p:nvSpPr>
+            <p:cNvPr name="TextBox 8" id="8"/>
+            <p:cNvSpPr txBox="true"/>
+            <p:nvPr/>
+          </p:nvSpPr>
+          <p:spPr>
+            <a:xfrm>
+              <a:off x="0" y="-28575"/>
+              <a:ext cx="4329031" cy="2196042"/>
+            </a:xfrm>
+            <a:prstGeom prst="rect">
+              <a:avLst/>
+            </a:prstGeom>
+          </p:spPr>
+          <p:txBody>
+            <a:bodyPr anchor="ctr" rtlCol="false" tIns="50800" lIns="50800" bIns="50800" rIns="50800"/>
+            <a:lstStyle/>
+            <a:p>
+              <a:pPr algn="ctr">
+                <a:lnSpc>
+                  <a:spcPts val="2519"/>
+                </a:lnSpc>
+              </a:pPr>
+            </a:p>
+          </p:txBody>
+        </p:sp>
+      </p:grpSp>
+      <p:sp>
+        <p:nvSpPr>
+          <p:cNvPr name="TextBox 9" id="9"/>
           <p:cNvSpPr txBox="true"/>
           <p:nvPr/>
         </p:nvSpPr>
@@ -3858,7 +3976,7 @@
             <a:r>
               <a:rPr lang="en-US" sz="8000">
                 <a:solidFill>
-                  <a:srgbClr val="FFFFFF"/>
+                  <a:srgbClr val="000000"/>
                 </a:solidFill>
                 <a:latin typeface="ドットゴシック 12"/>
                 <a:ea typeface="ドットゴシック 12"/>
@@ -3872,7 +3990,7 @@
       </p:sp>
       <p:sp>
         <p:nvSpPr>
-          <p:cNvPr name="TextBox 7" id="7"/>
+          <p:cNvPr name="TextBox 10" id="10"/>
           <p:cNvSpPr txBox="true"/>
           <p:nvPr/>
         </p:nvSpPr>
@@ -3899,7 +4017,7 @@
             <a:r>
               <a:rPr lang="en-US" sz="6509">
                 <a:solidFill>
-                  <a:srgbClr val="FFFFFF"/>
+                  <a:srgbClr val="000000"/>
                 </a:solidFill>
                 <a:latin typeface="ドットゴシック 12"/>
                 <a:ea typeface="ドットゴシック 12"/>
@@ -3918,7 +4036,7 @@
             <a:r>
               <a:rPr lang="en-US" sz="6509">
                 <a:solidFill>
-                  <a:srgbClr val="FFFFFF"/>
+                  <a:srgbClr val="000000"/>
                 </a:solidFill>
                 <a:latin typeface="ドットゴシック 12"/>
                 <a:ea typeface="ドットゴシック 12"/>
@@ -3937,7 +4055,7 @@
             <a:r>
               <a:rPr lang="en-US" sz="6509">
                 <a:solidFill>
-                  <a:srgbClr val="FFFFFF"/>
+                  <a:srgbClr val="000000"/>
                 </a:solidFill>
                 <a:latin typeface="ドットゴシック 12"/>
                 <a:ea typeface="ドットゴシック 12"/>
@@ -3956,7 +4074,7 @@
             <a:r>
               <a:rPr lang="en-US" sz="6509">
                 <a:solidFill>
-                  <a:srgbClr val="FFFFFF"/>
+                  <a:srgbClr val="000000"/>
                 </a:solidFill>
                 <a:latin typeface="ドットゴシック 12"/>
                 <a:ea typeface="ドットゴシック 12"/>
@@ -4531,9 +4649,121 @@
           <a:chExt cx="0" cy="0"/>
         </a:xfrm>
       </p:grpSpPr>
-      <p:sp>
-        <p:nvSpPr>
-          <p:cNvPr name="Freeform 2" id="2"/>
+      <p:grpSp>
+        <p:nvGrpSpPr>
+          <p:cNvPr name="Group 2" id="2"/>
+          <p:cNvGrpSpPr/>
+          <p:nvPr/>
+        </p:nvGrpSpPr>
+        <p:grpSpPr>
+          <a:xfrm rot="0">
+            <a:off x="1028700" y="641723"/>
+            <a:ext cx="16436790" cy="8616577"/>
+            <a:chOff x="0" y="0"/>
+            <a:chExt cx="4329031" cy="2269386"/>
+          </a:xfrm>
+        </p:grpSpPr>
+        <p:sp>
+          <p:nvSpPr>
+            <p:cNvPr name="Freeform 3" id="3"/>
+            <p:cNvSpPr/>
+            <p:nvPr/>
+          </p:nvSpPr>
+          <p:spPr>
+            <a:xfrm flipH="false" flipV="false" rot="0">
+              <a:off x="0" y="0"/>
+              <a:ext cx="4329031" cy="2269386"/>
+            </a:xfrm>
+            <a:custGeom>
+              <a:avLst/>
+              <a:gdLst/>
+              <a:ahLst/>
+              <a:cxnLst/>
+              <a:rect r="r" b="b" t="t" l="l"/>
+              <a:pathLst>
+                <a:path h="2269386" w="4329031">
+                  <a:moveTo>
+                    <a:pt x="24022" y="0"/>
+                  </a:moveTo>
+                  <a:lnTo>
+                    <a:pt x="4305010" y="0"/>
+                  </a:lnTo>
+                  <a:cubicBezTo>
+                    <a:pt x="4311380" y="0"/>
+                    <a:pt x="4317490" y="2531"/>
+                    <a:pt x="4321995" y="7036"/>
+                  </a:cubicBezTo>
+                  <a:cubicBezTo>
+                    <a:pt x="4326500" y="11541"/>
+                    <a:pt x="4329031" y="17651"/>
+                    <a:pt x="4329031" y="24022"/>
+                  </a:cubicBezTo>
+                  <a:lnTo>
+                    <a:pt x="4329031" y="2245365"/>
+                  </a:lnTo>
+                  <a:cubicBezTo>
+                    <a:pt x="4329031" y="2258632"/>
+                    <a:pt x="4318276" y="2269386"/>
+                    <a:pt x="4305010" y="2269386"/>
+                  </a:cubicBezTo>
+                  <a:lnTo>
+                    <a:pt x="24022" y="2269386"/>
+                  </a:lnTo>
+                  <a:cubicBezTo>
+                    <a:pt x="10755" y="2269386"/>
+                    <a:pt x="0" y="2258632"/>
+                    <a:pt x="0" y="2245365"/>
+                  </a:cubicBezTo>
+                  <a:lnTo>
+                    <a:pt x="0" y="24022"/>
+                  </a:lnTo>
+                  <a:cubicBezTo>
+                    <a:pt x="0" y="10755"/>
+                    <a:pt x="10755" y="0"/>
+                    <a:pt x="24022" y="0"/>
+                  </a:cubicBezTo>
+                  <a:close/>
+                </a:path>
+              </a:pathLst>
+            </a:custGeom>
+            <a:solidFill>
+              <a:srgbClr val="FFFFFF">
+                <a:alpha val="60000"/>
+              </a:srgbClr>
+            </a:solidFill>
+          </p:spPr>
+        </p:sp>
+        <p:sp>
+          <p:nvSpPr>
+            <p:cNvPr name="TextBox 4" id="4"/>
+            <p:cNvSpPr txBox="true"/>
+            <p:nvPr/>
+          </p:nvSpPr>
+          <p:spPr>
+            <a:xfrm>
+              <a:off x="0" y="-28575"/>
+              <a:ext cx="4329031" cy="2297961"/>
+            </a:xfrm>
+            <a:prstGeom prst="rect">
+              <a:avLst/>
+            </a:prstGeom>
+          </p:spPr>
+          <p:txBody>
+            <a:bodyPr anchor="ctr" rtlCol="false" tIns="50800" lIns="50800" bIns="50800" rIns="50800"/>
+            <a:lstStyle/>
+            <a:p>
+              <a:pPr algn="ctr">
+                <a:lnSpc>
+                  <a:spcPts val="2519"/>
+                </a:lnSpc>
+              </a:pPr>
+            </a:p>
+          </p:txBody>
+        </p:sp>
+      </p:grpSp>
+      <p:sp>
+        <p:nvSpPr>
+          <p:cNvPr name="Freeform 5" id="5"/>
           <p:cNvSpPr/>
           <p:nvPr/>
         </p:nvSpPr>
@@ -4586,7 +4816,7 @@
       </p:sp>
       <p:sp>
         <p:nvSpPr>
-          <p:cNvPr name="Freeform 3" id="3"/>
+          <p:cNvPr name="Freeform 6" id="6"/>
           <p:cNvSpPr/>
           <p:nvPr/>
         </p:nvSpPr>
@@ -4639,7 +4869,53 @@
       </p:sp>
       <p:sp>
         <p:nvSpPr>
-          <p:cNvPr name="TextBox 4" id="4"/>
+          <p:cNvPr name="Freeform 7" id="7"/>
+          <p:cNvSpPr/>
+          <p:nvPr/>
+        </p:nvSpPr>
+        <p:spPr>
+          <a:xfrm flipH="false" flipV="false" rot="0">
+            <a:off x="1793044" y="2809218"/>
+            <a:ext cx="5467843" cy="3075662"/>
+          </a:xfrm>
+          <a:custGeom>
+            <a:avLst/>
+            <a:gdLst/>
+            <a:ahLst/>
+            <a:cxnLst/>
+            <a:rect r="r" b="b" t="t" l="l"/>
+            <a:pathLst>
+              <a:path h="3075662" w="5467843">
+                <a:moveTo>
+                  <a:pt x="0" y="0"/>
+                </a:moveTo>
+                <a:lnTo>
+                  <a:pt x="5467844" y="0"/>
+                </a:lnTo>
+                <a:lnTo>
+                  <a:pt x="5467844" y="3075662"/>
+                </a:lnTo>
+                <a:lnTo>
+                  <a:pt x="0" y="3075662"/>
+                </a:lnTo>
+                <a:lnTo>
+                  <a:pt x="0" y="0"/>
+                </a:lnTo>
+                <a:close/>
+              </a:path>
+            </a:pathLst>
+          </a:custGeom>
+          <a:blipFill>
+            <a:blip r:embed="rId6"/>
+            <a:stretch>
+              <a:fillRect l="0" t="0" r="0" b="0"/>
+            </a:stretch>
+          </a:blipFill>
+        </p:spPr>
+      </p:sp>
+      <p:sp>
+        <p:nvSpPr>
+          <p:cNvPr name="TextBox 8" id="8"/>
           <p:cNvSpPr txBox="true"/>
           <p:nvPr/>
         </p:nvSpPr>
@@ -4669,7 +4945,7 @@
             <a:r>
               <a:rPr lang="en-US" sz="9000">
                 <a:solidFill>
-                  <a:srgbClr val="FFFFFF"/>
+                  <a:srgbClr val="000000"/>
                 </a:solidFill>
                 <a:latin typeface="ドットゴシック 12"/>
                 <a:ea typeface="ドットゴシック 12"/>
@@ -4683,14 +4959,14 @@
       </p:sp>
       <p:sp>
         <p:nvSpPr>
-          <p:cNvPr name="TextBox 5" id="5"/>
+          <p:cNvPr name="TextBox 9" id="9"/>
           <p:cNvSpPr txBox="true"/>
           <p:nvPr/>
         </p:nvSpPr>
         <p:spPr>
           <a:xfrm rot="0">
-            <a:off x="3053268" y="2584450"/>
-            <a:ext cx="14567819" cy="4327525"/>
+            <a:off x="7731113" y="2772250"/>
+            <a:ext cx="8382000" cy="1460499"/>
           </a:xfrm>
           <a:prstGeom prst="rect">
             <a:avLst/>
@@ -4702,51 +4978,113 @@
           </a:bodyPr>
           <a:lstStyle/>
           <a:p>
-            <a:pPr algn="l">
+            <a:pPr algn="ctr">
               <a:lnSpc>
-                <a:spcPts val="9799"/>
+                <a:spcPts val="7700"/>
               </a:lnSpc>
+              <a:spcBef>
+                <a:spcPct val="0"/>
+              </a:spcBef>
             </a:pPr>
             <a:r>
-              <a:rPr lang="en-US" sz="6999">
+              <a:rPr lang="en-US" sz="5500">
                 <a:solidFill>
-                  <a:srgbClr val="FFFFFF"/>
+                  <a:srgbClr val="000000"/>
                 </a:solidFill>
                 <a:latin typeface="ドットゴシック 12"/>
                 <a:ea typeface="ドットゴシック 12"/>
                 <a:cs typeface="ドットゴシック 12"/>
                 <a:sym typeface="ドットゴシック 12"/>
               </a:rPr>
-              <a:t>くいずアプリ！！</a:t>
-            </a:r>
-          </a:p>
-          <a:p>
-            <a:pPr algn="l">
+              <a:t>ずっと真夜中でいいのに。</a:t>
+            </a:r>
+          </a:p>
+        </p:txBody>
+      </p:sp>
+      <p:sp>
+        <p:nvSpPr>
+          <p:cNvPr name="TextBox 10" id="10"/>
+          <p:cNvSpPr txBox="true"/>
+          <p:nvPr/>
+        </p:nvSpPr>
+        <p:spPr>
+          <a:xfrm rot="0">
+            <a:off x="7731736" y="4223852"/>
+            <a:ext cx="5588000" cy="1460499"/>
+          </a:xfrm>
+          <a:prstGeom prst="rect">
+            <a:avLst/>
+          </a:prstGeom>
+        </p:spPr>
+        <p:txBody>
+          <a:bodyPr anchor="t" rtlCol="false" tIns="0" lIns="0" bIns="0" rIns="0">
+            <a:spAutoFit/>
+          </a:bodyPr>
+          <a:lstStyle/>
+          <a:p>
+            <a:pPr algn="ctr">
               <a:lnSpc>
-                <a:spcPts val="9799"/>
-              </a:lnSpc>
-            </a:pPr>
-          </a:p>
-          <a:p>
-            <a:pPr algn="l">
-              <a:lnSpc>
-                <a:spcPts val="9799"/>
+                <a:spcPts val="7700"/>
               </a:lnSpc>
               <a:spcBef>
                 <a:spcPct val="0"/>
               </a:spcBef>
             </a:pPr>
             <a:r>
-              <a:rPr lang="en-US" sz="6999">
+              <a:rPr lang="en-US" sz="5500">
                 <a:solidFill>
-                  <a:srgbClr val="FFFFFF"/>
+                  <a:srgbClr val="000000"/>
                 </a:solidFill>
                 <a:latin typeface="ドットゴシック 12"/>
                 <a:ea typeface="ドットゴシック 12"/>
                 <a:cs typeface="ドットゴシック 12"/>
                 <a:sym typeface="ドットゴシック 12"/>
               </a:rPr>
-              <a:t>クイズの登録もできる！！</a:t>
+              <a:t>通称「ずとまよ」</a:t>
+            </a:r>
+          </a:p>
+        </p:txBody>
+      </p:sp>
+      <p:sp>
+        <p:nvSpPr>
+          <p:cNvPr name="TextBox 11" id="11"/>
+          <p:cNvSpPr txBox="true"/>
+          <p:nvPr/>
+        </p:nvSpPr>
+        <p:spPr>
+          <a:xfrm rot="0">
+            <a:off x="7731736" y="5674826"/>
+            <a:ext cx="3492500" cy="1460499"/>
+          </a:xfrm>
+          <a:prstGeom prst="rect">
+            <a:avLst/>
+          </a:prstGeom>
+        </p:spPr>
+        <p:txBody>
+          <a:bodyPr anchor="t" rtlCol="false" tIns="0" lIns="0" bIns="0" rIns="0">
+            <a:spAutoFit/>
+          </a:bodyPr>
+          <a:lstStyle/>
+          <a:p>
+            <a:pPr algn="ctr">
+              <a:lnSpc>
+                <a:spcPts val="7700"/>
+              </a:lnSpc>
+              <a:spcBef>
+                <a:spcPct val="0"/>
+              </a:spcBef>
+            </a:pPr>
+            <a:r>
+              <a:rPr lang="en-US" sz="5500">
+                <a:solidFill>
+                  <a:srgbClr val="000000"/>
+                </a:solidFill>
+                <a:latin typeface="ドットゴシック 12"/>
+                <a:ea typeface="ドットゴシック 12"/>
+                <a:cs typeface="ドットゴシック 12"/>
+                <a:sym typeface="ドットゴシック 12"/>
+              </a:rPr>
+              <a:t>音楽バンド</a:t>
             </a:r>
           </a:p>
         </p:txBody>
@@ -4783,16 +5121,128 @@
           <a:chExt cx="0" cy="0"/>
         </a:xfrm>
       </p:grpSpPr>
-      <p:sp>
-        <p:nvSpPr>
-          <p:cNvPr name="Freeform 2" id="2"/>
+      <p:grpSp>
+        <p:nvGrpSpPr>
+          <p:cNvPr name="Group 2" id="2"/>
+          <p:cNvGrpSpPr/>
+          <p:nvPr/>
+        </p:nvGrpSpPr>
+        <p:grpSpPr>
+          <a:xfrm rot="0">
+            <a:off x="1028700" y="641723"/>
+            <a:ext cx="16436790" cy="8616577"/>
+            <a:chOff x="0" y="0"/>
+            <a:chExt cx="4329031" cy="2269386"/>
+          </a:xfrm>
+        </p:grpSpPr>
+        <p:sp>
+          <p:nvSpPr>
+            <p:cNvPr name="Freeform 3" id="3"/>
+            <p:cNvSpPr/>
+            <p:nvPr/>
+          </p:nvSpPr>
+          <p:spPr>
+            <a:xfrm flipH="false" flipV="false" rot="0">
+              <a:off x="0" y="0"/>
+              <a:ext cx="4329031" cy="2269386"/>
+            </a:xfrm>
+            <a:custGeom>
+              <a:avLst/>
+              <a:gdLst/>
+              <a:ahLst/>
+              <a:cxnLst/>
+              <a:rect r="r" b="b" t="t" l="l"/>
+              <a:pathLst>
+                <a:path h="2269386" w="4329031">
+                  <a:moveTo>
+                    <a:pt x="24022" y="0"/>
+                  </a:moveTo>
+                  <a:lnTo>
+                    <a:pt x="4305010" y="0"/>
+                  </a:lnTo>
+                  <a:cubicBezTo>
+                    <a:pt x="4311380" y="0"/>
+                    <a:pt x="4317490" y="2531"/>
+                    <a:pt x="4321995" y="7036"/>
+                  </a:cubicBezTo>
+                  <a:cubicBezTo>
+                    <a:pt x="4326500" y="11541"/>
+                    <a:pt x="4329031" y="17651"/>
+                    <a:pt x="4329031" y="24022"/>
+                  </a:cubicBezTo>
+                  <a:lnTo>
+                    <a:pt x="4329031" y="2245365"/>
+                  </a:lnTo>
+                  <a:cubicBezTo>
+                    <a:pt x="4329031" y="2258632"/>
+                    <a:pt x="4318276" y="2269386"/>
+                    <a:pt x="4305010" y="2269386"/>
+                  </a:cubicBezTo>
+                  <a:lnTo>
+                    <a:pt x="24022" y="2269386"/>
+                  </a:lnTo>
+                  <a:cubicBezTo>
+                    <a:pt x="10755" y="2269386"/>
+                    <a:pt x="0" y="2258632"/>
+                    <a:pt x="0" y="2245365"/>
+                  </a:cubicBezTo>
+                  <a:lnTo>
+                    <a:pt x="0" y="24022"/>
+                  </a:lnTo>
+                  <a:cubicBezTo>
+                    <a:pt x="0" y="10755"/>
+                    <a:pt x="10755" y="0"/>
+                    <a:pt x="24022" y="0"/>
+                  </a:cubicBezTo>
+                  <a:close/>
+                </a:path>
+              </a:pathLst>
+            </a:custGeom>
+            <a:solidFill>
+              <a:srgbClr val="FFFFFF">
+                <a:alpha val="60000"/>
+              </a:srgbClr>
+            </a:solidFill>
+          </p:spPr>
+        </p:sp>
+        <p:sp>
+          <p:nvSpPr>
+            <p:cNvPr name="TextBox 4" id="4"/>
+            <p:cNvSpPr txBox="true"/>
+            <p:nvPr/>
+          </p:nvSpPr>
+          <p:spPr>
+            <a:xfrm>
+              <a:off x="0" y="-28575"/>
+              <a:ext cx="4329031" cy="2297961"/>
+            </a:xfrm>
+            <a:prstGeom prst="rect">
+              <a:avLst/>
+            </a:prstGeom>
+          </p:spPr>
+          <p:txBody>
+            <a:bodyPr anchor="ctr" rtlCol="false" tIns="50800" lIns="50800" bIns="50800" rIns="50800"/>
+            <a:lstStyle/>
+            <a:p>
+              <a:pPr algn="ctr">
+                <a:lnSpc>
+                  <a:spcPts val="2519"/>
+                </a:lnSpc>
+              </a:pPr>
+            </a:p>
+          </p:txBody>
+        </p:sp>
+      </p:grpSp>
+      <p:sp>
+        <p:nvSpPr>
+          <p:cNvPr name="Freeform 5" id="5"/>
           <p:cNvSpPr/>
           <p:nvPr/>
         </p:nvSpPr>
         <p:spPr>
           <a:xfrm flipH="false" flipV="false" rot="0">
-            <a:off x="10343432" y="2655122"/>
-            <a:ext cx="7631878" cy="7631878"/>
+            <a:off x="0" y="3816824"/>
+            <a:ext cx="2091147" cy="7931936"/>
           </a:xfrm>
           <a:custGeom>
             <a:avLst/>
@@ -4801,18 +5251,18 @@
             <a:cxnLst/>
             <a:rect r="r" b="b" t="t" l="l"/>
             <a:pathLst>
-              <a:path h="7631878" w="7631878">
+              <a:path h="7931936" w="2091147">
                 <a:moveTo>
                   <a:pt x="0" y="0"/>
                 </a:moveTo>
                 <a:lnTo>
-                  <a:pt x="7631879" y="0"/>
-                </a:lnTo>
-                <a:lnTo>
-                  <a:pt x="7631879" y="7631878"/>
-                </a:lnTo>
-                <a:lnTo>
-                  <a:pt x="0" y="7631878"/>
+                  <a:pt x="2091147" y="0"/>
+                </a:lnTo>
+                <a:lnTo>
+                  <a:pt x="2091147" y="7931937"/>
+                </a:lnTo>
+                <a:lnTo>
+                  <a:pt x="0" y="7931937"/>
                 </a:lnTo>
                 <a:lnTo>
                   <a:pt x="0" y="0"/>
@@ -4823,6 +5273,7 @@
           </a:custGeom>
           <a:blipFill>
             <a:blip r:embed="rId2">
+              <a:alphaModFix amt="43000"/>
               <a:extLst>
                 <a:ext uri="{96DAC541-7B7A-43D3-8B79-37D633B846F1}">
                   <asvg:svgBlip xmlns:asvg="http://schemas.microsoft.com/office/drawing/2016/SVG/main" r:embed="rId3"/>
@@ -4837,14 +5288,14 @@
       </p:sp>
       <p:sp>
         <p:nvSpPr>
-          <p:cNvPr name="Freeform 3" id="3"/>
+          <p:cNvPr name="Freeform 6" id="6"/>
           <p:cNvSpPr/>
           <p:nvPr/>
         </p:nvSpPr>
         <p:spPr>
           <a:xfrm flipH="false" flipV="false" rot="0">
-            <a:off x="8031663" y="6172200"/>
-            <a:ext cx="2311769" cy="4114800"/>
+            <a:off x="16113113" y="1028700"/>
+            <a:ext cx="2174887" cy="9569503"/>
           </a:xfrm>
           <a:custGeom>
             <a:avLst/>
@@ -4853,18 +5304,18 @@
             <a:cxnLst/>
             <a:rect r="r" b="b" t="t" l="l"/>
             <a:pathLst>
-              <a:path h="4114800" w="2311769">
+              <a:path h="9569503" w="2174887">
                 <a:moveTo>
                   <a:pt x="0" y="0"/>
                 </a:moveTo>
                 <a:lnTo>
-                  <a:pt x="2311769" y="0"/>
-                </a:lnTo>
-                <a:lnTo>
-                  <a:pt x="2311769" y="4114800"/>
-                </a:lnTo>
-                <a:lnTo>
-                  <a:pt x="0" y="4114800"/>
+                  <a:pt x="2174887" y="0"/>
+                </a:lnTo>
+                <a:lnTo>
+                  <a:pt x="2174887" y="9569503"/>
+                </a:lnTo>
+                <a:lnTo>
+                  <a:pt x="0" y="9569503"/>
                 </a:lnTo>
                 <a:lnTo>
                   <a:pt x="0" y="0"/>
@@ -4875,6 +5326,7 @@
           </a:custGeom>
           <a:blipFill>
             <a:blip r:embed="rId4">
+              <a:alphaModFix amt="43000"/>
               <a:extLst>
                 <a:ext uri="{96DAC541-7B7A-43D3-8B79-37D633B846F1}">
                   <asvg:svgBlip xmlns:asvg="http://schemas.microsoft.com/office/drawing/2016/SVG/main" r:embed="rId5"/>
@@ -4889,14 +5341,14 @@
       </p:sp>
       <p:sp>
         <p:nvSpPr>
-          <p:cNvPr name="TextBox 4" id="4"/>
+          <p:cNvPr name="TextBox 7" id="7"/>
           <p:cNvSpPr txBox="true"/>
           <p:nvPr/>
         </p:nvSpPr>
         <p:spPr>
           <a:xfrm rot="0">
-            <a:off x="3879961" y="1038225"/>
-            <a:ext cx="733409" cy="7191375"/>
+            <a:off x="6116832" y="9525"/>
+            <a:ext cx="6054336" cy="2390775"/>
           </a:xfrm>
           <a:prstGeom prst="rect">
             <a:avLst/>
@@ -4919,121 +5371,106 @@
             <a:r>
               <a:rPr lang="en-US" sz="9000">
                 <a:solidFill>
-                  <a:srgbClr val="FFFFFF"/>
+                  <a:srgbClr val="000000"/>
                 </a:solidFill>
                 <a:latin typeface="ドットゴシック 12"/>
                 <a:ea typeface="ドットゴシック 12"/>
                 <a:cs typeface="ドットゴシック 12"/>
                 <a:sym typeface="ドットゴシック 12"/>
               </a:rPr>
-              <a:t>実機説明</a:t>
-            </a:r>
-          </a:p>
-        </p:txBody>
-      </p:sp>
-      <p:sp>
-        <p:nvSpPr>
-          <p:cNvPr name="Freeform 5" id="5"/>
-          <p:cNvSpPr/>
+              <a:t>ゲーム概要</a:t>
+            </a:r>
+          </a:p>
+        </p:txBody>
+      </p:sp>
+      <p:sp>
+        <p:nvSpPr>
+          <p:cNvPr name="TextBox 8" id="8"/>
+          <p:cNvSpPr txBox="true"/>
           <p:nvPr/>
         </p:nvSpPr>
         <p:spPr>
-          <a:xfrm flipH="true" flipV="false" rot="0">
-            <a:off x="9144000" y="1263081"/>
-            <a:ext cx="2283604" cy="797185"/>
-          </a:xfrm>
-          <a:custGeom>
+          <a:xfrm rot="0">
+            <a:off x="2349131" y="2217017"/>
+            <a:ext cx="14567819" cy="5565775"/>
+          </a:xfrm>
+          <a:prstGeom prst="rect">
             <a:avLst/>
-            <a:gdLst/>
-            <a:ahLst/>
-            <a:cxnLst/>
-            <a:rect r="r" b="b" t="t" l="l"/>
-            <a:pathLst>
-              <a:path h="797185" w="2283604">
-                <a:moveTo>
-                  <a:pt x="2283604" y="0"/>
-                </a:moveTo>
-                <a:lnTo>
-                  <a:pt x="0" y="0"/>
-                </a:lnTo>
-                <a:lnTo>
-                  <a:pt x="0" y="797185"/>
-                </a:lnTo>
-                <a:lnTo>
-                  <a:pt x="2283604" y="797185"/>
-                </a:lnTo>
-                <a:lnTo>
-                  <a:pt x="2283604" y="0"/>
-                </a:lnTo>
-                <a:close/>
-              </a:path>
-            </a:pathLst>
-          </a:custGeom>
-          <a:blipFill>
-            <a:blip r:embed="rId6">
-              <a:extLst>
-                <a:ext uri="{96DAC541-7B7A-43D3-8B79-37D633B846F1}">
-                  <asvg:svgBlip xmlns:asvg="http://schemas.microsoft.com/office/drawing/2016/SVG/main" r:embed="rId7"/>
-                </a:ext>
-              </a:extLst>
-            </a:blip>
-            <a:stretch>
-              <a:fillRect l="0" t="0" r="0" b="0"/>
-            </a:stretch>
-          </a:blipFill>
-        </p:spPr>
-      </p:sp>
-      <p:sp>
-        <p:nvSpPr>
-          <p:cNvPr name="Freeform 6" id="6"/>
-          <p:cNvSpPr/>
-          <p:nvPr/>
-        </p:nvSpPr>
-        <p:spPr>
-          <a:xfrm flipH="true" flipV="false" rot="0">
-            <a:off x="14546157" y="631973"/>
-            <a:ext cx="4453058" cy="793454"/>
-          </a:xfrm>
-          <a:custGeom>
-            <a:avLst/>
-            <a:gdLst/>
-            <a:ahLst/>
-            <a:cxnLst/>
-            <a:rect r="r" b="b" t="t" l="l"/>
-            <a:pathLst>
-              <a:path h="793454" w="4453058">
-                <a:moveTo>
-                  <a:pt x="4453058" y="0"/>
-                </a:moveTo>
-                <a:lnTo>
-                  <a:pt x="0" y="0"/>
-                </a:lnTo>
-                <a:lnTo>
-                  <a:pt x="0" y="793454"/>
-                </a:lnTo>
-                <a:lnTo>
-                  <a:pt x="4453058" y="793454"/>
-                </a:lnTo>
-                <a:lnTo>
-                  <a:pt x="4453058" y="0"/>
-                </a:lnTo>
-                <a:close/>
-              </a:path>
-            </a:pathLst>
-          </a:custGeom>
-          <a:blipFill>
-            <a:blip r:embed="rId8">
-              <a:extLst>
-                <a:ext uri="{96DAC541-7B7A-43D3-8B79-37D633B846F1}">
-                  <asvg:svgBlip xmlns:asvg="http://schemas.microsoft.com/office/drawing/2016/SVG/main" r:embed="rId9"/>
-                </a:ext>
-              </a:extLst>
-            </a:blip>
-            <a:stretch>
-              <a:fillRect l="0" t="0" r="0" b="0"/>
-            </a:stretch>
-          </a:blipFill>
-        </p:spPr>
+          </a:prstGeom>
+        </p:spPr>
+        <p:txBody>
+          <a:bodyPr anchor="t" rtlCol="false" tIns="0" lIns="0" bIns="0" rIns="0">
+            <a:spAutoFit/>
+          </a:bodyPr>
+          <a:lstStyle/>
+          <a:p>
+            <a:pPr algn="l">
+              <a:lnSpc>
+                <a:spcPts val="9799"/>
+              </a:lnSpc>
+            </a:pPr>
+            <a:r>
+              <a:rPr lang="en-US" sz="6999">
+                <a:solidFill>
+                  <a:srgbClr val="000000"/>
+                </a:solidFill>
+                <a:latin typeface="ドットゴシック 12"/>
+                <a:ea typeface="ドットゴシック 12"/>
+                <a:cs typeface="ドットゴシック 12"/>
+                <a:sym typeface="ドットゴシック 12"/>
+              </a:rPr>
+              <a:t>画像や音楽、文章問題が楽しめる</a:t>
+            </a:r>
+          </a:p>
+          <a:p>
+            <a:pPr algn="l">
+              <a:lnSpc>
+                <a:spcPts val="9799"/>
+              </a:lnSpc>
+            </a:pPr>
+            <a:r>
+              <a:rPr lang="en-US" sz="6999">
+                <a:solidFill>
+                  <a:srgbClr val="000000"/>
+                </a:solidFill>
+                <a:latin typeface="ドットゴシック 12"/>
+                <a:ea typeface="ドットゴシック 12"/>
+                <a:cs typeface="ドットゴシック 12"/>
+                <a:sym typeface="ドットゴシック 12"/>
+              </a:rPr>
+              <a:t>クイズアプリ</a:t>
+            </a:r>
+          </a:p>
+          <a:p>
+            <a:pPr algn="l">
+              <a:lnSpc>
+                <a:spcPts val="9799"/>
+              </a:lnSpc>
+            </a:pPr>
+          </a:p>
+          <a:p>
+            <a:pPr algn="l">
+              <a:lnSpc>
+                <a:spcPts val="9799"/>
+              </a:lnSpc>
+              <a:spcBef>
+                <a:spcPct val="0"/>
+              </a:spcBef>
+            </a:pPr>
+            <a:r>
+              <a:rPr lang="en-US" sz="6999">
+                <a:solidFill>
+                  <a:srgbClr val="000000"/>
+                </a:solidFill>
+                <a:latin typeface="ドットゴシック 12"/>
+                <a:ea typeface="ドットゴシック 12"/>
+                <a:cs typeface="ドットゴシック 12"/>
+                <a:sym typeface="ドットゴシック 12"/>
+              </a:rPr>
+              <a:t>クイズの登録も自分でできる</a:t>
+            </a:r>
+          </a:p>
+        </p:txBody>
       </p:sp>
     </p:spTree>
   </p:cSld>
@@ -5075,6 +5512,290 @@
         </p:nvSpPr>
         <p:spPr>
           <a:xfrm flipH="false" flipV="false" rot="0">
+            <a:off x="10343432" y="2655122"/>
+            <a:ext cx="7631878" cy="7631878"/>
+          </a:xfrm>
+          <a:custGeom>
+            <a:avLst/>
+            <a:gdLst/>
+            <a:ahLst/>
+            <a:cxnLst/>
+            <a:rect r="r" b="b" t="t" l="l"/>
+            <a:pathLst>
+              <a:path h="7631878" w="7631878">
+                <a:moveTo>
+                  <a:pt x="0" y="0"/>
+                </a:moveTo>
+                <a:lnTo>
+                  <a:pt x="7631879" y="0"/>
+                </a:lnTo>
+                <a:lnTo>
+                  <a:pt x="7631879" y="7631878"/>
+                </a:lnTo>
+                <a:lnTo>
+                  <a:pt x="0" y="7631878"/>
+                </a:lnTo>
+                <a:lnTo>
+                  <a:pt x="0" y="0"/>
+                </a:lnTo>
+                <a:close/>
+              </a:path>
+            </a:pathLst>
+          </a:custGeom>
+          <a:blipFill>
+            <a:blip r:embed="rId2">
+              <a:extLst>
+                <a:ext uri="{96DAC541-7B7A-43D3-8B79-37D633B846F1}">
+                  <asvg:svgBlip xmlns:asvg="http://schemas.microsoft.com/office/drawing/2016/SVG/main" r:embed="rId3"/>
+                </a:ext>
+              </a:extLst>
+            </a:blip>
+            <a:stretch>
+              <a:fillRect l="0" t="0" r="0" b="0"/>
+            </a:stretch>
+          </a:blipFill>
+        </p:spPr>
+      </p:sp>
+      <p:sp>
+        <p:nvSpPr>
+          <p:cNvPr name="Freeform 3" id="3"/>
+          <p:cNvSpPr/>
+          <p:nvPr/>
+        </p:nvSpPr>
+        <p:spPr>
+          <a:xfrm flipH="false" flipV="false" rot="0">
+            <a:off x="8031663" y="6172200"/>
+            <a:ext cx="2311769" cy="4114800"/>
+          </a:xfrm>
+          <a:custGeom>
+            <a:avLst/>
+            <a:gdLst/>
+            <a:ahLst/>
+            <a:cxnLst/>
+            <a:rect r="r" b="b" t="t" l="l"/>
+            <a:pathLst>
+              <a:path h="4114800" w="2311769">
+                <a:moveTo>
+                  <a:pt x="0" y="0"/>
+                </a:moveTo>
+                <a:lnTo>
+                  <a:pt x="2311769" y="0"/>
+                </a:lnTo>
+                <a:lnTo>
+                  <a:pt x="2311769" y="4114800"/>
+                </a:lnTo>
+                <a:lnTo>
+                  <a:pt x="0" y="4114800"/>
+                </a:lnTo>
+                <a:lnTo>
+                  <a:pt x="0" y="0"/>
+                </a:lnTo>
+                <a:close/>
+              </a:path>
+            </a:pathLst>
+          </a:custGeom>
+          <a:blipFill>
+            <a:blip r:embed="rId4">
+              <a:extLst>
+                <a:ext uri="{96DAC541-7B7A-43D3-8B79-37D633B846F1}">
+                  <asvg:svgBlip xmlns:asvg="http://schemas.microsoft.com/office/drawing/2016/SVG/main" r:embed="rId5"/>
+                </a:ext>
+              </a:extLst>
+            </a:blip>
+            <a:stretch>
+              <a:fillRect l="0" t="0" r="0" b="0"/>
+            </a:stretch>
+          </a:blipFill>
+        </p:spPr>
+      </p:sp>
+      <p:sp>
+        <p:nvSpPr>
+          <p:cNvPr name="TextBox 4" id="4"/>
+          <p:cNvSpPr txBox="true"/>
+          <p:nvPr/>
+        </p:nvSpPr>
+        <p:spPr>
+          <a:xfrm rot="0">
+            <a:off x="3879961" y="1038225"/>
+            <a:ext cx="733409" cy="7191375"/>
+          </a:xfrm>
+          <a:prstGeom prst="rect">
+            <a:avLst/>
+          </a:prstGeom>
+        </p:spPr>
+        <p:txBody>
+          <a:bodyPr anchor="t" rtlCol="false" tIns="0" lIns="0" bIns="0" rIns="0">
+            <a:spAutoFit/>
+          </a:bodyPr>
+          <a:lstStyle/>
+          <a:p>
+            <a:pPr algn="l">
+              <a:lnSpc>
+                <a:spcPts val="12599"/>
+              </a:lnSpc>
+              <a:spcBef>
+                <a:spcPct val="0"/>
+              </a:spcBef>
+            </a:pPr>
+            <a:r>
+              <a:rPr lang="en-US" sz="9000">
+                <a:solidFill>
+                  <a:srgbClr val="FFFFFF"/>
+                </a:solidFill>
+                <a:latin typeface="ドットゴシック 12"/>
+                <a:ea typeface="ドットゴシック 12"/>
+                <a:cs typeface="ドットゴシック 12"/>
+                <a:sym typeface="ドットゴシック 12"/>
+              </a:rPr>
+              <a:t>実機説明</a:t>
+            </a:r>
+          </a:p>
+        </p:txBody>
+      </p:sp>
+      <p:sp>
+        <p:nvSpPr>
+          <p:cNvPr name="Freeform 5" id="5"/>
+          <p:cNvSpPr/>
+          <p:nvPr/>
+        </p:nvSpPr>
+        <p:spPr>
+          <a:xfrm flipH="true" flipV="false" rot="0">
+            <a:off x="9144000" y="1263081"/>
+            <a:ext cx="2283604" cy="797185"/>
+          </a:xfrm>
+          <a:custGeom>
+            <a:avLst/>
+            <a:gdLst/>
+            <a:ahLst/>
+            <a:cxnLst/>
+            <a:rect r="r" b="b" t="t" l="l"/>
+            <a:pathLst>
+              <a:path h="797185" w="2283604">
+                <a:moveTo>
+                  <a:pt x="2283604" y="0"/>
+                </a:moveTo>
+                <a:lnTo>
+                  <a:pt x="0" y="0"/>
+                </a:lnTo>
+                <a:lnTo>
+                  <a:pt x="0" y="797185"/>
+                </a:lnTo>
+                <a:lnTo>
+                  <a:pt x="2283604" y="797185"/>
+                </a:lnTo>
+                <a:lnTo>
+                  <a:pt x="2283604" y="0"/>
+                </a:lnTo>
+                <a:close/>
+              </a:path>
+            </a:pathLst>
+          </a:custGeom>
+          <a:blipFill>
+            <a:blip r:embed="rId6">
+              <a:extLst>
+                <a:ext uri="{96DAC541-7B7A-43D3-8B79-37D633B846F1}">
+                  <asvg:svgBlip xmlns:asvg="http://schemas.microsoft.com/office/drawing/2016/SVG/main" r:embed="rId7"/>
+                </a:ext>
+              </a:extLst>
+            </a:blip>
+            <a:stretch>
+              <a:fillRect l="0" t="0" r="0" b="0"/>
+            </a:stretch>
+          </a:blipFill>
+        </p:spPr>
+      </p:sp>
+      <p:sp>
+        <p:nvSpPr>
+          <p:cNvPr name="Freeform 6" id="6"/>
+          <p:cNvSpPr/>
+          <p:nvPr/>
+        </p:nvSpPr>
+        <p:spPr>
+          <a:xfrm flipH="true" flipV="false" rot="0">
+            <a:off x="14546157" y="631973"/>
+            <a:ext cx="4453058" cy="793454"/>
+          </a:xfrm>
+          <a:custGeom>
+            <a:avLst/>
+            <a:gdLst/>
+            <a:ahLst/>
+            <a:cxnLst/>
+            <a:rect r="r" b="b" t="t" l="l"/>
+            <a:pathLst>
+              <a:path h="793454" w="4453058">
+                <a:moveTo>
+                  <a:pt x="4453058" y="0"/>
+                </a:moveTo>
+                <a:lnTo>
+                  <a:pt x="0" y="0"/>
+                </a:lnTo>
+                <a:lnTo>
+                  <a:pt x="0" y="793454"/>
+                </a:lnTo>
+                <a:lnTo>
+                  <a:pt x="4453058" y="793454"/>
+                </a:lnTo>
+                <a:lnTo>
+                  <a:pt x="4453058" y="0"/>
+                </a:lnTo>
+                <a:close/>
+              </a:path>
+            </a:pathLst>
+          </a:custGeom>
+          <a:blipFill>
+            <a:blip r:embed="rId8">
+              <a:extLst>
+                <a:ext uri="{96DAC541-7B7A-43D3-8B79-37D633B846F1}">
+                  <asvg:svgBlip xmlns:asvg="http://schemas.microsoft.com/office/drawing/2016/SVG/main" r:embed="rId9"/>
+                </a:ext>
+              </a:extLst>
+            </a:blip>
+            <a:stretch>
+              <a:fillRect l="0" t="0" r="0" b="0"/>
+            </a:stretch>
+          </a:blipFill>
+        </p:spPr>
+      </p:sp>
+    </p:spTree>
+  </p:cSld>
+  <p:clrMapOvr>
+    <a:masterClrMapping/>
+  </p:clrMapOvr>
+</p:sld>
+</file>
+
+<file path=ppt/slides/slide7.xml><?xml version="1.0" encoding="utf-8"?>
+<p:sld xmlns:p="http://schemas.openxmlformats.org/presentationml/2006/main" xmlns:a="http://schemas.openxmlformats.org/drawingml/2006/main" xmlns:r="http://schemas.openxmlformats.org/officeDocument/2006/relationships">
+  <p:cSld>
+    <p:bg>
+      <p:bgPr>
+        <a:solidFill>
+          <a:srgbClr val="59007A"/>
+        </a:solidFill>
+      </p:bgPr>
+    </p:bg>
+    <p:spTree>
+      <p:nvGrpSpPr>
+        <p:cNvPr id="1" name=""/>
+        <p:cNvGrpSpPr/>
+        <p:nvPr/>
+      </p:nvGrpSpPr>
+      <p:grpSpPr>
+        <a:xfrm>
+          <a:off x="0" y="0"/>
+          <a:ext cx="0" cy="0"/>
+          <a:chOff x="0" y="0"/>
+          <a:chExt cx="0" cy="0"/>
+        </a:xfrm>
+      </p:grpSpPr>
+      <p:sp>
+        <p:nvSpPr>
+          <p:cNvPr name="Freeform 2" id="2"/>
+          <p:cNvSpPr/>
+          <p:nvPr/>
+        </p:nvSpPr>
+        <p:spPr>
+          <a:xfrm flipH="false" flipV="false" rot="0">
             <a:off x="-115917" y="6375030"/>
             <a:ext cx="4177832" cy="3911970"/>
           </a:xfrm>
@@ -5127,9 +5848,9 @@
           <p:nvPr/>
         </p:nvSpPr>
         <p:spPr>
-          <a:xfrm flipH="false" flipV="false" rot="0">
-            <a:off x="-521479" y="-413826"/>
-            <a:ext cx="2494479" cy="2494479"/>
+          <a:xfrm flipH="true" flipV="false" rot="0">
+            <a:off x="725760" y="1256800"/>
+            <a:ext cx="2359993" cy="823852"/>
           </a:xfrm>
           <a:custGeom>
             <a:avLst/>
@@ -5138,21 +5859,21 @@
             <a:cxnLst/>
             <a:rect r="r" b="b" t="t" l="l"/>
             <a:pathLst>
-              <a:path h="2494479" w="2494479">
+              <a:path h="823852" w="2359993">
                 <a:moveTo>
-                  <a:pt x="0" y="0"/>
+                  <a:pt x="2359993" y="0"/>
                 </a:moveTo>
                 <a:lnTo>
-                  <a:pt x="2494478" y="0"/>
-                </a:lnTo>
-                <a:lnTo>
-                  <a:pt x="2494478" y="2494479"/>
-                </a:lnTo>
-                <a:lnTo>
-                  <a:pt x="0" y="2494479"/>
-                </a:lnTo>
-                <a:lnTo>
-                  <a:pt x="0" y="0"/>
+                  <a:pt x="0" y="0"/>
+                </a:lnTo>
+                <a:lnTo>
+                  <a:pt x="0" y="823853"/>
+                </a:lnTo>
+                <a:lnTo>
+                  <a:pt x="2359993" y="823853"/>
+                </a:lnTo>
+                <a:lnTo>
+                  <a:pt x="2359993" y="0"/>
                 </a:lnTo>
                 <a:close/>
               </a:path>
@@ -5179,9 +5900,9 @@
           <p:nvPr/>
         </p:nvSpPr>
         <p:spPr>
-          <a:xfrm flipH="true" flipV="false" rot="0">
-            <a:off x="725760" y="1256800"/>
-            <a:ext cx="2359993" cy="823852"/>
+          <a:xfrm flipH="false" flipV="false" rot="0">
+            <a:off x="-521479" y="-413826"/>
+            <a:ext cx="2494479" cy="2494479"/>
           </a:xfrm>
           <a:custGeom>
             <a:avLst/>
@@ -5190,21 +5911,21 @@
             <a:cxnLst/>
             <a:rect r="r" b="b" t="t" l="l"/>
             <a:pathLst>
-              <a:path h="823852" w="2359993">
+              <a:path h="2494479" w="2494479">
                 <a:moveTo>
-                  <a:pt x="2359993" y="0"/>
+                  <a:pt x="0" y="0"/>
                 </a:moveTo>
                 <a:lnTo>
-                  <a:pt x="0" y="0"/>
-                </a:lnTo>
-                <a:lnTo>
-                  <a:pt x="0" y="823853"/>
-                </a:lnTo>
-                <a:lnTo>
-                  <a:pt x="2359993" y="823853"/>
-                </a:lnTo>
-                <a:lnTo>
-                  <a:pt x="2359993" y="0"/>
+                  <a:pt x="2494478" y="0"/>
+                </a:lnTo>
+                <a:lnTo>
+                  <a:pt x="2494478" y="2494479"/>
+                </a:lnTo>
+                <a:lnTo>
+                  <a:pt x="0" y="2494479"/>
+                </a:lnTo>
+                <a:lnTo>
+                  <a:pt x="0" y="0"/>
                 </a:lnTo>
                 <a:close/>
               </a:path>
@@ -5329,9 +6050,126 @@
           </a:blipFill>
         </p:spPr>
       </p:sp>
-      <p:sp>
-        <p:nvSpPr>
-          <p:cNvPr name="TextBox 7" id="7"/>
+      <p:grpSp>
+        <p:nvGrpSpPr>
+          <p:cNvPr name="Group 7" id="7"/>
+          <p:cNvGrpSpPr/>
+          <p:nvPr/>
+        </p:nvGrpSpPr>
+        <p:grpSpPr>
+          <a:xfrm rot="0">
+            <a:off x="1028700" y="684816"/>
+            <a:ext cx="16436790" cy="8229600"/>
+            <a:chOff x="0" y="0"/>
+            <a:chExt cx="4329031" cy="2167467"/>
+          </a:xfrm>
+        </p:grpSpPr>
+        <p:sp>
+          <p:nvSpPr>
+            <p:cNvPr name="Freeform 8" id="8"/>
+            <p:cNvSpPr/>
+            <p:nvPr/>
+          </p:nvSpPr>
+          <p:spPr>
+            <a:xfrm flipH="false" flipV="false" rot="0">
+              <a:off x="0" y="0"/>
+              <a:ext cx="4329031" cy="2167467"/>
+            </a:xfrm>
+            <a:custGeom>
+              <a:avLst/>
+              <a:gdLst/>
+              <a:ahLst/>
+              <a:cxnLst/>
+              <a:rect r="r" b="b" t="t" l="l"/>
+              <a:pathLst>
+                <a:path h="2167467" w="4329031">
+                  <a:moveTo>
+                    <a:pt x="24022" y="0"/>
+                  </a:moveTo>
+                  <a:lnTo>
+                    <a:pt x="4305010" y="0"/>
+                  </a:lnTo>
+                  <a:cubicBezTo>
+                    <a:pt x="4311380" y="0"/>
+                    <a:pt x="4317490" y="2531"/>
+                    <a:pt x="4321995" y="7036"/>
+                  </a:cubicBezTo>
+                  <a:cubicBezTo>
+                    <a:pt x="4326500" y="11541"/>
+                    <a:pt x="4329031" y="17651"/>
+                    <a:pt x="4329031" y="24022"/>
+                  </a:cubicBezTo>
+                  <a:lnTo>
+                    <a:pt x="4329031" y="2143445"/>
+                  </a:lnTo>
+                  <a:cubicBezTo>
+                    <a:pt x="4329031" y="2156712"/>
+                    <a:pt x="4318276" y="2167467"/>
+                    <a:pt x="4305010" y="2167467"/>
+                  </a:cubicBezTo>
+                  <a:lnTo>
+                    <a:pt x="24022" y="2167467"/>
+                  </a:lnTo>
+                  <a:cubicBezTo>
+                    <a:pt x="17651" y="2167467"/>
+                    <a:pt x="11541" y="2164936"/>
+                    <a:pt x="7036" y="2160431"/>
+                  </a:cubicBezTo>
+                  <a:cubicBezTo>
+                    <a:pt x="2531" y="2155926"/>
+                    <a:pt x="0" y="2149816"/>
+                    <a:pt x="0" y="2143445"/>
+                  </a:cubicBezTo>
+                  <a:lnTo>
+                    <a:pt x="0" y="24022"/>
+                  </a:lnTo>
+                  <a:cubicBezTo>
+                    <a:pt x="0" y="10755"/>
+                    <a:pt x="10755" y="0"/>
+                    <a:pt x="24022" y="0"/>
+                  </a:cubicBezTo>
+                  <a:close/>
+                </a:path>
+              </a:pathLst>
+            </a:custGeom>
+            <a:solidFill>
+              <a:srgbClr val="FFFFFF">
+                <a:alpha val="60000"/>
+              </a:srgbClr>
+            </a:solidFill>
+          </p:spPr>
+        </p:sp>
+        <p:sp>
+          <p:nvSpPr>
+            <p:cNvPr name="TextBox 9" id="9"/>
+            <p:cNvSpPr txBox="true"/>
+            <p:nvPr/>
+          </p:nvSpPr>
+          <p:spPr>
+            <a:xfrm>
+              <a:off x="0" y="-28575"/>
+              <a:ext cx="4329031" cy="2196042"/>
+            </a:xfrm>
+            <a:prstGeom prst="rect">
+              <a:avLst/>
+            </a:prstGeom>
+          </p:spPr>
+          <p:txBody>
+            <a:bodyPr anchor="ctr" rtlCol="false" tIns="50800" lIns="50800" bIns="50800" rIns="50800"/>
+            <a:lstStyle/>
+            <a:p>
+              <a:pPr algn="ctr">
+                <a:lnSpc>
+                  <a:spcPts val="2519"/>
+                </a:lnSpc>
+              </a:pPr>
+            </a:p>
+          </p:txBody>
+        </p:sp>
+      </p:grpSp>
+      <p:sp>
+        <p:nvSpPr>
+          <p:cNvPr name="TextBox 10" id="10"/>
           <p:cNvSpPr txBox="true"/>
           <p:nvPr/>
         </p:nvSpPr>
@@ -5361,7 +6199,7 @@
             <a:r>
               <a:rPr lang="en-US" sz="9000">
                 <a:solidFill>
-                  <a:srgbClr val="FFFFFF"/>
+                  <a:srgbClr val="000000"/>
                 </a:solidFill>
                 <a:latin typeface="ドットゴシック 12"/>
                 <a:ea typeface="ドットゴシック 12"/>
@@ -5375,14 +6213,14 @@
       </p:sp>
       <p:sp>
         <p:nvSpPr>
-          <p:cNvPr name="TextBox 8" id="8"/>
+          <p:cNvPr name="TextBox 11" id="11"/>
           <p:cNvSpPr txBox="true"/>
           <p:nvPr/>
         </p:nvSpPr>
         <p:spPr>
           <a:xfrm rot="0">
             <a:off x="4061916" y="3099361"/>
-            <a:ext cx="11052783" cy="3089275"/>
+            <a:ext cx="11052783" cy="4327525"/>
           </a:xfrm>
           <a:prstGeom prst="rect">
             <a:avLst/>
@@ -5402,15 +6240,22 @@
             <a:r>
               <a:rPr lang="en-US" sz="6999">
                 <a:solidFill>
-                  <a:srgbClr val="FFFFFF"/>
+                  <a:srgbClr val="000000"/>
                 </a:solidFill>
                 <a:latin typeface="ドットゴシック 12"/>
                 <a:ea typeface="ドットゴシック 12"/>
                 <a:cs typeface="ドットゴシック 12"/>
                 <a:sym typeface="ドットゴシック 12"/>
               </a:rPr>
-              <a:t>他の絞り込みを追加</a:t>
-            </a:r>
+              <a:t>ジャンルごとのソート機能</a:t>
+            </a:r>
+          </a:p>
+          <a:p>
+            <a:pPr algn="l">
+              <a:lnSpc>
+                <a:spcPts val="9799"/>
+              </a:lnSpc>
+            </a:pPr>
           </a:p>
           <a:p>
             <a:pPr algn="l">
@@ -5424,14 +6269,14 @@
             <a:r>
               <a:rPr lang="en-US" sz="6999">
                 <a:solidFill>
-                  <a:srgbClr val="FFFFFF"/>
+                  <a:srgbClr val="000000"/>
                 </a:solidFill>
                 <a:latin typeface="ドットゴシック 12"/>
                 <a:ea typeface="ドットゴシック 12"/>
                 <a:cs typeface="ドットゴシック 12"/>
                 <a:sym typeface="ドットゴシック 12"/>
               </a:rPr>
-              <a:t>ランダム機能の追加</a:t>
+              <a:t>ゲーム性の追加</a:t>
             </a:r>
           </a:p>
         </p:txBody>
@@ -5444,7 +6289,7 @@
 </p:sld>
 </file>
 
-<file path=ppt/slides/slide7.xml><?xml version="1.0" encoding="utf-8"?>
+<file path=ppt/slides/slide8.xml><?xml version="1.0" encoding="utf-8"?>
 <p:sld xmlns:p="http://schemas.openxmlformats.org/presentationml/2006/main" xmlns:a="http://schemas.openxmlformats.org/drawingml/2006/main" xmlns:r="http://schemas.openxmlformats.org/officeDocument/2006/relationships">
   <p:cSld>
     <p:bg>

--- a/flutter_application_1/flutter2025_yogiashi.pptx
+++ b/flutter_application_1/flutter2025_yogiashi.pptx
@@ -1,29 +1,29 @@
 
 <file path=ppt/presentation.xml><?xml version="1.0" encoding="utf-8"?>
-<p:presentation xmlns:a="http://schemas.openxmlformats.org/drawingml/2006/main" xmlns:r="http://schemas.openxmlformats.org/officeDocument/2006/relationships" xmlns:p="http://schemas.openxmlformats.org/presentationml/2006/main" saveSubsetFonts="1" embedTrueTypeFonts="true">
+<p:presentation xmlns:a="http://schemas.openxmlformats.org/drawingml/2006/main" xmlns:r="http://schemas.openxmlformats.org/officeDocument/2006/relationships" xmlns:p="http://schemas.openxmlformats.org/presentationml/2006/main" embedTrueTypeFonts="1" saveSubsetFonts="1">
   <p:sldMasterIdLst>
     <p:sldMasterId id="2147483648" r:id="rId1"/>
   </p:sldMasterIdLst>
   <p:sldIdLst>
-    <p:sldId id="256" r:id="rId6"/>
-    <p:sldId id="257" r:id="rId7"/>
-    <p:sldId id="258" r:id="rId8"/>
-    <p:sldId id="259" r:id="rId9"/>
-    <p:sldId id="260" r:id="rId10"/>
-    <p:sldId id="261" r:id="rId11"/>
-    <p:sldId id="262" r:id="rId12"/>
-    <p:sldId id="263" r:id="rId13"/>
+    <p:sldId id="256" r:id="rId2"/>
+    <p:sldId id="257" r:id="rId3"/>
+    <p:sldId id="258" r:id="rId4"/>
+    <p:sldId id="259" r:id="rId5"/>
+    <p:sldId id="260" r:id="rId6"/>
+    <p:sldId id="261" r:id="rId7"/>
+    <p:sldId id="262" r:id="rId8"/>
+    <p:sldId id="263" r:id="rId9"/>
   </p:sldIdLst>
   <p:sldSz cx="18288000" cy="10287000"/>
   <p:notesSz cx="6858000" cy="9144000"/>
   <p:embeddedFontLst>
     <p:embeddedFont>
-      <p:font typeface="ドットゴシック 12" charset="1" panose="02020600000000000000"/>
-      <p:regular r:id="rId14"/>
+      <p:font typeface="ドットゴシック 12" panose="020B0600070205080204" charset="-128"/>
+      <p:regular r:id="rId10"/>
     </p:embeddedFont>
     <p:embeddedFont>
-      <p:font typeface="Arcade Gamer" charset="1" panose="00000000000000000000"/>
-      <p:regular r:id="rId15"/>
+      <p:font typeface="Arcade Gamer" panose="020B0600070205080204" charset="0"/>
+      <p:regular r:id="rId11"/>
     </p:embeddedFont>
   </p:embeddedFontLst>
   <p:defaultTextStyle>
@@ -121,6 +121,22 @@
       </a:defRPr>
     </a:lvl9pPr>
   </p:defaultTextStyle>
+  <p:extLst>
+    <p:ext uri="{EFAFB233-063F-42B5-8137-9DF3F51BA10A}">
+      <p15:sldGuideLst xmlns:p15="http://schemas.microsoft.com/office/powerpoint/2012/main">
+        <p15:guide id="1" orient="horz" pos="2160">
+          <p15:clr>
+            <a:srgbClr val="A4A3A4"/>
+          </p15:clr>
+        </p15:guide>
+        <p15:guide id="2" pos="2880">
+          <p15:clr>
+            <a:srgbClr val="A4A3A4"/>
+          </p15:clr>
+        </p15:guide>
+      </p15:sldGuideLst>
+    </p:ext>
+  </p:extLst>
 </p:presentation>
 </file>
 
@@ -162,10 +178,9 @@
           <a:lstStyle/>
           <a:p>
             <a:r>
-              <a:rPr lang="en-US" smtClean="0"/>
+              <a:rPr lang="en-US"/>
               <a:t>Click to edit Master title style</a:t>
             </a:r>
-            <a:endParaRPr lang="en-US"/>
           </a:p>
         </p:txBody>
       </p:sp>
@@ -281,10 +296,9 @@
           </a:lstStyle>
           <a:p>
             <a:r>
-              <a:rPr lang="en-US" smtClean="0"/>
+              <a:rPr lang="en-US"/>
               <a:t>Click to edit Master subtitle style</a:t>
             </a:r>
-            <a:endParaRPr lang="en-US"/>
           </a:p>
         </p:txBody>
       </p:sp>
@@ -306,7 +320,7 @@
             <a:fld id="{1D8BD707-D9CF-40AE-B4C6-C98DA3205C09}" type="datetimeFigureOut">
               <a:rPr lang="en-US" smtClean="0"/>
               <a:pPr/>
-              <a:t>8/1/2011</a:t>
+              <a:t>7/10/2025</a:t>
             </a:fld>
             <a:endParaRPr lang="en-US"/>
           </a:p>
@@ -396,10 +410,9 @@
           <a:lstStyle/>
           <a:p>
             <a:r>
-              <a:rPr lang="en-US" smtClean="0"/>
+              <a:rPr lang="en-US"/>
               <a:t>Click to edit Master title style</a:t>
             </a:r>
-            <a:endParaRPr lang="en-US"/>
           </a:p>
         </p:txBody>
       </p:sp>
@@ -420,38 +433,37 @@
           <a:p>
             <a:pPr lvl="0"/>
             <a:r>
-              <a:rPr lang="en-US" smtClean="0"/>
+              <a:rPr lang="en-US"/>
               <a:t>Click to edit Master text styles</a:t>
             </a:r>
           </a:p>
           <a:p>
             <a:pPr lvl="1"/>
             <a:r>
-              <a:rPr lang="en-US" smtClean="0"/>
+              <a:rPr lang="en-US"/>
               <a:t>Second level</a:t>
             </a:r>
           </a:p>
           <a:p>
             <a:pPr lvl="2"/>
             <a:r>
-              <a:rPr lang="en-US" smtClean="0"/>
+              <a:rPr lang="en-US"/>
               <a:t>Third level</a:t>
             </a:r>
           </a:p>
           <a:p>
             <a:pPr lvl="3"/>
             <a:r>
-              <a:rPr lang="en-US" smtClean="0"/>
+              <a:rPr lang="en-US"/>
               <a:t>Fourth level</a:t>
             </a:r>
           </a:p>
           <a:p>
             <a:pPr lvl="4"/>
             <a:r>
-              <a:rPr lang="en-US" smtClean="0"/>
+              <a:rPr lang="en-US"/>
               <a:t>Fifth level</a:t>
             </a:r>
-            <a:endParaRPr lang="en-US"/>
           </a:p>
         </p:txBody>
       </p:sp>
@@ -473,7 +485,7 @@
             <a:fld id="{1D8BD707-D9CF-40AE-B4C6-C98DA3205C09}" type="datetimeFigureOut">
               <a:rPr lang="en-US" smtClean="0"/>
               <a:pPr/>
-              <a:t>8/1/2011</a:t>
+              <a:t>7/10/2025</a:t>
             </a:fld>
             <a:endParaRPr lang="en-US"/>
           </a:p>
@@ -568,10 +580,9 @@
           <a:lstStyle/>
           <a:p>
             <a:r>
-              <a:rPr lang="en-US" smtClean="0"/>
+              <a:rPr lang="en-US"/>
               <a:t>Click to edit Master title style</a:t>
             </a:r>
-            <a:endParaRPr lang="en-US"/>
           </a:p>
         </p:txBody>
       </p:sp>
@@ -597,38 +608,37 @@
           <a:p>
             <a:pPr lvl="0"/>
             <a:r>
-              <a:rPr lang="en-US" smtClean="0"/>
+              <a:rPr lang="en-US"/>
               <a:t>Click to edit Master text styles</a:t>
             </a:r>
           </a:p>
           <a:p>
             <a:pPr lvl="1"/>
             <a:r>
-              <a:rPr lang="en-US" smtClean="0"/>
+              <a:rPr lang="en-US"/>
               <a:t>Second level</a:t>
             </a:r>
           </a:p>
           <a:p>
             <a:pPr lvl="2"/>
             <a:r>
-              <a:rPr lang="en-US" smtClean="0"/>
+              <a:rPr lang="en-US"/>
               <a:t>Third level</a:t>
             </a:r>
           </a:p>
           <a:p>
             <a:pPr lvl="3"/>
             <a:r>
-              <a:rPr lang="en-US" smtClean="0"/>
+              <a:rPr lang="en-US"/>
               <a:t>Fourth level</a:t>
             </a:r>
           </a:p>
           <a:p>
             <a:pPr lvl="4"/>
             <a:r>
-              <a:rPr lang="en-US" smtClean="0"/>
+              <a:rPr lang="en-US"/>
               <a:t>Fifth level</a:t>
             </a:r>
-            <a:endParaRPr lang="en-US"/>
           </a:p>
         </p:txBody>
       </p:sp>
@@ -650,7 +660,7 @@
             <a:fld id="{1D8BD707-D9CF-40AE-B4C6-C98DA3205C09}" type="datetimeFigureOut">
               <a:rPr lang="en-US" smtClean="0"/>
               <a:pPr/>
-              <a:t>8/1/2011</a:t>
+              <a:t>7/10/2025</a:t>
             </a:fld>
             <a:endParaRPr lang="en-US"/>
           </a:p>
@@ -740,10 +750,9 @@
           <a:lstStyle/>
           <a:p>
             <a:r>
-              <a:rPr lang="en-US" smtClean="0"/>
+              <a:rPr lang="en-US"/>
               <a:t>Click to edit Master title style</a:t>
             </a:r>
-            <a:endParaRPr lang="en-US"/>
           </a:p>
         </p:txBody>
       </p:sp>
@@ -764,38 +773,37 @@
           <a:p>
             <a:pPr lvl="0"/>
             <a:r>
-              <a:rPr lang="en-US" smtClean="0"/>
+              <a:rPr lang="en-US"/>
               <a:t>Click to edit Master text styles</a:t>
             </a:r>
           </a:p>
           <a:p>
             <a:pPr lvl="1"/>
             <a:r>
-              <a:rPr lang="en-US" smtClean="0"/>
+              <a:rPr lang="en-US"/>
               <a:t>Second level</a:t>
             </a:r>
           </a:p>
           <a:p>
             <a:pPr lvl="2"/>
             <a:r>
-              <a:rPr lang="en-US" smtClean="0"/>
+              <a:rPr lang="en-US"/>
               <a:t>Third level</a:t>
             </a:r>
           </a:p>
           <a:p>
             <a:pPr lvl="3"/>
             <a:r>
-              <a:rPr lang="en-US" smtClean="0"/>
+              <a:rPr lang="en-US"/>
               <a:t>Fourth level</a:t>
             </a:r>
           </a:p>
           <a:p>
             <a:pPr lvl="4"/>
             <a:r>
-              <a:rPr lang="en-US" smtClean="0"/>
+              <a:rPr lang="en-US"/>
               <a:t>Fifth level</a:t>
             </a:r>
-            <a:endParaRPr lang="en-US"/>
           </a:p>
         </p:txBody>
       </p:sp>
@@ -817,7 +825,7 @@
             <a:fld id="{1D8BD707-D9CF-40AE-B4C6-C98DA3205C09}" type="datetimeFigureOut">
               <a:rPr lang="en-US" smtClean="0"/>
               <a:pPr/>
-              <a:t>8/1/2011</a:t>
+              <a:t>7/10/2025</a:t>
             </a:fld>
             <a:endParaRPr lang="en-US"/>
           </a:p>
@@ -916,10 +924,9 @@
           </a:lstStyle>
           <a:p>
             <a:r>
-              <a:rPr lang="en-US" smtClean="0"/>
+              <a:rPr lang="en-US"/>
               <a:t>Click to edit Master title style</a:t>
             </a:r>
-            <a:endParaRPr lang="en-US"/>
           </a:p>
         </p:txBody>
       </p:sp>
@@ -1036,7 +1043,7 @@
           <a:p>
             <a:pPr lvl="0"/>
             <a:r>
-              <a:rPr lang="en-US" smtClean="0"/>
+              <a:rPr lang="en-US"/>
               <a:t>Click to edit Master text styles</a:t>
             </a:r>
           </a:p>
@@ -1060,7 +1067,7 @@
             <a:fld id="{1D8BD707-D9CF-40AE-B4C6-C98DA3205C09}" type="datetimeFigureOut">
               <a:rPr lang="en-US" smtClean="0"/>
               <a:pPr/>
-              <a:t>8/1/2011</a:t>
+              <a:t>7/10/2025</a:t>
             </a:fld>
             <a:endParaRPr lang="en-US"/>
           </a:p>
@@ -1150,10 +1157,9 @@
           <a:lstStyle/>
           <a:p>
             <a:r>
-              <a:rPr lang="en-US" smtClean="0"/>
+              <a:rPr lang="en-US"/>
               <a:t>Click to edit Master title style</a:t>
             </a:r>
-            <a:endParaRPr lang="en-US"/>
           </a:p>
         </p:txBody>
       </p:sp>
@@ -1207,38 +1213,37 @@
           <a:p>
             <a:pPr lvl="0"/>
             <a:r>
-              <a:rPr lang="en-US" smtClean="0"/>
+              <a:rPr lang="en-US"/>
               <a:t>Click to edit Master text styles</a:t>
             </a:r>
           </a:p>
           <a:p>
             <a:pPr lvl="1"/>
             <a:r>
-              <a:rPr lang="en-US" smtClean="0"/>
+              <a:rPr lang="en-US"/>
               <a:t>Second level</a:t>
             </a:r>
           </a:p>
           <a:p>
             <a:pPr lvl="2"/>
             <a:r>
-              <a:rPr lang="en-US" smtClean="0"/>
+              <a:rPr lang="en-US"/>
               <a:t>Third level</a:t>
             </a:r>
           </a:p>
           <a:p>
             <a:pPr lvl="3"/>
             <a:r>
-              <a:rPr lang="en-US" smtClean="0"/>
+              <a:rPr lang="en-US"/>
               <a:t>Fourth level</a:t>
             </a:r>
           </a:p>
           <a:p>
             <a:pPr lvl="4"/>
             <a:r>
-              <a:rPr lang="en-US" smtClean="0"/>
+              <a:rPr lang="en-US"/>
               <a:t>Fifth level</a:t>
             </a:r>
-            <a:endParaRPr lang="en-US"/>
           </a:p>
         </p:txBody>
       </p:sp>
@@ -1292,38 +1297,37 @@
           <a:p>
             <a:pPr lvl="0"/>
             <a:r>
-              <a:rPr lang="en-US" smtClean="0"/>
+              <a:rPr lang="en-US"/>
               <a:t>Click to edit Master text styles</a:t>
             </a:r>
           </a:p>
           <a:p>
             <a:pPr lvl="1"/>
             <a:r>
-              <a:rPr lang="en-US" smtClean="0"/>
+              <a:rPr lang="en-US"/>
               <a:t>Second level</a:t>
             </a:r>
           </a:p>
           <a:p>
             <a:pPr lvl="2"/>
             <a:r>
-              <a:rPr lang="en-US" smtClean="0"/>
+              <a:rPr lang="en-US"/>
               <a:t>Third level</a:t>
             </a:r>
           </a:p>
           <a:p>
             <a:pPr lvl="3"/>
             <a:r>
-              <a:rPr lang="en-US" smtClean="0"/>
+              <a:rPr lang="en-US"/>
               <a:t>Fourth level</a:t>
             </a:r>
           </a:p>
           <a:p>
             <a:pPr lvl="4"/>
             <a:r>
-              <a:rPr lang="en-US" smtClean="0"/>
+              <a:rPr lang="en-US"/>
               <a:t>Fifth level</a:t>
             </a:r>
-            <a:endParaRPr lang="en-US"/>
           </a:p>
         </p:txBody>
       </p:sp>
@@ -1345,7 +1349,7 @@
             <a:fld id="{1D8BD707-D9CF-40AE-B4C6-C98DA3205C09}" type="datetimeFigureOut">
               <a:rPr lang="en-US" smtClean="0"/>
               <a:pPr/>
-              <a:t>8/1/2011</a:t>
+              <a:t>7/10/2025</a:t>
             </a:fld>
             <a:endParaRPr lang="en-US"/>
           </a:p>
@@ -1439,10 +1443,9 @@
           </a:lstStyle>
           <a:p>
             <a:r>
-              <a:rPr lang="en-US" smtClean="0"/>
+              <a:rPr lang="en-US"/>
               <a:t>Click to edit Master title style</a:t>
             </a:r>
-            <a:endParaRPr lang="en-US"/>
           </a:p>
         </p:txBody>
       </p:sp>
@@ -1505,7 +1508,7 @@
           <a:p>
             <a:pPr lvl="0"/>
             <a:r>
-              <a:rPr lang="en-US" smtClean="0"/>
+              <a:rPr lang="en-US"/>
               <a:t>Click to edit Master text styles</a:t>
             </a:r>
           </a:p>
@@ -1561,38 +1564,37 @@
           <a:p>
             <a:pPr lvl="0"/>
             <a:r>
-              <a:rPr lang="en-US" smtClean="0"/>
+              <a:rPr lang="en-US"/>
               <a:t>Click to edit Master text styles</a:t>
             </a:r>
           </a:p>
           <a:p>
             <a:pPr lvl="1"/>
             <a:r>
-              <a:rPr lang="en-US" smtClean="0"/>
+              <a:rPr lang="en-US"/>
               <a:t>Second level</a:t>
             </a:r>
           </a:p>
           <a:p>
             <a:pPr lvl="2"/>
             <a:r>
-              <a:rPr lang="en-US" smtClean="0"/>
+              <a:rPr lang="en-US"/>
               <a:t>Third level</a:t>
             </a:r>
           </a:p>
           <a:p>
             <a:pPr lvl="3"/>
             <a:r>
-              <a:rPr lang="en-US" smtClean="0"/>
+              <a:rPr lang="en-US"/>
               <a:t>Fourth level</a:t>
             </a:r>
           </a:p>
           <a:p>
             <a:pPr lvl="4"/>
             <a:r>
-              <a:rPr lang="en-US" smtClean="0"/>
+              <a:rPr lang="en-US"/>
               <a:t>Fifth level</a:t>
             </a:r>
-            <a:endParaRPr lang="en-US"/>
           </a:p>
         </p:txBody>
       </p:sp>
@@ -1655,7 +1657,7 @@
           <a:p>
             <a:pPr lvl="0"/>
             <a:r>
-              <a:rPr lang="en-US" smtClean="0"/>
+              <a:rPr lang="en-US"/>
               <a:t>Click to edit Master text styles</a:t>
             </a:r>
           </a:p>
@@ -1711,38 +1713,37 @@
           <a:p>
             <a:pPr lvl="0"/>
             <a:r>
-              <a:rPr lang="en-US" smtClean="0"/>
+              <a:rPr lang="en-US"/>
               <a:t>Click to edit Master text styles</a:t>
             </a:r>
           </a:p>
           <a:p>
             <a:pPr lvl="1"/>
             <a:r>
-              <a:rPr lang="en-US" smtClean="0"/>
+              <a:rPr lang="en-US"/>
               <a:t>Second level</a:t>
             </a:r>
           </a:p>
           <a:p>
             <a:pPr lvl="2"/>
             <a:r>
-              <a:rPr lang="en-US" smtClean="0"/>
+              <a:rPr lang="en-US"/>
               <a:t>Third level</a:t>
             </a:r>
           </a:p>
           <a:p>
             <a:pPr lvl="3"/>
             <a:r>
-              <a:rPr lang="en-US" smtClean="0"/>
+              <a:rPr lang="en-US"/>
               <a:t>Fourth level</a:t>
             </a:r>
           </a:p>
           <a:p>
             <a:pPr lvl="4"/>
             <a:r>
-              <a:rPr lang="en-US" smtClean="0"/>
+              <a:rPr lang="en-US"/>
               <a:t>Fifth level</a:t>
             </a:r>
-            <a:endParaRPr lang="en-US"/>
           </a:p>
         </p:txBody>
       </p:sp>
@@ -1764,7 +1765,7 @@
             <a:fld id="{1D8BD707-D9CF-40AE-B4C6-C98DA3205C09}" type="datetimeFigureOut">
               <a:rPr lang="en-US" smtClean="0"/>
               <a:pPr/>
-              <a:t>8/1/2011</a:t>
+              <a:t>7/10/2025</a:t>
             </a:fld>
             <a:endParaRPr lang="en-US"/>
           </a:p>
@@ -1854,10 +1855,9 @@
           <a:lstStyle/>
           <a:p>
             <a:r>
-              <a:rPr lang="en-US" smtClean="0"/>
+              <a:rPr lang="en-US"/>
               <a:t>Click to edit Master title style</a:t>
             </a:r>
-            <a:endParaRPr lang="en-US"/>
           </a:p>
         </p:txBody>
       </p:sp>
@@ -1879,7 +1879,7 @@
             <a:fld id="{1D8BD707-D9CF-40AE-B4C6-C98DA3205C09}" type="datetimeFigureOut">
               <a:rPr lang="en-US" smtClean="0"/>
               <a:pPr/>
-              <a:t>8/1/2011</a:t>
+              <a:t>7/10/2025</a:t>
             </a:fld>
             <a:endParaRPr lang="en-US"/>
           </a:p>
@@ -1971,7 +1971,7 @@
             <a:fld id="{1D8BD707-D9CF-40AE-B4C6-C98DA3205C09}" type="datetimeFigureOut">
               <a:rPr lang="en-US" smtClean="0"/>
               <a:pPr/>
-              <a:t>8/1/2011</a:t>
+              <a:t>7/10/2025</a:t>
             </a:fld>
             <a:endParaRPr lang="en-US"/>
           </a:p>
@@ -2070,10 +2070,9 @@
           </a:lstStyle>
           <a:p>
             <a:r>
-              <a:rPr lang="en-US" smtClean="0"/>
+              <a:rPr lang="en-US"/>
               <a:t>Click to edit Master title style</a:t>
             </a:r>
-            <a:endParaRPr lang="en-US"/>
           </a:p>
         </p:txBody>
       </p:sp>
@@ -2127,38 +2126,37 @@
           <a:p>
             <a:pPr lvl="0"/>
             <a:r>
-              <a:rPr lang="en-US" smtClean="0"/>
+              <a:rPr lang="en-US"/>
               <a:t>Click to edit Master text styles</a:t>
             </a:r>
           </a:p>
           <a:p>
             <a:pPr lvl="1"/>
             <a:r>
-              <a:rPr lang="en-US" smtClean="0"/>
+              <a:rPr lang="en-US"/>
               <a:t>Second level</a:t>
             </a:r>
           </a:p>
           <a:p>
             <a:pPr lvl="2"/>
             <a:r>
-              <a:rPr lang="en-US" smtClean="0"/>
+              <a:rPr lang="en-US"/>
               <a:t>Third level</a:t>
             </a:r>
           </a:p>
           <a:p>
             <a:pPr lvl="3"/>
             <a:r>
-              <a:rPr lang="en-US" smtClean="0"/>
+              <a:rPr lang="en-US"/>
               <a:t>Fourth level</a:t>
             </a:r>
           </a:p>
           <a:p>
             <a:pPr lvl="4"/>
             <a:r>
-              <a:rPr lang="en-US" smtClean="0"/>
+              <a:rPr lang="en-US"/>
               <a:t>Fifth level</a:t>
             </a:r>
-            <a:endParaRPr lang="en-US"/>
           </a:p>
         </p:txBody>
       </p:sp>
@@ -2221,7 +2219,7 @@
           <a:p>
             <a:pPr lvl="0"/>
             <a:r>
-              <a:rPr lang="en-US" smtClean="0"/>
+              <a:rPr lang="en-US"/>
               <a:t>Click to edit Master text styles</a:t>
             </a:r>
           </a:p>
@@ -2245,7 +2243,7 @@
             <a:fld id="{1D8BD707-D9CF-40AE-B4C6-C98DA3205C09}" type="datetimeFigureOut">
               <a:rPr lang="en-US" smtClean="0"/>
               <a:pPr/>
-              <a:t>8/1/2011</a:t>
+              <a:t>7/10/2025</a:t>
             </a:fld>
             <a:endParaRPr lang="en-US"/>
           </a:p>
@@ -2344,10 +2342,9 @@
           </a:lstStyle>
           <a:p>
             <a:r>
-              <a:rPr lang="en-US" smtClean="0"/>
+              <a:rPr lang="en-US"/>
               <a:t>Click to edit Master title style</a:t>
             </a:r>
-            <a:endParaRPr lang="en-US"/>
           </a:p>
         </p:txBody>
       </p:sp>
@@ -2471,7 +2468,7 @@
           <a:p>
             <a:pPr lvl="0"/>
             <a:r>
-              <a:rPr lang="en-US" smtClean="0"/>
+              <a:rPr lang="en-US"/>
               <a:t>Click to edit Master text styles</a:t>
             </a:r>
           </a:p>
@@ -2495,7 +2492,7 @@
             <a:fld id="{1D8BD707-D9CF-40AE-B4C6-C98DA3205C09}" type="datetimeFigureOut">
               <a:rPr lang="en-US" smtClean="0"/>
               <a:pPr/>
-              <a:t>8/1/2011</a:t>
+              <a:t>7/10/2025</a:t>
             </a:fld>
             <a:endParaRPr lang="en-US"/>
           </a:p>
@@ -2600,10 +2597,9 @@
           <a:lstStyle/>
           <a:p>
             <a:r>
-              <a:rPr lang="en-US" smtClean="0"/>
+              <a:rPr lang="en-US"/>
               <a:t>Click to edit Master title style</a:t>
             </a:r>
-            <a:endParaRPr lang="en-US"/>
           </a:p>
         </p:txBody>
       </p:sp>
@@ -2634,38 +2630,37 @@
           <a:p>
             <a:pPr lvl="0"/>
             <a:r>
-              <a:rPr lang="en-US" smtClean="0"/>
+              <a:rPr lang="en-US"/>
               <a:t>Click to edit Master text styles</a:t>
             </a:r>
           </a:p>
           <a:p>
             <a:pPr lvl="1"/>
             <a:r>
-              <a:rPr lang="en-US" smtClean="0"/>
+              <a:rPr lang="en-US"/>
               <a:t>Second level</a:t>
             </a:r>
           </a:p>
           <a:p>
             <a:pPr lvl="2"/>
             <a:r>
-              <a:rPr lang="en-US" smtClean="0"/>
+              <a:rPr lang="en-US"/>
               <a:t>Third level</a:t>
             </a:r>
           </a:p>
           <a:p>
             <a:pPr lvl="3"/>
             <a:r>
-              <a:rPr lang="en-US" smtClean="0"/>
+              <a:rPr lang="en-US"/>
               <a:t>Fourth level</a:t>
             </a:r>
           </a:p>
           <a:p>
             <a:pPr lvl="4"/>
             <a:r>
-              <a:rPr lang="en-US" smtClean="0"/>
+              <a:rPr lang="en-US"/>
               <a:t>Fifth level</a:t>
             </a:r>
-            <a:endParaRPr lang="en-US"/>
           </a:p>
         </p:txBody>
       </p:sp>
@@ -2705,7 +2700,7 @@
             <a:fld id="{1D8BD707-D9CF-40AE-B4C6-C98DA3205C09}" type="datetimeFigureOut">
               <a:rPr lang="en-US" smtClean="0"/>
               <a:pPr/>
-              <a:t>8/1/2011</a:t>
+              <a:t>7/10/2025</a:t>
             </a:fld>
             <a:endParaRPr lang="en-US"/>
           </a:p>
@@ -3060,13 +3055,14 @@
 </file>
 
 <file path=ppt/slides/slide1.xml><?xml version="1.0" encoding="utf-8"?>
-<p:sld xmlns:p="http://schemas.openxmlformats.org/presentationml/2006/main" xmlns:a="http://schemas.openxmlformats.org/drawingml/2006/main" xmlns:r="http://schemas.openxmlformats.org/officeDocument/2006/relationships">
+<p:sld xmlns:a="http://schemas.openxmlformats.org/drawingml/2006/main" xmlns:r="http://schemas.openxmlformats.org/officeDocument/2006/relationships" xmlns:p="http://schemas.openxmlformats.org/presentationml/2006/main">
   <p:cSld>
     <p:bg>
       <p:bgPr>
         <a:solidFill>
           <a:srgbClr val="59007A"/>
         </a:solidFill>
+        <a:effectLst/>
       </p:bgPr>
     </p:bg>
     <p:spTree>
@@ -3085,12 +3081,12 @@
       </p:grpSpPr>
       <p:sp>
         <p:nvSpPr>
-          <p:cNvPr name="Freeform 2" id="2"/>
+          <p:cNvPr id="2" name="Freeform 2"/>
           <p:cNvSpPr/>
           <p:nvPr/>
         </p:nvSpPr>
         <p:spPr>
-          <a:xfrm flipH="false" flipV="false" rot="0">
+          <a:xfrm>
             <a:off x="16264858" y="2585894"/>
             <a:ext cx="2023142" cy="7673987"/>
           </a:xfrm>
@@ -3099,9 +3095,9 @@
             <a:gdLst/>
             <a:ahLst/>
             <a:cxnLst/>
-            <a:rect r="r" b="b" t="t" l="l"/>
+            <a:rect l="l" t="t" r="r" b="b"/>
             <a:pathLst>
-              <a:path h="7673987" w="2023142">
+              <a:path w="2023142" h="7673987">
                 <a:moveTo>
                   <a:pt x="0" y="0"/>
                 </a:moveTo>
@@ -3131,19 +3127,26 @@
               </a:extLst>
             </a:blip>
             <a:stretch>
-              <a:fillRect l="0" t="0" r="0" b="0"/>
+              <a:fillRect/>
             </a:stretch>
           </a:blipFill>
         </p:spPr>
-      </p:sp>
-      <p:sp>
-        <p:nvSpPr>
-          <p:cNvPr name="Freeform 3" id="3"/>
+        <p:txBody>
+          <a:bodyPr/>
+          <a:lstStyle/>
+          <a:p>
+            <a:endParaRPr lang="ja-JP" altLang="en-US"/>
+          </a:p>
+        </p:txBody>
+      </p:sp>
+      <p:sp>
+        <p:nvSpPr>
+          <p:cNvPr id="3" name="Freeform 3"/>
           <p:cNvSpPr/>
           <p:nvPr/>
         </p:nvSpPr>
         <p:spPr>
-          <a:xfrm flipH="false" flipV="false" rot="0">
+          <a:xfrm>
             <a:off x="14160699" y="1028700"/>
             <a:ext cx="2104159" cy="9258300"/>
           </a:xfrm>
@@ -3152,9 +3155,9 @@
             <a:gdLst/>
             <a:ahLst/>
             <a:cxnLst/>
-            <a:rect r="r" b="b" t="t" l="l"/>
+            <a:rect l="l" t="t" r="r" b="b"/>
             <a:pathLst>
-              <a:path h="9258300" w="2104159">
+              <a:path w="2104159" h="9258300">
                 <a:moveTo>
                   <a:pt x="0" y="0"/>
                 </a:moveTo>
@@ -3184,19 +3187,26 @@
               </a:extLst>
             </a:blip>
             <a:stretch>
-              <a:fillRect l="0" t="0" r="0" b="0"/>
+              <a:fillRect/>
             </a:stretch>
           </a:blipFill>
         </p:spPr>
-      </p:sp>
-      <p:sp>
-        <p:nvSpPr>
-          <p:cNvPr name="Freeform 4" id="4"/>
+        <p:txBody>
+          <a:bodyPr/>
+          <a:lstStyle/>
+          <a:p>
+            <a:endParaRPr lang="ja-JP" altLang="en-US"/>
+          </a:p>
+        </p:txBody>
+      </p:sp>
+      <p:sp>
+        <p:nvSpPr>
+          <p:cNvPr id="4" name="Freeform 4"/>
           <p:cNvSpPr/>
           <p:nvPr/>
         </p:nvSpPr>
         <p:spPr>
-          <a:xfrm flipH="false" flipV="false" rot="0">
+          <a:xfrm>
             <a:off x="13964547" y="6767191"/>
             <a:ext cx="1826903" cy="3517099"/>
           </a:xfrm>
@@ -3205,9 +3215,9 @@
             <a:gdLst/>
             <a:ahLst/>
             <a:cxnLst/>
-            <a:rect r="r" b="b" t="t" l="l"/>
+            <a:rect l="l" t="t" r="r" b="b"/>
             <a:pathLst>
-              <a:path h="3517099" w="1826903">
+              <a:path w="1826903" h="3517099">
                 <a:moveTo>
                   <a:pt x="0" y="0"/>
                 </a:moveTo>
@@ -3230,19 +3240,26 @@
           <a:blipFill>
             <a:blip r:embed="rId6"/>
             <a:stretch>
-              <a:fillRect l="0" t="0" r="0" b="0"/>
+              <a:fillRect/>
             </a:stretch>
           </a:blipFill>
         </p:spPr>
-      </p:sp>
-      <p:sp>
-        <p:nvSpPr>
-          <p:cNvPr name="Freeform 5" id="5"/>
+        <p:txBody>
+          <a:bodyPr/>
+          <a:lstStyle/>
+          <a:p>
+            <a:endParaRPr lang="ja-JP" altLang="en-US"/>
+          </a:p>
+        </p:txBody>
+      </p:sp>
+      <p:sp>
+        <p:nvSpPr>
+          <p:cNvPr id="5" name="Freeform 5"/>
           <p:cNvSpPr/>
           <p:nvPr/>
         </p:nvSpPr>
         <p:spPr>
-          <a:xfrm flipH="true" flipV="false" rot="0">
+          <a:xfrm flipH="1">
             <a:off x="1927619" y="6767191"/>
             <a:ext cx="1814224" cy="3492690"/>
           </a:xfrm>
@@ -3251,9 +3268,9 @@
             <a:gdLst/>
             <a:ahLst/>
             <a:cxnLst/>
-            <a:rect r="r" b="b" t="t" l="l"/>
+            <a:rect l="l" t="t" r="r" b="b"/>
             <a:pathLst>
-              <a:path h="3492690" w="1814224">
+              <a:path w="1814224" h="3492690">
                 <a:moveTo>
                   <a:pt x="1814224" y="0"/>
                 </a:moveTo>
@@ -3276,28 +3293,35 @@
           <a:blipFill>
             <a:blip r:embed="rId7"/>
             <a:stretch>
-              <a:fillRect l="0" t="0" r="0" b="0"/>
+              <a:fillRect/>
             </a:stretch>
           </a:blipFill>
         </p:spPr>
-      </p:sp>
-      <p:sp>
-        <p:nvSpPr>
-          <p:cNvPr name="TextBox 6" id="6"/>
-          <p:cNvSpPr txBox="true"/>
+        <p:txBody>
+          <a:bodyPr/>
+          <a:lstStyle/>
+          <a:p>
+            <a:endParaRPr lang="ja-JP" altLang="en-US"/>
+          </a:p>
+        </p:txBody>
+      </p:sp>
+      <p:sp>
+        <p:nvSpPr>
+          <p:cNvPr id="6" name="TextBox 6"/>
+          <p:cNvSpPr txBox="1"/>
           <p:nvPr/>
         </p:nvSpPr>
         <p:spPr>
-          <a:xfrm rot="0">
-            <a:off x="2418434" y="1250330"/>
-            <a:ext cx="14354252" cy="4234807"/>
+          <a:xfrm>
+            <a:off x="2209800" y="3865410"/>
+            <a:ext cx="14150581" cy="2403350"/>
           </a:xfrm>
           <a:prstGeom prst="rect">
             <a:avLst/>
           </a:prstGeom>
         </p:spPr>
         <p:txBody>
-          <a:bodyPr anchor="t" rtlCol="false" tIns="0" lIns="0" bIns="0" rIns="0">
+          <a:bodyPr wrap="square" lIns="0" tIns="0" rIns="0" bIns="0" rtlCol="0" anchor="t">
             <a:spAutoFit/>
           </a:bodyPr>
           <a:lstStyle/>
@@ -3311,10 +3335,26 @@
               </a:spcBef>
             </a:pPr>
             <a:r>
-              <a:rPr lang="en-US" sz="15900">
+              <a:rPr lang="en-US" sz="14000" b="1" dirty="0" err="1">
+                <a:ln w="9525">
+                  <a:solidFill>
+                    <a:schemeClr val="bg1"/>
+                  </a:solidFill>
+                  <a:prstDash val="solid"/>
+                </a:ln>
                 <a:solidFill>
-                  <a:srgbClr val="FFFFFF"/>
+                  <a:schemeClr val="accent2">
+                    <a:lumMod val="20000"/>
+                    <a:lumOff val="80000"/>
+                  </a:schemeClr>
                 </a:solidFill>
+                <a:effectLst>
+                  <a:outerShdw blurRad="12700" dist="38100" dir="2700000" algn="tl" rotWithShape="0">
+                    <a:schemeClr val="bg1">
+                      <a:lumMod val="50000"/>
+                    </a:schemeClr>
+                  </a:outerShdw>
+                </a:effectLst>
                 <a:latin typeface="ドットゴシック 12"/>
                 <a:ea typeface="ドットゴシック 12"/>
                 <a:cs typeface="ドットゴシック 12"/>
@@ -3322,17 +3362,42 @@
               </a:rPr>
               <a:t>ZUTOMAYOくいず</a:t>
             </a:r>
-          </a:p>
-        </p:txBody>
-      </p:sp>
-      <p:sp>
-        <p:nvSpPr>
-          <p:cNvPr name="Freeform 7" id="7"/>
+            <a:endParaRPr lang="en-US" sz="14000" b="1" dirty="0">
+              <a:ln w="9525">
+                <a:solidFill>
+                  <a:schemeClr val="bg1"/>
+                </a:solidFill>
+                <a:prstDash val="solid"/>
+              </a:ln>
+              <a:solidFill>
+                <a:schemeClr val="accent2">
+                  <a:lumMod val="20000"/>
+                  <a:lumOff val="80000"/>
+                </a:schemeClr>
+              </a:solidFill>
+              <a:effectLst>
+                <a:outerShdw blurRad="12700" dist="38100" dir="2700000" algn="tl" rotWithShape="0">
+                  <a:schemeClr val="bg1">
+                    <a:lumMod val="50000"/>
+                  </a:schemeClr>
+                </a:outerShdw>
+              </a:effectLst>
+              <a:latin typeface="ドットゴシック 12"/>
+              <a:ea typeface="ドットゴシック 12"/>
+              <a:cs typeface="ドットゴシック 12"/>
+              <a:sym typeface="ドットゴシック 12"/>
+            </a:endParaRPr>
+          </a:p>
+        </p:txBody>
+      </p:sp>
+      <p:sp>
+        <p:nvSpPr>
+          <p:cNvPr id="7" name="Freeform 7"/>
           <p:cNvSpPr/>
           <p:nvPr/>
         </p:nvSpPr>
         <p:spPr>
-          <a:xfrm flipH="false" flipV="false" rot="0">
+          <a:xfrm>
             <a:off x="17129" y="1425427"/>
             <a:ext cx="2348628" cy="8908590"/>
           </a:xfrm>
@@ -3341,9 +3406,9 @@
             <a:gdLst/>
             <a:ahLst/>
             <a:cxnLst/>
-            <a:rect r="r" b="b" t="t" l="l"/>
+            <a:rect l="l" t="t" r="r" b="b"/>
             <a:pathLst>
-              <a:path h="8908590" w="2348628">
+              <a:path w="2348628" h="8908590">
                 <a:moveTo>
                   <a:pt x="0" y="0"/>
                 </a:moveTo>
@@ -3373,19 +3438,26 @@
               </a:extLst>
             </a:blip>
             <a:stretch>
-              <a:fillRect l="0" t="0" r="0" b="0"/>
+              <a:fillRect/>
             </a:stretch>
           </a:blipFill>
         </p:spPr>
-      </p:sp>
-      <p:sp>
-        <p:nvSpPr>
-          <p:cNvPr name="Freeform 8" id="8"/>
+        <p:txBody>
+          <a:bodyPr/>
+          <a:lstStyle/>
+          <a:p>
+            <a:endParaRPr lang="ja-JP" altLang="en-US"/>
+          </a:p>
+        </p:txBody>
+      </p:sp>
+      <p:sp>
+        <p:nvSpPr>
+          <p:cNvPr id="8" name="Freeform 8"/>
           <p:cNvSpPr/>
           <p:nvPr/>
         </p:nvSpPr>
         <p:spPr>
-          <a:xfrm flipH="false" flipV="false" rot="0">
+          <a:xfrm>
             <a:off x="2850356" y="1836178"/>
             <a:ext cx="2359993" cy="823852"/>
           </a:xfrm>
@@ -3394,9 +3466,9 @@
             <a:gdLst/>
             <a:ahLst/>
             <a:cxnLst/>
-            <a:rect r="r" b="b" t="t" l="l"/>
+            <a:rect l="l" t="t" r="r" b="b"/>
             <a:pathLst>
-              <a:path h="823852" w="2359993">
+              <a:path w="2359993" h="823852">
                 <a:moveTo>
                   <a:pt x="0" y="0"/>
                 </a:moveTo>
@@ -3426,19 +3498,26 @@
               </a:extLst>
             </a:blip>
             <a:stretch>
-              <a:fillRect l="0" t="0" r="0" b="0"/>
+              <a:fillRect/>
             </a:stretch>
           </a:blipFill>
         </p:spPr>
-      </p:sp>
-      <p:sp>
-        <p:nvSpPr>
-          <p:cNvPr name="Freeform 9" id="9"/>
+        <p:txBody>
+          <a:bodyPr/>
+          <a:lstStyle/>
+          <a:p>
+            <a:endParaRPr lang="ja-JP" altLang="en-US"/>
+          </a:p>
+        </p:txBody>
+      </p:sp>
+      <p:sp>
+        <p:nvSpPr>
+          <p:cNvPr id="9" name="Freeform 9"/>
           <p:cNvSpPr/>
           <p:nvPr/>
         </p:nvSpPr>
         <p:spPr>
-          <a:xfrm flipH="false" flipV="false" rot="0">
+          <a:xfrm>
             <a:off x="-711215" y="631973"/>
             <a:ext cx="4453058" cy="793454"/>
           </a:xfrm>
@@ -3447,9 +3526,9 @@
             <a:gdLst/>
             <a:ahLst/>
             <a:cxnLst/>
-            <a:rect r="r" b="b" t="t" l="l"/>
+            <a:rect l="l" t="t" r="r" b="b"/>
             <a:pathLst>
-              <a:path h="793454" w="4453058">
+              <a:path w="4453058" h="793454">
                 <a:moveTo>
                   <a:pt x="0" y="0"/>
                 </a:moveTo>
@@ -3479,83 +3558,37 @@
               </a:extLst>
             </a:blip>
             <a:stretch>
-              <a:fillRect l="0" t="0" r="0" b="0"/>
+              <a:fillRect/>
             </a:stretch>
           </a:blipFill>
         </p:spPr>
-      </p:sp>
-      <p:sp>
-        <p:nvSpPr>
-          <p:cNvPr name="Freeform 10" id="10"/>
+        <p:txBody>
+          <a:bodyPr/>
+          <a:lstStyle/>
+          <a:p>
+            <a:endParaRPr lang="ja-JP" altLang="en-US"/>
+          </a:p>
+        </p:txBody>
+      </p:sp>
+      <p:sp>
+        <p:nvSpPr>
+          <p:cNvPr id="11" name="Freeform 11"/>
           <p:cNvSpPr/>
           <p:nvPr/>
         </p:nvSpPr>
         <p:spPr>
-          <a:xfrm flipH="true" flipV="false" rot="0">
-            <a:off x="16131077" y="2248104"/>
-            <a:ext cx="2359993" cy="823852"/>
+          <a:xfrm flipH="1">
+            <a:off x="14546157" y="631973"/>
+            <a:ext cx="4453058" cy="793454"/>
           </a:xfrm>
           <a:custGeom>
             <a:avLst/>
             <a:gdLst/>
             <a:ahLst/>
             <a:cxnLst/>
-            <a:rect r="r" b="b" t="t" l="l"/>
+            <a:rect l="l" t="t" r="r" b="b"/>
             <a:pathLst>
-              <a:path h="823852" w="2359993">
-                <a:moveTo>
-                  <a:pt x="2359993" y="0"/>
-                </a:moveTo>
-                <a:lnTo>
-                  <a:pt x="0" y="0"/>
-                </a:lnTo>
-                <a:lnTo>
-                  <a:pt x="0" y="823852"/>
-                </a:lnTo>
-                <a:lnTo>
-                  <a:pt x="2359993" y="823852"/>
-                </a:lnTo>
-                <a:lnTo>
-                  <a:pt x="2359993" y="0"/>
-                </a:lnTo>
-                <a:close/>
-              </a:path>
-            </a:pathLst>
-          </a:custGeom>
-          <a:blipFill>
-            <a:blip r:embed="rId8">
-              <a:alphaModFix amt="65999"/>
-              <a:extLst>
-                <a:ext uri="{96DAC541-7B7A-43D3-8B79-37D633B846F1}">
-                  <asvg:svgBlip xmlns:asvg="http://schemas.microsoft.com/office/drawing/2016/SVG/main" r:embed="rId9"/>
-                </a:ext>
-              </a:extLst>
-            </a:blip>
-            <a:stretch>
-              <a:fillRect l="0" t="0" r="0" b="0"/>
-            </a:stretch>
-          </a:blipFill>
-        </p:spPr>
-      </p:sp>
-      <p:sp>
-        <p:nvSpPr>
-          <p:cNvPr name="Freeform 11" id="11"/>
-          <p:cNvSpPr/>
-          <p:nvPr/>
-        </p:nvSpPr>
-        <p:spPr>
-          <a:xfrm flipH="true" flipV="false" rot="0">
-            <a:off x="14546157" y="631973"/>
-            <a:ext cx="4453058" cy="793454"/>
-          </a:xfrm>
-          <a:custGeom>
-            <a:avLst/>
-            <a:gdLst/>
-            <a:ahLst/>
-            <a:cxnLst/>
-            <a:rect r="r" b="b" t="t" l="l"/>
-            <a:pathLst>
-              <a:path h="793454" w="4453058">
+              <a:path w="4453058" h="793454">
                 <a:moveTo>
                   <a:pt x="4453058" y="0"/>
                 </a:moveTo>
@@ -3585,10 +3618,17 @@
               </a:extLst>
             </a:blip>
             <a:stretch>
-              <a:fillRect l="0" t="0" r="0" b="0"/>
+              <a:fillRect/>
             </a:stretch>
           </a:blipFill>
         </p:spPr>
+        <p:txBody>
+          <a:bodyPr/>
+          <a:lstStyle/>
+          <a:p>
+            <a:endParaRPr lang="ja-JP" altLang="en-US"/>
+          </a:p>
+        </p:txBody>
       </p:sp>
     </p:spTree>
   </p:cSld>
@@ -3599,13 +3639,14 @@
 </file>
 
 <file path=ppt/slides/slide2.xml><?xml version="1.0" encoding="utf-8"?>
-<p:sld xmlns:p="http://schemas.openxmlformats.org/presentationml/2006/main" xmlns:a="http://schemas.openxmlformats.org/drawingml/2006/main" xmlns:r="http://schemas.openxmlformats.org/officeDocument/2006/relationships">
+<p:sld xmlns:a="http://schemas.openxmlformats.org/drawingml/2006/main" xmlns:r="http://schemas.openxmlformats.org/officeDocument/2006/relationships" xmlns:p="http://schemas.openxmlformats.org/presentationml/2006/main">
   <p:cSld>
     <p:bg>
       <p:bgPr>
         <a:solidFill>
           <a:srgbClr val="59007A"/>
         </a:solidFill>
+        <a:effectLst/>
       </p:bgPr>
     </p:bg>
     <p:spTree>
@@ -3624,12 +3665,12 @@
       </p:grpSpPr>
       <p:sp>
         <p:nvSpPr>
-          <p:cNvPr name="Freeform 2" id="2"/>
+          <p:cNvPr id="2" name="Freeform 2"/>
           <p:cNvSpPr/>
           <p:nvPr/>
         </p:nvSpPr>
         <p:spPr>
-          <a:xfrm flipH="false" flipV="false" rot="0">
+          <a:xfrm>
             <a:off x="1372847" y="5558342"/>
             <a:ext cx="6266896" cy="4728658"/>
           </a:xfrm>
@@ -3638,9 +3679,9 @@
             <a:gdLst/>
             <a:ahLst/>
             <a:cxnLst/>
-            <a:rect r="r" b="b" t="t" l="l"/>
+            <a:rect l="l" t="t" r="r" b="b"/>
             <a:pathLst>
-              <a:path h="4728658" w="6266896">
+              <a:path w="6266896" h="4728658">
                 <a:moveTo>
                   <a:pt x="0" y="0"/>
                 </a:moveTo>
@@ -3670,19 +3711,26 @@
               </a:extLst>
             </a:blip>
             <a:stretch>
-              <a:fillRect l="0" t="0" r="0" b="0"/>
+              <a:fillRect/>
             </a:stretch>
           </a:blipFill>
         </p:spPr>
-      </p:sp>
-      <p:sp>
-        <p:nvSpPr>
-          <p:cNvPr name="Freeform 3" id="3"/>
+        <p:txBody>
+          <a:bodyPr/>
+          <a:lstStyle/>
+          <a:p>
+            <a:endParaRPr lang="ja-JP" altLang="en-US"/>
+          </a:p>
+        </p:txBody>
+      </p:sp>
+      <p:sp>
+        <p:nvSpPr>
+          <p:cNvPr id="3" name="Freeform 3"/>
           <p:cNvSpPr/>
           <p:nvPr/>
         </p:nvSpPr>
         <p:spPr>
-          <a:xfrm flipH="false" flipV="false" rot="0">
+          <a:xfrm>
             <a:off x="8081296" y="8938950"/>
             <a:ext cx="2840719" cy="1348050"/>
           </a:xfrm>
@@ -3691,9 +3739,9 @@
             <a:gdLst/>
             <a:ahLst/>
             <a:cxnLst/>
-            <a:rect r="r" b="b" t="t" l="l"/>
+            <a:rect l="l" t="t" r="r" b="b"/>
             <a:pathLst>
-              <a:path h="1348050" w="2840719">
+              <a:path w="2840719" h="1348050">
                 <a:moveTo>
                   <a:pt x="0" y="0"/>
                 </a:moveTo>
@@ -3723,19 +3771,26 @@
               </a:extLst>
             </a:blip>
             <a:stretch>
-              <a:fillRect l="0" t="0" r="0" b="0"/>
+              <a:fillRect/>
             </a:stretch>
           </a:blipFill>
         </p:spPr>
-      </p:sp>
-      <p:sp>
-        <p:nvSpPr>
-          <p:cNvPr name="Freeform 4" id="4"/>
+        <p:txBody>
+          <a:bodyPr/>
+          <a:lstStyle/>
+          <a:p>
+            <a:endParaRPr lang="ja-JP" altLang="en-US"/>
+          </a:p>
+        </p:txBody>
+      </p:sp>
+      <p:sp>
+        <p:nvSpPr>
+          <p:cNvPr id="4" name="Freeform 4"/>
           <p:cNvSpPr/>
           <p:nvPr/>
         </p:nvSpPr>
         <p:spPr>
-          <a:xfrm flipH="false" flipV="false" rot="0">
+          <a:xfrm>
             <a:off x="5124240" y="5558342"/>
             <a:ext cx="2957056" cy="5197806"/>
           </a:xfrm>
@@ -3744,9 +3799,9 @@
             <a:gdLst/>
             <a:ahLst/>
             <a:cxnLst/>
-            <a:rect r="r" b="b" t="t" l="l"/>
+            <a:rect l="l" t="t" r="r" b="b"/>
             <a:pathLst>
-              <a:path h="5197806" w="2957056">
+              <a:path w="2957056" h="5197806">
                 <a:moveTo>
                   <a:pt x="0" y="0"/>
                 </a:moveTo>
@@ -3769,19 +3824,26 @@
           <a:blipFill>
             <a:blip r:embed="rId6"/>
             <a:stretch>
-              <a:fillRect l="0" t="0" r="0" b="0"/>
+              <a:fillRect/>
             </a:stretch>
           </a:blipFill>
         </p:spPr>
-      </p:sp>
-      <p:sp>
-        <p:nvSpPr>
-          <p:cNvPr name="Freeform 5" id="5"/>
+        <p:txBody>
+          <a:bodyPr/>
+          <a:lstStyle/>
+          <a:p>
+            <a:endParaRPr lang="ja-JP" altLang="en-US"/>
+          </a:p>
+        </p:txBody>
+      </p:sp>
+      <p:sp>
+        <p:nvSpPr>
+          <p:cNvPr id="5" name="Freeform 5"/>
           <p:cNvSpPr/>
           <p:nvPr/>
         </p:nvSpPr>
         <p:spPr>
-          <a:xfrm flipH="false" flipV="false" rot="0">
+          <a:xfrm>
             <a:off x="0" y="4628850"/>
             <a:ext cx="3775529" cy="5658150"/>
           </a:xfrm>
@@ -3790,9 +3852,9 @@
             <a:gdLst/>
             <a:ahLst/>
             <a:cxnLst/>
-            <a:rect r="r" b="b" t="t" l="l"/>
+            <a:rect l="l" t="t" r="r" b="b"/>
             <a:pathLst>
-              <a:path h="5658150" w="3775529">
+              <a:path w="3775529" h="5658150">
                 <a:moveTo>
                   <a:pt x="0" y="0"/>
                 </a:moveTo>
@@ -3822,19 +3884,26 @@
               </a:extLst>
             </a:blip>
             <a:stretch>
-              <a:fillRect l="0" t="0" r="0" b="0"/>
+              <a:fillRect/>
             </a:stretch>
           </a:blipFill>
         </p:spPr>
+        <p:txBody>
+          <a:bodyPr/>
+          <a:lstStyle/>
+          <a:p>
+            <a:endParaRPr lang="ja-JP" altLang="en-US"/>
+          </a:p>
+        </p:txBody>
       </p:sp>
       <p:grpSp>
         <p:nvGrpSpPr>
-          <p:cNvPr name="Group 6" id="6"/>
+          <p:cNvPr id="6" name="Group 6"/>
           <p:cNvGrpSpPr/>
           <p:nvPr/>
         </p:nvGrpSpPr>
         <p:grpSpPr>
-          <a:xfrm rot="0">
+          <a:xfrm>
             <a:off x="1028700" y="1028700"/>
             <a:ext cx="16436790" cy="8229600"/>
             <a:chOff x="0" y="0"/>
@@ -3843,12 +3912,12 @@
         </p:grpSpPr>
         <p:sp>
           <p:nvSpPr>
-            <p:cNvPr name="Freeform 7" id="7"/>
+            <p:cNvPr id="7" name="Freeform 7"/>
             <p:cNvSpPr/>
             <p:nvPr/>
           </p:nvSpPr>
           <p:spPr>
-            <a:xfrm flipH="false" flipV="false" rot="0">
+            <a:xfrm>
               <a:off x="0" y="0"/>
               <a:ext cx="4329031" cy="2167467"/>
             </a:xfrm>
@@ -3857,9 +3926,9 @@
               <a:gdLst/>
               <a:ahLst/>
               <a:cxnLst/>
-              <a:rect r="r" b="b" t="t" l="l"/>
+              <a:rect l="l" t="t" r="r" b="b"/>
               <a:pathLst>
-                <a:path h="2167467" w="4329031">
+                <a:path w="4329031" h="2167467">
                   <a:moveTo>
                     <a:pt x="24022" y="0"/>
                   </a:moveTo>
@@ -3915,11 +3984,18 @@
               </a:srgbClr>
             </a:solidFill>
           </p:spPr>
+          <p:txBody>
+            <a:bodyPr/>
+            <a:lstStyle/>
+            <a:p>
+              <a:endParaRPr lang="ja-JP" altLang="en-US" dirty="0"/>
+            </a:p>
+          </p:txBody>
         </p:sp>
         <p:sp>
           <p:nvSpPr>
-            <p:cNvPr name="TextBox 8" id="8"/>
-            <p:cNvSpPr txBox="true"/>
+            <p:cNvPr id="8" name="TextBox 8"/>
+            <p:cNvSpPr txBox="1"/>
             <p:nvPr/>
           </p:nvSpPr>
           <p:spPr>
@@ -3932,7 +4008,7 @@
             </a:prstGeom>
           </p:spPr>
           <p:txBody>
-            <a:bodyPr anchor="ctr" rtlCol="false" tIns="50800" lIns="50800" bIns="50800" rIns="50800"/>
+            <a:bodyPr lIns="50800" tIns="50800" rIns="50800" bIns="50800" rtlCol="0" anchor="ctr"/>
             <a:lstStyle/>
             <a:p>
               <a:pPr algn="ctr">
@@ -3940,27 +4016,28 @@
                   <a:spcPts val="2519"/>
                 </a:lnSpc>
               </a:pPr>
+              <a:endParaRPr/>
             </a:p>
           </p:txBody>
         </p:sp>
       </p:grpSp>
       <p:sp>
         <p:nvSpPr>
-          <p:cNvPr name="TextBox 9" id="9"/>
-          <p:cNvSpPr txBox="true"/>
+          <p:cNvPr id="9" name="TextBox 9"/>
+          <p:cNvSpPr txBox="1"/>
           <p:nvPr/>
         </p:nvSpPr>
         <p:spPr>
-          <a:xfrm rot="0">
-            <a:off x="3727225" y="1128397"/>
-            <a:ext cx="4099374" cy="2130424"/>
+          <a:xfrm>
+            <a:off x="2959699" y="2228309"/>
+            <a:ext cx="4099374" cy="1224951"/>
           </a:xfrm>
           <a:prstGeom prst="rect">
             <a:avLst/>
           </a:prstGeom>
         </p:spPr>
         <p:txBody>
-          <a:bodyPr anchor="t" rtlCol="false" tIns="0" lIns="0" bIns="0" rIns="0">
+          <a:bodyPr lIns="0" tIns="0" rIns="0" bIns="0" rtlCol="0" anchor="t">
             <a:spAutoFit/>
           </a:bodyPr>
           <a:lstStyle/>
@@ -3974,9 +4051,17 @@
               </a:spcBef>
             </a:pPr>
             <a:r>
-              <a:rPr lang="en-US" sz="8000">
+              <a:rPr lang="en-US" sz="8000" b="1" dirty="0" err="1">
+                <a:ln w="22225">
+                  <a:solidFill>
+                    <a:schemeClr val="accent2"/>
+                  </a:solidFill>
+                  <a:prstDash val="solid"/>
+                </a:ln>
                 <a:solidFill>
-                  <a:srgbClr val="000000"/>
+                  <a:schemeClr val="accent4">
+                    <a:lumMod val="50000"/>
+                  </a:schemeClr>
                 </a:solidFill>
                 <a:latin typeface="ドットゴシック 12"/>
                 <a:ea typeface="ドットゴシック 12"/>
@@ -3985,37 +4070,54 @@
               </a:rPr>
               <a:t>目次</a:t>
             </a:r>
-          </a:p>
-        </p:txBody>
-      </p:sp>
-      <p:sp>
-        <p:nvSpPr>
-          <p:cNvPr name="TextBox 10" id="10"/>
-          <p:cNvSpPr txBox="true"/>
+            <a:endParaRPr lang="en-US" sz="8000" b="1" dirty="0">
+              <a:ln w="22225">
+                <a:solidFill>
+                  <a:schemeClr val="accent2"/>
+                </a:solidFill>
+                <a:prstDash val="solid"/>
+              </a:ln>
+              <a:solidFill>
+                <a:schemeClr val="accent4">
+                  <a:lumMod val="50000"/>
+                </a:schemeClr>
+              </a:solidFill>
+              <a:latin typeface="ドットゴシック 12"/>
+              <a:ea typeface="ドットゴシック 12"/>
+              <a:cs typeface="ドットゴシック 12"/>
+              <a:sym typeface="ドットゴシック 12"/>
+            </a:endParaRPr>
+          </a:p>
+        </p:txBody>
+      </p:sp>
+      <p:sp>
+        <p:nvSpPr>
+          <p:cNvPr id="10" name="TextBox 10"/>
+          <p:cNvSpPr txBox="1"/>
           <p:nvPr/>
         </p:nvSpPr>
         <p:spPr>
-          <a:xfrm rot="0">
-            <a:off x="9944844" y="718822"/>
-            <a:ext cx="4133552" cy="8056100"/>
+          <a:xfrm>
+            <a:off x="9524659" y="1898941"/>
+            <a:ext cx="5035844" cy="5754652"/>
           </a:xfrm>
           <a:prstGeom prst="rect">
             <a:avLst/>
           </a:prstGeom>
         </p:spPr>
         <p:txBody>
-          <a:bodyPr anchor="t" rtlCol="false" tIns="0" lIns="0" bIns="0" rIns="0">
+          <a:bodyPr wrap="square" lIns="0" tIns="0" rIns="0" bIns="0" rtlCol="0" anchor="t">
             <a:spAutoFit/>
           </a:bodyPr>
           <a:lstStyle/>
           <a:p>
             <a:pPr algn="l">
               <a:lnSpc>
-                <a:spcPts val="15103"/>
+                <a:spcPct val="150000"/>
               </a:lnSpc>
             </a:pPr>
             <a:r>
-              <a:rPr lang="en-US" sz="6509">
+              <a:rPr lang="en-US" sz="6509" dirty="0" err="1">
                 <a:solidFill>
                   <a:srgbClr val="000000"/>
                 </a:solidFill>
@@ -4026,15 +4128,24 @@
               </a:rPr>
               <a:t>技術詳細</a:t>
             </a:r>
+            <a:endParaRPr lang="en-US" sz="6509" dirty="0">
+              <a:solidFill>
+                <a:srgbClr val="000000"/>
+              </a:solidFill>
+              <a:latin typeface="ドットゴシック 12"/>
+              <a:ea typeface="ドットゴシック 12"/>
+              <a:cs typeface="ドットゴシック 12"/>
+              <a:sym typeface="ドットゴシック 12"/>
+            </a:endParaRPr>
           </a:p>
           <a:p>
             <a:pPr algn="l">
               <a:lnSpc>
-                <a:spcPts val="15103"/>
+                <a:spcPct val="150000"/>
               </a:lnSpc>
             </a:pPr>
             <a:r>
-              <a:rPr lang="en-US" sz="6509">
+              <a:rPr lang="en-US" sz="6509" dirty="0" err="1">
                 <a:solidFill>
                   <a:srgbClr val="000000"/>
                 </a:solidFill>
@@ -4045,15 +4156,24 @@
               </a:rPr>
               <a:t>ゲーム概要</a:t>
             </a:r>
+            <a:endParaRPr lang="en-US" sz="6509" dirty="0">
+              <a:solidFill>
+                <a:srgbClr val="000000"/>
+              </a:solidFill>
+              <a:latin typeface="ドットゴシック 12"/>
+              <a:ea typeface="ドットゴシック 12"/>
+              <a:cs typeface="ドットゴシック 12"/>
+              <a:sym typeface="ドットゴシック 12"/>
+            </a:endParaRPr>
           </a:p>
           <a:p>
             <a:pPr algn="l">
               <a:lnSpc>
-                <a:spcPts val="15103"/>
+                <a:spcPct val="150000"/>
               </a:lnSpc>
             </a:pPr>
             <a:r>
-              <a:rPr lang="en-US" sz="6509">
+              <a:rPr lang="en-US" sz="6509" dirty="0" err="1">
                 <a:solidFill>
                   <a:srgbClr val="000000"/>
                 </a:solidFill>
@@ -4064,15 +4184,24 @@
               </a:rPr>
               <a:t>実機説明</a:t>
             </a:r>
+            <a:endParaRPr lang="en-US" sz="6509" dirty="0">
+              <a:solidFill>
+                <a:srgbClr val="000000"/>
+              </a:solidFill>
+              <a:latin typeface="ドットゴシック 12"/>
+              <a:ea typeface="ドットゴシック 12"/>
+              <a:cs typeface="ドットゴシック 12"/>
+              <a:sym typeface="ドットゴシック 12"/>
+            </a:endParaRPr>
           </a:p>
           <a:p>
             <a:pPr algn="l">
               <a:lnSpc>
-                <a:spcPts val="15103"/>
+                <a:spcPct val="150000"/>
               </a:lnSpc>
             </a:pPr>
             <a:r>
-              <a:rPr lang="en-US" sz="6509">
+              <a:rPr lang="en-US" sz="6509" dirty="0" err="1">
                 <a:solidFill>
                   <a:srgbClr val="000000"/>
                 </a:solidFill>
@@ -4083,6 +4212,15 @@
               </a:rPr>
               <a:t>改善</a:t>
             </a:r>
+            <a:endParaRPr lang="en-US" sz="6509" dirty="0">
+              <a:solidFill>
+                <a:srgbClr val="000000"/>
+              </a:solidFill>
+              <a:latin typeface="ドットゴシック 12"/>
+              <a:ea typeface="ドットゴシック 12"/>
+              <a:cs typeface="ドットゴシック 12"/>
+              <a:sym typeface="ドットゴシック 12"/>
+            </a:endParaRPr>
           </a:p>
         </p:txBody>
       </p:sp>
@@ -4095,13 +4233,14 @@
 </file>
 
 <file path=ppt/slides/slide3.xml><?xml version="1.0" encoding="utf-8"?>
-<p:sld xmlns:p="http://schemas.openxmlformats.org/presentationml/2006/main" xmlns:a="http://schemas.openxmlformats.org/drawingml/2006/main" xmlns:r="http://schemas.openxmlformats.org/officeDocument/2006/relationships">
+<p:sld xmlns:a="http://schemas.openxmlformats.org/drawingml/2006/main" xmlns:r="http://schemas.openxmlformats.org/officeDocument/2006/relationships" xmlns:p="http://schemas.openxmlformats.org/presentationml/2006/main">
   <p:cSld>
     <p:bg>
       <p:bgPr>
         <a:solidFill>
           <a:srgbClr val="59007A"/>
         </a:solidFill>
+        <a:effectLst/>
       </p:bgPr>
     </p:bg>
     <p:spTree>
@@ -4120,12 +4259,12 @@
       </p:grpSpPr>
       <p:sp>
         <p:nvSpPr>
-          <p:cNvPr name="Freeform 2" id="2"/>
+          <p:cNvPr id="2" name="Freeform 2"/>
           <p:cNvSpPr/>
           <p:nvPr/>
         </p:nvSpPr>
         <p:spPr>
-          <a:xfrm flipH="false" flipV="false" rot="0">
+          <a:xfrm>
             <a:off x="0" y="8907087"/>
             <a:ext cx="9144000" cy="1379913"/>
           </a:xfrm>
@@ -4134,9 +4273,9 @@
             <a:gdLst/>
             <a:ahLst/>
             <a:cxnLst/>
-            <a:rect r="r" b="b" t="t" l="l"/>
+            <a:rect l="l" t="t" r="r" b="b"/>
             <a:pathLst>
-              <a:path h="1379913" w="9144000">
+              <a:path w="9144000" h="1379913">
                 <a:moveTo>
                   <a:pt x="0" y="0"/>
                 </a:moveTo>
@@ -4166,19 +4305,26 @@
               </a:extLst>
             </a:blip>
             <a:stretch>
-              <a:fillRect l="0" t="0" r="0" b="0"/>
+              <a:fillRect/>
             </a:stretch>
           </a:blipFill>
         </p:spPr>
-      </p:sp>
-      <p:sp>
-        <p:nvSpPr>
-          <p:cNvPr name="Freeform 3" id="3"/>
+        <p:txBody>
+          <a:bodyPr/>
+          <a:lstStyle/>
+          <a:p>
+            <a:endParaRPr lang="ja-JP" altLang="en-US"/>
+          </a:p>
+        </p:txBody>
+      </p:sp>
+      <p:sp>
+        <p:nvSpPr>
+          <p:cNvPr id="3" name="Freeform 3"/>
           <p:cNvSpPr/>
           <p:nvPr/>
         </p:nvSpPr>
         <p:spPr>
-          <a:xfrm flipH="true" flipV="false" rot="0">
+          <a:xfrm flipH="1">
             <a:off x="9144000" y="8907087"/>
             <a:ext cx="9144000" cy="1379913"/>
           </a:xfrm>
@@ -4187,9 +4333,9 @@
             <a:gdLst/>
             <a:ahLst/>
             <a:cxnLst/>
-            <a:rect r="r" b="b" t="t" l="l"/>
+            <a:rect l="l" t="t" r="r" b="b"/>
             <a:pathLst>
-              <a:path h="1379913" w="9144000">
+              <a:path w="9144000" h="1379913">
                 <a:moveTo>
                   <a:pt x="9144000" y="0"/>
                 </a:moveTo>
@@ -4219,19 +4365,26 @@
               </a:extLst>
             </a:blip>
             <a:stretch>
-              <a:fillRect l="0" t="0" r="0" b="0"/>
+              <a:fillRect/>
             </a:stretch>
           </a:blipFill>
         </p:spPr>
-      </p:sp>
-      <p:sp>
-        <p:nvSpPr>
-          <p:cNvPr name="Freeform 4" id="4"/>
+        <p:txBody>
+          <a:bodyPr/>
+          <a:lstStyle/>
+          <a:p>
+            <a:endParaRPr lang="ja-JP" altLang="en-US"/>
+          </a:p>
+        </p:txBody>
+      </p:sp>
+      <p:sp>
+        <p:nvSpPr>
+          <p:cNvPr id="4" name="Freeform 4"/>
           <p:cNvSpPr/>
           <p:nvPr/>
         </p:nvSpPr>
         <p:spPr>
-          <a:xfrm flipH="false" flipV="false" rot="0">
+          <a:xfrm>
             <a:off x="-1197934" y="7970740"/>
             <a:ext cx="5426497" cy="2575119"/>
           </a:xfrm>
@@ -4240,9 +4393,9 @@
             <a:gdLst/>
             <a:ahLst/>
             <a:cxnLst/>
-            <a:rect r="r" b="b" t="t" l="l"/>
+            <a:rect l="l" t="t" r="r" b="b"/>
             <a:pathLst>
-              <a:path h="2575119" w="5426497">
+              <a:path w="5426497" h="2575119">
                 <a:moveTo>
                   <a:pt x="0" y="0"/>
                 </a:moveTo>
@@ -4272,19 +4425,26 @@
               </a:extLst>
             </a:blip>
             <a:stretch>
-              <a:fillRect l="0" t="0" r="0" b="0"/>
+              <a:fillRect/>
             </a:stretch>
           </a:blipFill>
         </p:spPr>
-      </p:sp>
-      <p:sp>
-        <p:nvSpPr>
-          <p:cNvPr name="Freeform 5" id="5"/>
+        <p:txBody>
+          <a:bodyPr/>
+          <a:lstStyle/>
+          <a:p>
+            <a:endParaRPr lang="ja-JP" altLang="en-US"/>
+          </a:p>
+        </p:txBody>
+      </p:sp>
+      <p:sp>
+        <p:nvSpPr>
+          <p:cNvPr id="5" name="Freeform 5"/>
           <p:cNvSpPr/>
           <p:nvPr/>
         </p:nvSpPr>
         <p:spPr>
-          <a:xfrm flipH="true" flipV="false" rot="0">
+          <a:xfrm flipH="1">
             <a:off x="431504" y="6372823"/>
             <a:ext cx="2167620" cy="4173037"/>
           </a:xfrm>
@@ -4293,9 +4453,9 @@
             <a:gdLst/>
             <a:ahLst/>
             <a:cxnLst/>
-            <a:rect r="r" b="b" t="t" l="l"/>
+            <a:rect l="l" t="t" r="r" b="b"/>
             <a:pathLst>
-              <a:path h="4173037" w="2167620">
+              <a:path w="2167620" h="4173037">
                 <a:moveTo>
                   <a:pt x="2167620" y="0"/>
                 </a:moveTo>
@@ -4318,19 +4478,26 @@
           <a:blipFill>
             <a:blip r:embed="rId6"/>
             <a:stretch>
-              <a:fillRect l="0" t="0" r="0" b="0"/>
+              <a:fillRect/>
             </a:stretch>
           </a:blipFill>
         </p:spPr>
+        <p:txBody>
+          <a:bodyPr/>
+          <a:lstStyle/>
+          <a:p>
+            <a:endParaRPr lang="ja-JP" altLang="en-US"/>
+          </a:p>
+        </p:txBody>
       </p:sp>
       <p:grpSp>
         <p:nvGrpSpPr>
-          <p:cNvPr name="Group 6" id="6"/>
+          <p:cNvPr id="6" name="Group 6"/>
           <p:cNvGrpSpPr/>
           <p:nvPr/>
         </p:nvGrpSpPr>
         <p:grpSpPr>
-          <a:xfrm rot="0">
+          <a:xfrm>
             <a:off x="1028700" y="3989435"/>
             <a:ext cx="16436790" cy="3086100"/>
             <a:chOff x="0" y="0"/>
@@ -4339,12 +4506,12 @@
         </p:grpSpPr>
         <p:sp>
           <p:nvSpPr>
-            <p:cNvPr name="Freeform 7" id="7"/>
+            <p:cNvPr id="7" name="Freeform 7"/>
             <p:cNvSpPr/>
             <p:nvPr/>
           </p:nvSpPr>
           <p:spPr>
-            <a:xfrm flipH="false" flipV="false" rot="0">
+            <a:xfrm>
               <a:off x="0" y="0"/>
               <a:ext cx="4329031" cy="812800"/>
             </a:xfrm>
@@ -4353,9 +4520,9 @@
               <a:gdLst/>
               <a:ahLst/>
               <a:cxnLst/>
-              <a:rect r="r" b="b" t="t" l="l"/>
+              <a:rect l="l" t="t" r="r" b="b"/>
               <a:pathLst>
-                <a:path h="812800" w="4329031">
+                <a:path w="4329031" h="812800">
                   <a:moveTo>
                     <a:pt x="24022" y="0"/>
                   </a:moveTo>
@@ -4406,11 +4573,18 @@
               </a:srgbClr>
             </a:solidFill>
           </p:spPr>
+          <p:txBody>
+            <a:bodyPr/>
+            <a:lstStyle/>
+            <a:p>
+              <a:endParaRPr lang="ja-JP" altLang="en-US"/>
+            </a:p>
+          </p:txBody>
         </p:sp>
         <p:sp>
           <p:nvSpPr>
-            <p:cNvPr name="TextBox 8" id="8"/>
-            <p:cNvSpPr txBox="true"/>
+            <p:cNvPr id="8" name="TextBox 8"/>
+            <p:cNvSpPr txBox="1"/>
             <p:nvPr/>
           </p:nvSpPr>
           <p:spPr>
@@ -4423,7 +4597,7 @@
             </a:prstGeom>
           </p:spPr>
           <p:txBody>
-            <a:bodyPr anchor="ctr" rtlCol="false" tIns="50800" lIns="50800" bIns="50800" rIns="50800"/>
+            <a:bodyPr lIns="50800" tIns="50800" rIns="50800" bIns="50800" rtlCol="0" anchor="ctr"/>
             <a:lstStyle/>
             <a:p>
               <a:pPr algn="ctr">
@@ -4431,18 +4605,19 @@
                   <a:spcPts val="2519"/>
                 </a:lnSpc>
               </a:pPr>
+              <a:endParaRPr/>
             </a:p>
           </p:txBody>
         </p:sp>
       </p:grpSp>
       <p:sp>
         <p:nvSpPr>
-          <p:cNvPr name="Freeform 9" id="9"/>
+          <p:cNvPr id="9" name="Freeform 9"/>
           <p:cNvSpPr/>
           <p:nvPr/>
         </p:nvSpPr>
         <p:spPr>
-          <a:xfrm flipH="false" flipV="false" rot="0">
+          <a:xfrm>
             <a:off x="2851115" y="4155038"/>
             <a:ext cx="2754895" cy="2754895"/>
           </a:xfrm>
@@ -4451,9 +4626,9 @@
             <a:gdLst/>
             <a:ahLst/>
             <a:cxnLst/>
-            <a:rect r="r" b="b" t="t" l="l"/>
+            <a:rect l="l" t="t" r="r" b="b"/>
             <a:pathLst>
-              <a:path h="2754895" w="2754895">
+              <a:path w="2754895" h="2754895">
                 <a:moveTo>
                   <a:pt x="0" y="0"/>
                 </a:moveTo>
@@ -4476,19 +4651,26 @@
           <a:blipFill>
             <a:blip r:embed="rId7"/>
             <a:stretch>
-              <a:fillRect l="0" t="0" r="0" b="0"/>
+              <a:fillRect/>
             </a:stretch>
           </a:blipFill>
         </p:spPr>
-      </p:sp>
-      <p:sp>
-        <p:nvSpPr>
-          <p:cNvPr name="Freeform 10" id="10"/>
+        <p:txBody>
+          <a:bodyPr/>
+          <a:lstStyle/>
+          <a:p>
+            <a:endParaRPr lang="ja-JP" altLang="en-US"/>
+          </a:p>
+        </p:txBody>
+      </p:sp>
+      <p:sp>
+        <p:nvSpPr>
+          <p:cNvPr id="10" name="Freeform 10"/>
           <p:cNvSpPr/>
           <p:nvPr/>
         </p:nvSpPr>
         <p:spPr>
-          <a:xfrm flipH="false" flipV="false" rot="0">
+          <a:xfrm>
             <a:off x="12267395" y="4480690"/>
             <a:ext cx="3891034" cy="2103591"/>
           </a:xfrm>
@@ -4497,9 +4679,9 @@
             <a:gdLst/>
             <a:ahLst/>
             <a:cxnLst/>
-            <a:rect r="r" b="b" t="t" l="l"/>
+            <a:rect l="l" t="t" r="r" b="b"/>
             <a:pathLst>
-              <a:path h="2103591" w="3891034">
+              <a:path w="3891034" h="2103591">
                 <a:moveTo>
                   <a:pt x="0" y="0"/>
                 </a:moveTo>
@@ -4522,19 +4704,26 @@
           <a:blipFill>
             <a:blip r:embed="rId8"/>
             <a:stretch>
-              <a:fillRect l="0" t="0" r="0" b="0"/>
+              <a:fillRect/>
             </a:stretch>
           </a:blipFill>
         </p:spPr>
-      </p:sp>
-      <p:sp>
-        <p:nvSpPr>
-          <p:cNvPr name="Freeform 11" id="11"/>
+        <p:txBody>
+          <a:bodyPr/>
+          <a:lstStyle/>
+          <a:p>
+            <a:endParaRPr lang="ja-JP" altLang="en-US"/>
+          </a:p>
+        </p:txBody>
+      </p:sp>
+      <p:sp>
+        <p:nvSpPr>
+          <p:cNvPr id="11" name="Freeform 11"/>
           <p:cNvSpPr/>
           <p:nvPr/>
         </p:nvSpPr>
         <p:spPr>
-          <a:xfrm flipH="false" flipV="false" rot="0">
+          <a:xfrm>
             <a:off x="6444748" y="4776695"/>
             <a:ext cx="5398505" cy="1511581"/>
           </a:xfrm>
@@ -4543,9 +4732,9 @@
             <a:gdLst/>
             <a:ahLst/>
             <a:cxnLst/>
-            <a:rect r="r" b="b" t="t" l="l"/>
+            <a:rect l="l" t="t" r="r" b="b"/>
             <a:pathLst>
-              <a:path h="1511581" w="5398505">
+              <a:path w="5398505" h="1511581">
                 <a:moveTo>
                   <a:pt x="0" y="0"/>
                 </a:moveTo>
@@ -4568,19 +4757,26 @@
           <a:blipFill>
             <a:blip r:embed="rId9"/>
             <a:stretch>
-              <a:fillRect l="0" t="0" r="0" b="0"/>
+              <a:fillRect/>
             </a:stretch>
           </a:blipFill>
         </p:spPr>
-      </p:sp>
-      <p:sp>
-        <p:nvSpPr>
-          <p:cNvPr name="TextBox 12" id="12"/>
-          <p:cNvSpPr txBox="true"/>
+        <p:txBody>
+          <a:bodyPr/>
+          <a:lstStyle/>
+          <a:p>
+            <a:endParaRPr lang="ja-JP" altLang="en-US"/>
+          </a:p>
+        </p:txBody>
+      </p:sp>
+      <p:sp>
+        <p:nvSpPr>
+          <p:cNvPr id="12" name="TextBox 12"/>
+          <p:cNvSpPr txBox="1"/>
           <p:nvPr/>
         </p:nvSpPr>
         <p:spPr>
-          <a:xfrm rot="0">
+          <a:xfrm>
             <a:off x="2976542" y="676275"/>
             <a:ext cx="12334916" cy="2417956"/>
           </a:xfrm>
@@ -4589,7 +4785,7 @@
           </a:prstGeom>
         </p:spPr>
         <p:txBody>
-          <a:bodyPr anchor="t" rtlCol="false" tIns="0" lIns="0" bIns="0" rIns="0">
+          <a:bodyPr lIns="0" tIns="0" rIns="0" bIns="0" rtlCol="0" anchor="t">
             <a:spAutoFit/>
           </a:bodyPr>
           <a:lstStyle/>
@@ -4626,13 +4822,14 @@
 </file>
 
 <file path=ppt/slides/slide4.xml><?xml version="1.0" encoding="utf-8"?>
-<p:sld xmlns:p="http://schemas.openxmlformats.org/presentationml/2006/main" xmlns:a="http://schemas.openxmlformats.org/drawingml/2006/main" xmlns:r="http://schemas.openxmlformats.org/officeDocument/2006/relationships">
+<p:sld xmlns:a="http://schemas.openxmlformats.org/drawingml/2006/main" xmlns:r="http://schemas.openxmlformats.org/officeDocument/2006/relationships" xmlns:p="http://schemas.openxmlformats.org/presentationml/2006/main">
   <p:cSld>
     <p:bg>
       <p:bgPr>
         <a:solidFill>
           <a:srgbClr val="59007A"/>
         </a:solidFill>
+        <a:effectLst/>
       </p:bgPr>
     </p:bg>
     <p:spTree>
@@ -4651,12 +4848,12 @@
       </p:grpSpPr>
       <p:grpSp>
         <p:nvGrpSpPr>
-          <p:cNvPr name="Group 2" id="2"/>
+          <p:cNvPr id="2" name="Group 2"/>
           <p:cNvGrpSpPr/>
           <p:nvPr/>
         </p:nvGrpSpPr>
         <p:grpSpPr>
-          <a:xfrm rot="0">
+          <a:xfrm>
             <a:off x="1028700" y="641723"/>
             <a:ext cx="16436790" cy="8616577"/>
             <a:chOff x="0" y="0"/>
@@ -4665,12 +4862,12 @@
         </p:grpSpPr>
         <p:sp>
           <p:nvSpPr>
-            <p:cNvPr name="Freeform 3" id="3"/>
+            <p:cNvPr id="3" name="Freeform 3"/>
             <p:cNvSpPr/>
             <p:nvPr/>
           </p:nvSpPr>
           <p:spPr>
-            <a:xfrm flipH="false" flipV="false" rot="0">
+            <a:xfrm>
               <a:off x="0" y="0"/>
               <a:ext cx="4329031" cy="2269386"/>
             </a:xfrm>
@@ -4679,9 +4876,9 @@
               <a:gdLst/>
               <a:ahLst/>
               <a:cxnLst/>
-              <a:rect r="r" b="b" t="t" l="l"/>
+              <a:rect l="l" t="t" r="r" b="b"/>
               <a:pathLst>
-                <a:path h="2269386" w="4329031">
+                <a:path w="4329031" h="2269386">
                   <a:moveTo>
                     <a:pt x="24022" y="0"/>
                   </a:moveTo>
@@ -4732,11 +4929,18 @@
               </a:srgbClr>
             </a:solidFill>
           </p:spPr>
+          <p:txBody>
+            <a:bodyPr/>
+            <a:lstStyle/>
+            <a:p>
+              <a:endParaRPr lang="ja-JP" altLang="en-US"/>
+            </a:p>
+          </p:txBody>
         </p:sp>
         <p:sp>
           <p:nvSpPr>
-            <p:cNvPr name="TextBox 4" id="4"/>
-            <p:cNvSpPr txBox="true"/>
+            <p:cNvPr id="4" name="TextBox 4"/>
+            <p:cNvSpPr txBox="1"/>
             <p:nvPr/>
           </p:nvSpPr>
           <p:spPr>
@@ -4749,7 +4953,7 @@
             </a:prstGeom>
           </p:spPr>
           <p:txBody>
-            <a:bodyPr anchor="ctr" rtlCol="false" tIns="50800" lIns="50800" bIns="50800" rIns="50800"/>
+            <a:bodyPr lIns="50800" tIns="50800" rIns="50800" bIns="50800" rtlCol="0" anchor="ctr"/>
             <a:lstStyle/>
             <a:p>
               <a:pPr algn="ctr">
@@ -4757,18 +4961,19 @@
                   <a:spcPts val="2519"/>
                 </a:lnSpc>
               </a:pPr>
+              <a:endParaRPr/>
             </a:p>
           </p:txBody>
         </p:sp>
       </p:grpSp>
       <p:sp>
         <p:nvSpPr>
-          <p:cNvPr name="Freeform 5" id="5"/>
+          <p:cNvPr id="5" name="Freeform 5"/>
           <p:cNvSpPr/>
           <p:nvPr/>
         </p:nvSpPr>
         <p:spPr>
-          <a:xfrm flipH="false" flipV="false" rot="0">
+          <a:xfrm>
             <a:off x="0" y="3816824"/>
             <a:ext cx="2091147" cy="7931936"/>
           </a:xfrm>
@@ -4777,9 +4982,9 @@
             <a:gdLst/>
             <a:ahLst/>
             <a:cxnLst/>
-            <a:rect r="r" b="b" t="t" l="l"/>
+            <a:rect l="l" t="t" r="r" b="b"/>
             <a:pathLst>
-              <a:path h="7931936" w="2091147">
+              <a:path w="2091147" h="7931936">
                 <a:moveTo>
                   <a:pt x="0" y="0"/>
                 </a:moveTo>
@@ -4809,19 +5014,26 @@
               </a:extLst>
             </a:blip>
             <a:stretch>
-              <a:fillRect l="0" t="0" r="0" b="0"/>
+              <a:fillRect/>
             </a:stretch>
           </a:blipFill>
         </p:spPr>
-      </p:sp>
-      <p:sp>
-        <p:nvSpPr>
-          <p:cNvPr name="Freeform 6" id="6"/>
+        <p:txBody>
+          <a:bodyPr/>
+          <a:lstStyle/>
+          <a:p>
+            <a:endParaRPr lang="ja-JP" altLang="en-US"/>
+          </a:p>
+        </p:txBody>
+      </p:sp>
+      <p:sp>
+        <p:nvSpPr>
+          <p:cNvPr id="6" name="Freeform 6"/>
           <p:cNvSpPr/>
           <p:nvPr/>
         </p:nvSpPr>
         <p:spPr>
-          <a:xfrm flipH="false" flipV="false" rot="0">
+          <a:xfrm>
             <a:off x="16113113" y="1028700"/>
             <a:ext cx="2174887" cy="9569503"/>
           </a:xfrm>
@@ -4830,9 +5042,9 @@
             <a:gdLst/>
             <a:ahLst/>
             <a:cxnLst/>
-            <a:rect r="r" b="b" t="t" l="l"/>
+            <a:rect l="l" t="t" r="r" b="b"/>
             <a:pathLst>
-              <a:path h="9569503" w="2174887">
+              <a:path w="2174887" h="9569503">
                 <a:moveTo>
                   <a:pt x="0" y="0"/>
                 </a:moveTo>
@@ -4862,20 +5074,27 @@
               </a:extLst>
             </a:blip>
             <a:stretch>
-              <a:fillRect l="0" t="0" r="0" b="0"/>
+              <a:fillRect/>
             </a:stretch>
           </a:blipFill>
         </p:spPr>
-      </p:sp>
-      <p:sp>
-        <p:nvSpPr>
-          <p:cNvPr name="Freeform 7" id="7"/>
+        <p:txBody>
+          <a:bodyPr/>
+          <a:lstStyle/>
+          <a:p>
+            <a:endParaRPr lang="ja-JP" altLang="en-US"/>
+          </a:p>
+        </p:txBody>
+      </p:sp>
+      <p:sp>
+        <p:nvSpPr>
+          <p:cNvPr id="7" name="Freeform 7"/>
           <p:cNvSpPr/>
           <p:nvPr/>
         </p:nvSpPr>
         <p:spPr>
-          <a:xfrm flipH="false" flipV="false" rot="0">
-            <a:off x="1793044" y="2809218"/>
+          <a:xfrm>
+            <a:off x="1793044" y="3363238"/>
             <a:ext cx="5467843" cy="3075662"/>
           </a:xfrm>
           <a:custGeom>
@@ -4883,9 +5102,9 @@
             <a:gdLst/>
             <a:ahLst/>
             <a:cxnLst/>
-            <a:rect r="r" b="b" t="t" l="l"/>
+            <a:rect l="l" t="t" r="r" b="b"/>
             <a:pathLst>
-              <a:path h="3075662" w="5467843">
+              <a:path w="5467843" h="3075662">
                 <a:moveTo>
                   <a:pt x="0" y="0"/>
                 </a:moveTo>
@@ -4908,20 +5127,27 @@
           <a:blipFill>
             <a:blip r:embed="rId6"/>
             <a:stretch>
-              <a:fillRect l="0" t="0" r="0" b="0"/>
+              <a:fillRect/>
             </a:stretch>
           </a:blipFill>
         </p:spPr>
-      </p:sp>
-      <p:sp>
-        <p:nvSpPr>
-          <p:cNvPr name="TextBox 8" id="8"/>
-          <p:cNvSpPr txBox="true"/>
+        <p:txBody>
+          <a:bodyPr/>
+          <a:lstStyle/>
+          <a:p>
+            <a:endParaRPr lang="ja-JP" altLang="en-US"/>
+          </a:p>
+        </p:txBody>
+      </p:sp>
+      <p:sp>
+        <p:nvSpPr>
+          <p:cNvPr id="8" name="TextBox 8"/>
+          <p:cNvSpPr txBox="1"/>
           <p:nvPr/>
         </p:nvSpPr>
         <p:spPr>
-          <a:xfrm rot="0">
-            <a:off x="6116832" y="9525"/>
+          <a:xfrm>
+            <a:off x="6095428" y="961302"/>
             <a:ext cx="6054336" cy="2390775"/>
           </a:xfrm>
           <a:prstGeom prst="rect">
@@ -4929,7 +5155,7 @@
           </a:prstGeom>
         </p:spPr>
         <p:txBody>
-          <a:bodyPr anchor="t" rtlCol="false" tIns="0" lIns="0" bIns="0" rIns="0">
+          <a:bodyPr lIns="0" tIns="0" rIns="0" bIns="0" rtlCol="0" anchor="t">
             <a:spAutoFit/>
           </a:bodyPr>
           <a:lstStyle/>
@@ -4943,7 +5169,7 @@
               </a:spcBef>
             </a:pPr>
             <a:r>
-              <a:rPr lang="en-US" sz="9000">
+              <a:rPr lang="en-US" sz="9000" dirty="0" err="1">
                 <a:solidFill>
                   <a:srgbClr val="000000"/>
                 </a:solidFill>
@@ -4954,18 +5180,27 @@
               </a:rPr>
               <a:t>ゲーム概要</a:t>
             </a:r>
-          </a:p>
-        </p:txBody>
-      </p:sp>
-      <p:sp>
-        <p:nvSpPr>
-          <p:cNvPr name="TextBox 9" id="9"/>
-          <p:cNvSpPr txBox="true"/>
+            <a:endParaRPr lang="en-US" sz="9000" dirty="0">
+              <a:solidFill>
+                <a:srgbClr val="000000"/>
+              </a:solidFill>
+              <a:latin typeface="ドットゴシック 12"/>
+              <a:ea typeface="ドットゴシック 12"/>
+              <a:cs typeface="ドットゴシック 12"/>
+              <a:sym typeface="ドットゴシック 12"/>
+            </a:endParaRPr>
+          </a:p>
+        </p:txBody>
+      </p:sp>
+      <p:sp>
+        <p:nvSpPr>
+          <p:cNvPr id="9" name="TextBox 9"/>
+          <p:cNvSpPr txBox="1"/>
           <p:nvPr/>
         </p:nvSpPr>
         <p:spPr>
-          <a:xfrm rot="0">
-            <a:off x="7731113" y="2772250"/>
+          <a:xfrm>
+            <a:off x="7731113" y="3238500"/>
             <a:ext cx="8382000" cy="1460499"/>
           </a:xfrm>
           <a:prstGeom prst="rect">
@@ -4973,7 +5208,7 @@
           </a:prstGeom>
         </p:spPr>
         <p:txBody>
-          <a:bodyPr anchor="t" rtlCol="false" tIns="0" lIns="0" bIns="0" rIns="0">
+          <a:bodyPr lIns="0" tIns="0" rIns="0" bIns="0" rtlCol="0" anchor="t">
             <a:spAutoFit/>
           </a:bodyPr>
           <a:lstStyle/>
@@ -5003,13 +5238,13 @@
       </p:sp>
       <p:sp>
         <p:nvSpPr>
-          <p:cNvPr name="TextBox 10" id="10"/>
-          <p:cNvSpPr txBox="true"/>
+          <p:cNvPr id="10" name="TextBox 10"/>
+          <p:cNvSpPr txBox="1"/>
           <p:nvPr/>
         </p:nvSpPr>
         <p:spPr>
-          <a:xfrm rot="0">
-            <a:off x="7731736" y="4223852"/>
+          <a:xfrm>
+            <a:off x="7731736" y="4690102"/>
             <a:ext cx="5588000" cy="1460499"/>
           </a:xfrm>
           <a:prstGeom prst="rect">
@@ -5017,7 +5252,7 @@
           </a:prstGeom>
         </p:spPr>
         <p:txBody>
-          <a:bodyPr anchor="t" rtlCol="false" tIns="0" lIns="0" bIns="0" rIns="0">
+          <a:bodyPr lIns="0" tIns="0" rIns="0" bIns="0" rtlCol="0" anchor="t">
             <a:spAutoFit/>
           </a:bodyPr>
           <a:lstStyle/>
@@ -5031,7 +5266,7 @@
               </a:spcBef>
             </a:pPr>
             <a:r>
-              <a:rPr lang="en-US" sz="5500">
+              <a:rPr lang="en-US" sz="5500" dirty="0" err="1">
                 <a:solidFill>
                   <a:srgbClr val="000000"/>
                 </a:solidFill>
@@ -5040,20 +5275,32 @@
                 <a:cs typeface="ドットゴシック 12"/>
                 <a:sym typeface="ドットゴシック 12"/>
               </a:rPr>
-              <a:t>通称「ずとまよ」</a:t>
-            </a:r>
-          </a:p>
-        </p:txBody>
-      </p:sp>
-      <p:sp>
-        <p:nvSpPr>
-          <p:cNvPr name="TextBox 11" id="11"/>
-          <p:cNvSpPr txBox="true"/>
+              <a:t>通称「ずとまよ</a:t>
+            </a:r>
+            <a:r>
+              <a:rPr lang="en-US" sz="5500" dirty="0">
+                <a:solidFill>
+                  <a:srgbClr val="000000"/>
+                </a:solidFill>
+                <a:latin typeface="ドットゴシック 12"/>
+                <a:ea typeface="ドットゴシック 12"/>
+                <a:cs typeface="ドットゴシック 12"/>
+                <a:sym typeface="ドットゴシック 12"/>
+              </a:rPr>
+              <a:t>」</a:t>
+            </a:r>
+          </a:p>
+        </p:txBody>
+      </p:sp>
+      <p:sp>
+        <p:nvSpPr>
+          <p:cNvPr id="11" name="TextBox 11"/>
+          <p:cNvSpPr txBox="1"/>
           <p:nvPr/>
         </p:nvSpPr>
         <p:spPr>
-          <a:xfrm rot="0">
-            <a:off x="7731736" y="5674826"/>
+          <a:xfrm>
+            <a:off x="7731736" y="6141076"/>
             <a:ext cx="3492500" cy="1460499"/>
           </a:xfrm>
           <a:prstGeom prst="rect">
@@ -5061,7 +5308,7 @@
           </a:prstGeom>
         </p:spPr>
         <p:txBody>
-          <a:bodyPr anchor="t" rtlCol="false" tIns="0" lIns="0" bIns="0" rIns="0">
+          <a:bodyPr lIns="0" tIns="0" rIns="0" bIns="0" rtlCol="0" anchor="t">
             <a:spAutoFit/>
           </a:bodyPr>
           <a:lstStyle/>
@@ -5098,13 +5345,14 @@
 </file>
 
 <file path=ppt/slides/slide5.xml><?xml version="1.0" encoding="utf-8"?>
-<p:sld xmlns:p="http://schemas.openxmlformats.org/presentationml/2006/main" xmlns:a="http://schemas.openxmlformats.org/drawingml/2006/main" xmlns:r="http://schemas.openxmlformats.org/officeDocument/2006/relationships">
+<p:sld xmlns:a="http://schemas.openxmlformats.org/drawingml/2006/main" xmlns:r="http://schemas.openxmlformats.org/officeDocument/2006/relationships" xmlns:p="http://schemas.openxmlformats.org/presentationml/2006/main">
   <p:cSld>
     <p:bg>
       <p:bgPr>
         <a:solidFill>
           <a:srgbClr val="59007A"/>
         </a:solidFill>
+        <a:effectLst/>
       </p:bgPr>
     </p:bg>
     <p:spTree>
@@ -5123,12 +5371,12 @@
       </p:grpSpPr>
       <p:grpSp>
         <p:nvGrpSpPr>
-          <p:cNvPr name="Group 2" id="2"/>
+          <p:cNvPr id="2" name="Group 2"/>
           <p:cNvGrpSpPr/>
           <p:nvPr/>
         </p:nvGrpSpPr>
         <p:grpSpPr>
-          <a:xfrm rot="0">
+          <a:xfrm>
             <a:off x="1028700" y="641723"/>
             <a:ext cx="16436790" cy="8616577"/>
             <a:chOff x="0" y="0"/>
@@ -5137,12 +5385,12 @@
         </p:grpSpPr>
         <p:sp>
           <p:nvSpPr>
-            <p:cNvPr name="Freeform 3" id="3"/>
+            <p:cNvPr id="3" name="Freeform 3"/>
             <p:cNvSpPr/>
             <p:nvPr/>
           </p:nvSpPr>
           <p:spPr>
-            <a:xfrm flipH="false" flipV="false" rot="0">
+            <a:xfrm>
               <a:off x="0" y="0"/>
               <a:ext cx="4329031" cy="2269386"/>
             </a:xfrm>
@@ -5151,9 +5399,9 @@
               <a:gdLst/>
               <a:ahLst/>
               <a:cxnLst/>
-              <a:rect r="r" b="b" t="t" l="l"/>
+              <a:rect l="l" t="t" r="r" b="b"/>
               <a:pathLst>
-                <a:path h="2269386" w="4329031">
+                <a:path w="4329031" h="2269386">
                   <a:moveTo>
                     <a:pt x="24022" y="0"/>
                   </a:moveTo>
@@ -5204,11 +5452,18 @@
               </a:srgbClr>
             </a:solidFill>
           </p:spPr>
+          <p:txBody>
+            <a:bodyPr/>
+            <a:lstStyle/>
+            <a:p>
+              <a:endParaRPr lang="ja-JP" altLang="en-US"/>
+            </a:p>
+          </p:txBody>
         </p:sp>
         <p:sp>
           <p:nvSpPr>
-            <p:cNvPr name="TextBox 4" id="4"/>
-            <p:cNvSpPr txBox="true"/>
+            <p:cNvPr id="4" name="TextBox 4"/>
+            <p:cNvSpPr txBox="1"/>
             <p:nvPr/>
           </p:nvSpPr>
           <p:spPr>
@@ -5221,7 +5476,7 @@
             </a:prstGeom>
           </p:spPr>
           <p:txBody>
-            <a:bodyPr anchor="ctr" rtlCol="false" tIns="50800" lIns="50800" bIns="50800" rIns="50800"/>
+            <a:bodyPr lIns="50800" tIns="50800" rIns="50800" bIns="50800" rtlCol="0" anchor="ctr"/>
             <a:lstStyle/>
             <a:p>
               <a:pPr algn="ctr">
@@ -5229,18 +5484,19 @@
                   <a:spcPts val="2519"/>
                 </a:lnSpc>
               </a:pPr>
+              <a:endParaRPr/>
             </a:p>
           </p:txBody>
         </p:sp>
       </p:grpSp>
       <p:sp>
         <p:nvSpPr>
-          <p:cNvPr name="Freeform 5" id="5"/>
+          <p:cNvPr id="5" name="Freeform 5"/>
           <p:cNvSpPr/>
           <p:nvPr/>
         </p:nvSpPr>
         <p:spPr>
-          <a:xfrm flipH="false" flipV="false" rot="0">
+          <a:xfrm>
             <a:off x="0" y="3816824"/>
             <a:ext cx="2091147" cy="7931936"/>
           </a:xfrm>
@@ -5249,9 +5505,9 @@
             <a:gdLst/>
             <a:ahLst/>
             <a:cxnLst/>
-            <a:rect r="r" b="b" t="t" l="l"/>
+            <a:rect l="l" t="t" r="r" b="b"/>
             <a:pathLst>
-              <a:path h="7931936" w="2091147">
+              <a:path w="2091147" h="7931936">
                 <a:moveTo>
                   <a:pt x="0" y="0"/>
                 </a:moveTo>
@@ -5281,19 +5537,26 @@
               </a:extLst>
             </a:blip>
             <a:stretch>
-              <a:fillRect l="0" t="0" r="0" b="0"/>
+              <a:fillRect/>
             </a:stretch>
           </a:blipFill>
         </p:spPr>
-      </p:sp>
-      <p:sp>
-        <p:nvSpPr>
-          <p:cNvPr name="Freeform 6" id="6"/>
+        <p:txBody>
+          <a:bodyPr/>
+          <a:lstStyle/>
+          <a:p>
+            <a:endParaRPr lang="ja-JP" altLang="en-US"/>
+          </a:p>
+        </p:txBody>
+      </p:sp>
+      <p:sp>
+        <p:nvSpPr>
+          <p:cNvPr id="6" name="Freeform 6"/>
           <p:cNvSpPr/>
           <p:nvPr/>
         </p:nvSpPr>
         <p:spPr>
-          <a:xfrm flipH="false" flipV="false" rot="0">
+          <a:xfrm>
             <a:off x="16113113" y="1028700"/>
             <a:ext cx="2174887" cy="9569503"/>
           </a:xfrm>
@@ -5302,9 +5565,9 @@
             <a:gdLst/>
             <a:ahLst/>
             <a:cxnLst/>
-            <a:rect r="r" b="b" t="t" l="l"/>
+            <a:rect l="l" t="t" r="r" b="b"/>
             <a:pathLst>
-              <a:path h="9569503" w="2174887">
+              <a:path w="2174887" h="9569503">
                 <a:moveTo>
                   <a:pt x="0" y="0"/>
                 </a:moveTo>
@@ -5334,20 +5597,27 @@
               </a:extLst>
             </a:blip>
             <a:stretch>
-              <a:fillRect l="0" t="0" r="0" b="0"/>
+              <a:fillRect/>
             </a:stretch>
           </a:blipFill>
         </p:spPr>
-      </p:sp>
-      <p:sp>
-        <p:nvSpPr>
-          <p:cNvPr name="TextBox 7" id="7"/>
-          <p:cNvSpPr txBox="true"/>
+        <p:txBody>
+          <a:bodyPr/>
+          <a:lstStyle/>
+          <a:p>
+            <a:endParaRPr lang="ja-JP" altLang="en-US"/>
+          </a:p>
+        </p:txBody>
+      </p:sp>
+      <p:sp>
+        <p:nvSpPr>
+          <p:cNvPr id="7" name="TextBox 7"/>
+          <p:cNvSpPr txBox="1"/>
           <p:nvPr/>
         </p:nvSpPr>
         <p:spPr>
-          <a:xfrm rot="0">
-            <a:off x="6116832" y="9525"/>
+          <a:xfrm>
+            <a:off x="6116832" y="1152525"/>
             <a:ext cx="6054336" cy="2390775"/>
           </a:xfrm>
           <a:prstGeom prst="rect">
@@ -5355,7 +5625,7 @@
           </a:prstGeom>
         </p:spPr>
         <p:txBody>
-          <a:bodyPr anchor="t" rtlCol="false" tIns="0" lIns="0" bIns="0" rIns="0">
+          <a:bodyPr lIns="0" tIns="0" rIns="0" bIns="0" rtlCol="0" anchor="t">
             <a:spAutoFit/>
           </a:bodyPr>
           <a:lstStyle/>
@@ -5369,7 +5639,7 @@
               </a:spcBef>
             </a:pPr>
             <a:r>
-              <a:rPr lang="en-US" sz="9000">
+              <a:rPr lang="en-US" sz="9000" dirty="0" err="1">
                 <a:solidFill>
                   <a:srgbClr val="000000"/>
                 </a:solidFill>
@@ -5380,18 +5650,27 @@
               </a:rPr>
               <a:t>ゲーム概要</a:t>
             </a:r>
-          </a:p>
-        </p:txBody>
-      </p:sp>
-      <p:sp>
-        <p:nvSpPr>
-          <p:cNvPr name="TextBox 8" id="8"/>
-          <p:cNvSpPr txBox="true"/>
+            <a:endParaRPr lang="en-US" sz="9000" dirty="0">
+              <a:solidFill>
+                <a:srgbClr val="000000"/>
+              </a:solidFill>
+              <a:latin typeface="ドットゴシック 12"/>
+              <a:ea typeface="ドットゴシック 12"/>
+              <a:cs typeface="ドットゴシック 12"/>
+              <a:sym typeface="ドットゴシック 12"/>
+            </a:endParaRPr>
+          </a:p>
+        </p:txBody>
+      </p:sp>
+      <p:sp>
+        <p:nvSpPr>
+          <p:cNvPr id="8" name="TextBox 8"/>
+          <p:cNvSpPr txBox="1"/>
           <p:nvPr/>
         </p:nvSpPr>
         <p:spPr>
-          <a:xfrm rot="0">
-            <a:off x="2349131" y="2217017"/>
+          <a:xfrm>
+            <a:off x="2349131" y="3006725"/>
             <a:ext cx="14567819" cy="5565775"/>
           </a:xfrm>
           <a:prstGeom prst="rect">
@@ -5399,7 +5678,7 @@
           </a:prstGeom>
         </p:spPr>
         <p:txBody>
-          <a:bodyPr anchor="t" rtlCol="false" tIns="0" lIns="0" bIns="0" rIns="0">
+          <a:bodyPr lIns="0" tIns="0" rIns="0" bIns="0" rtlCol="0" anchor="t">
             <a:spAutoFit/>
           </a:bodyPr>
           <a:lstStyle/>
@@ -5410,7 +5689,7 @@
               </a:lnSpc>
             </a:pPr>
             <a:r>
-              <a:rPr lang="en-US" sz="6999">
+              <a:rPr lang="en-US" sz="6999" dirty="0" err="1">
                 <a:solidFill>
                   <a:srgbClr val="000000"/>
                 </a:solidFill>
@@ -5421,6 +5700,15 @@
               </a:rPr>
               <a:t>画像や音楽、文章問題が楽しめる</a:t>
             </a:r>
+            <a:endParaRPr lang="en-US" sz="6999" dirty="0">
+              <a:solidFill>
+                <a:srgbClr val="000000"/>
+              </a:solidFill>
+              <a:latin typeface="ドットゴシック 12"/>
+              <a:ea typeface="ドットゴシック 12"/>
+              <a:cs typeface="ドットゴシック 12"/>
+              <a:sym typeface="ドットゴシック 12"/>
+            </a:endParaRPr>
           </a:p>
           <a:p>
             <a:pPr algn="l">
@@ -5429,7 +5717,7 @@
               </a:lnSpc>
             </a:pPr>
             <a:r>
-              <a:rPr lang="en-US" sz="6999">
+              <a:rPr lang="en-US" sz="6999" dirty="0" err="1">
                 <a:solidFill>
                   <a:srgbClr val="000000"/>
                 </a:solidFill>
@@ -5440,6 +5728,15 @@
               </a:rPr>
               <a:t>クイズアプリ</a:t>
             </a:r>
+            <a:endParaRPr lang="en-US" sz="6999" dirty="0">
+              <a:solidFill>
+                <a:srgbClr val="000000"/>
+              </a:solidFill>
+              <a:latin typeface="ドットゴシック 12"/>
+              <a:ea typeface="ドットゴシック 12"/>
+              <a:cs typeface="ドットゴシック 12"/>
+              <a:sym typeface="ドットゴシック 12"/>
+            </a:endParaRPr>
           </a:p>
           <a:p>
             <a:pPr algn="l">
@@ -5447,6 +5744,15 @@
                 <a:spcPts val="9799"/>
               </a:lnSpc>
             </a:pPr>
+            <a:endParaRPr lang="en-US" sz="6999" dirty="0">
+              <a:solidFill>
+                <a:srgbClr val="000000"/>
+              </a:solidFill>
+              <a:latin typeface="ドットゴシック 12"/>
+              <a:ea typeface="ドットゴシック 12"/>
+              <a:cs typeface="ドットゴシック 12"/>
+              <a:sym typeface="ドットゴシック 12"/>
+            </a:endParaRPr>
           </a:p>
           <a:p>
             <a:pPr algn="l">
@@ -5458,7 +5764,7 @@
               </a:spcBef>
             </a:pPr>
             <a:r>
-              <a:rPr lang="en-US" sz="6999">
+              <a:rPr lang="en-US" sz="6999" dirty="0" err="1">
                 <a:solidFill>
                   <a:srgbClr val="000000"/>
                 </a:solidFill>
@@ -5469,6 +5775,15 @@
               </a:rPr>
               <a:t>クイズの登録も自分でできる</a:t>
             </a:r>
+            <a:endParaRPr lang="en-US" sz="6999" dirty="0">
+              <a:solidFill>
+                <a:srgbClr val="000000"/>
+              </a:solidFill>
+              <a:latin typeface="ドットゴシック 12"/>
+              <a:ea typeface="ドットゴシック 12"/>
+              <a:cs typeface="ドットゴシック 12"/>
+              <a:sym typeface="ドットゴシック 12"/>
+            </a:endParaRPr>
           </a:p>
         </p:txBody>
       </p:sp>
@@ -5481,13 +5796,14 @@
 </file>
 
 <file path=ppt/slides/slide6.xml><?xml version="1.0" encoding="utf-8"?>
-<p:sld xmlns:p="http://schemas.openxmlformats.org/presentationml/2006/main" xmlns:a="http://schemas.openxmlformats.org/drawingml/2006/main" xmlns:r="http://schemas.openxmlformats.org/officeDocument/2006/relationships">
+<p:sld xmlns:a="http://schemas.openxmlformats.org/drawingml/2006/main" xmlns:r="http://schemas.openxmlformats.org/officeDocument/2006/relationships" xmlns:p="http://schemas.openxmlformats.org/presentationml/2006/main">
   <p:cSld>
     <p:bg>
       <p:bgPr>
         <a:solidFill>
           <a:srgbClr val="59007A"/>
         </a:solidFill>
+        <a:effectLst/>
       </p:bgPr>
     </p:bg>
     <p:spTree>
@@ -5506,12 +5822,12 @@
       </p:grpSpPr>
       <p:sp>
         <p:nvSpPr>
-          <p:cNvPr name="Freeform 2" id="2"/>
+          <p:cNvPr id="2" name="Freeform 2"/>
           <p:cNvSpPr/>
           <p:nvPr/>
         </p:nvSpPr>
         <p:spPr>
-          <a:xfrm flipH="false" flipV="false" rot="0">
+          <a:xfrm>
             <a:off x="10343432" y="2655122"/>
             <a:ext cx="7631878" cy="7631878"/>
           </a:xfrm>
@@ -5520,9 +5836,9 @@
             <a:gdLst/>
             <a:ahLst/>
             <a:cxnLst/>
-            <a:rect r="r" b="b" t="t" l="l"/>
+            <a:rect l="l" t="t" r="r" b="b"/>
             <a:pathLst>
-              <a:path h="7631878" w="7631878">
+              <a:path w="7631878" h="7631878">
                 <a:moveTo>
                   <a:pt x="0" y="0"/>
                 </a:moveTo>
@@ -5551,19 +5867,26 @@
               </a:extLst>
             </a:blip>
             <a:stretch>
-              <a:fillRect l="0" t="0" r="0" b="0"/>
+              <a:fillRect/>
             </a:stretch>
           </a:blipFill>
         </p:spPr>
-      </p:sp>
-      <p:sp>
-        <p:nvSpPr>
-          <p:cNvPr name="Freeform 3" id="3"/>
+        <p:txBody>
+          <a:bodyPr/>
+          <a:lstStyle/>
+          <a:p>
+            <a:endParaRPr lang="ja-JP" altLang="en-US"/>
+          </a:p>
+        </p:txBody>
+      </p:sp>
+      <p:sp>
+        <p:nvSpPr>
+          <p:cNvPr id="3" name="Freeform 3"/>
           <p:cNvSpPr/>
           <p:nvPr/>
         </p:nvSpPr>
         <p:spPr>
-          <a:xfrm flipH="false" flipV="false" rot="0">
+          <a:xfrm>
             <a:off x="8031663" y="6172200"/>
             <a:ext cx="2311769" cy="4114800"/>
           </a:xfrm>
@@ -5572,9 +5895,9 @@
             <a:gdLst/>
             <a:ahLst/>
             <a:cxnLst/>
-            <a:rect r="r" b="b" t="t" l="l"/>
+            <a:rect l="l" t="t" r="r" b="b"/>
             <a:pathLst>
-              <a:path h="4114800" w="2311769">
+              <a:path w="2311769" h="4114800">
                 <a:moveTo>
                   <a:pt x="0" y="0"/>
                 </a:moveTo>
@@ -5603,19 +5926,26 @@
               </a:extLst>
             </a:blip>
             <a:stretch>
-              <a:fillRect l="0" t="0" r="0" b="0"/>
+              <a:fillRect/>
             </a:stretch>
           </a:blipFill>
         </p:spPr>
-      </p:sp>
-      <p:sp>
-        <p:nvSpPr>
-          <p:cNvPr name="TextBox 4" id="4"/>
-          <p:cNvSpPr txBox="true"/>
+        <p:txBody>
+          <a:bodyPr/>
+          <a:lstStyle/>
+          <a:p>
+            <a:endParaRPr lang="ja-JP" altLang="en-US"/>
+          </a:p>
+        </p:txBody>
+      </p:sp>
+      <p:sp>
+        <p:nvSpPr>
+          <p:cNvPr id="4" name="TextBox 4"/>
+          <p:cNvSpPr txBox="1"/>
           <p:nvPr/>
         </p:nvSpPr>
         <p:spPr>
-          <a:xfrm rot="0">
+          <a:xfrm>
             <a:off x="3879961" y="1038225"/>
             <a:ext cx="733409" cy="7191375"/>
           </a:xfrm>
@@ -5624,7 +5954,7 @@
           </a:prstGeom>
         </p:spPr>
         <p:txBody>
-          <a:bodyPr anchor="t" rtlCol="false" tIns="0" lIns="0" bIns="0" rIns="0">
+          <a:bodyPr lIns="0" tIns="0" rIns="0" bIns="0" rtlCol="0" anchor="t">
             <a:spAutoFit/>
           </a:bodyPr>
           <a:lstStyle/>
@@ -5654,12 +5984,12 @@
       </p:sp>
       <p:sp>
         <p:nvSpPr>
-          <p:cNvPr name="Freeform 5" id="5"/>
+          <p:cNvPr id="5" name="Freeform 5"/>
           <p:cNvSpPr/>
           <p:nvPr/>
         </p:nvSpPr>
         <p:spPr>
-          <a:xfrm flipH="true" flipV="false" rot="0">
+          <a:xfrm flipH="1">
             <a:off x="9144000" y="1263081"/>
             <a:ext cx="2283604" cy="797185"/>
           </a:xfrm>
@@ -5668,9 +5998,9 @@
             <a:gdLst/>
             <a:ahLst/>
             <a:cxnLst/>
-            <a:rect r="r" b="b" t="t" l="l"/>
+            <a:rect l="l" t="t" r="r" b="b"/>
             <a:pathLst>
-              <a:path h="797185" w="2283604">
+              <a:path w="2283604" h="797185">
                 <a:moveTo>
                   <a:pt x="2283604" y="0"/>
                 </a:moveTo>
@@ -5699,19 +6029,26 @@
               </a:extLst>
             </a:blip>
             <a:stretch>
-              <a:fillRect l="0" t="0" r="0" b="0"/>
+              <a:fillRect/>
             </a:stretch>
           </a:blipFill>
         </p:spPr>
-      </p:sp>
-      <p:sp>
-        <p:nvSpPr>
-          <p:cNvPr name="Freeform 6" id="6"/>
+        <p:txBody>
+          <a:bodyPr/>
+          <a:lstStyle/>
+          <a:p>
+            <a:endParaRPr lang="ja-JP" altLang="en-US"/>
+          </a:p>
+        </p:txBody>
+      </p:sp>
+      <p:sp>
+        <p:nvSpPr>
+          <p:cNvPr id="6" name="Freeform 6"/>
           <p:cNvSpPr/>
           <p:nvPr/>
         </p:nvSpPr>
         <p:spPr>
-          <a:xfrm flipH="true" flipV="false" rot="0">
+          <a:xfrm flipH="1">
             <a:off x="14546157" y="631973"/>
             <a:ext cx="4453058" cy="793454"/>
           </a:xfrm>
@@ -5720,9 +6057,9 @@
             <a:gdLst/>
             <a:ahLst/>
             <a:cxnLst/>
-            <a:rect r="r" b="b" t="t" l="l"/>
+            <a:rect l="l" t="t" r="r" b="b"/>
             <a:pathLst>
-              <a:path h="793454" w="4453058">
+              <a:path w="4453058" h="793454">
                 <a:moveTo>
                   <a:pt x="4453058" y="0"/>
                 </a:moveTo>
@@ -5751,10 +6088,17 @@
               </a:extLst>
             </a:blip>
             <a:stretch>
-              <a:fillRect l="0" t="0" r="0" b="0"/>
+              <a:fillRect/>
             </a:stretch>
           </a:blipFill>
         </p:spPr>
+        <p:txBody>
+          <a:bodyPr/>
+          <a:lstStyle/>
+          <a:p>
+            <a:endParaRPr lang="ja-JP" altLang="en-US"/>
+          </a:p>
+        </p:txBody>
       </p:sp>
     </p:spTree>
   </p:cSld>
@@ -5765,13 +6109,14 @@
 </file>
 
 <file path=ppt/slides/slide7.xml><?xml version="1.0" encoding="utf-8"?>
-<p:sld xmlns:p="http://schemas.openxmlformats.org/presentationml/2006/main" xmlns:a="http://schemas.openxmlformats.org/drawingml/2006/main" xmlns:r="http://schemas.openxmlformats.org/officeDocument/2006/relationships">
+<p:sld xmlns:a="http://schemas.openxmlformats.org/drawingml/2006/main" xmlns:r="http://schemas.openxmlformats.org/officeDocument/2006/relationships" xmlns:p="http://schemas.openxmlformats.org/presentationml/2006/main">
   <p:cSld>
     <p:bg>
       <p:bgPr>
         <a:solidFill>
           <a:srgbClr val="59007A"/>
         </a:solidFill>
+        <a:effectLst/>
       </p:bgPr>
     </p:bg>
     <p:spTree>
@@ -5790,12 +6135,12 @@
       </p:grpSpPr>
       <p:sp>
         <p:nvSpPr>
-          <p:cNvPr name="Freeform 2" id="2"/>
+          <p:cNvPr id="2" name="Freeform 2"/>
           <p:cNvSpPr/>
           <p:nvPr/>
         </p:nvSpPr>
         <p:spPr>
-          <a:xfrm flipH="false" flipV="false" rot="0">
+          <a:xfrm>
             <a:off x="-115917" y="6375030"/>
             <a:ext cx="4177832" cy="3911970"/>
           </a:xfrm>
@@ -5804,9 +6149,9 @@
             <a:gdLst/>
             <a:ahLst/>
             <a:cxnLst/>
-            <a:rect r="r" b="b" t="t" l="l"/>
+            <a:rect l="l" t="t" r="r" b="b"/>
             <a:pathLst>
-              <a:path h="3911970" w="4177832">
+              <a:path w="4177832" h="3911970">
                 <a:moveTo>
                   <a:pt x="0" y="0"/>
                 </a:moveTo>
@@ -5836,19 +6181,26 @@
               </a:extLst>
             </a:blip>
             <a:stretch>
-              <a:fillRect l="0" t="0" r="0" b="0"/>
+              <a:fillRect/>
             </a:stretch>
           </a:blipFill>
         </p:spPr>
-      </p:sp>
-      <p:sp>
-        <p:nvSpPr>
-          <p:cNvPr name="Freeform 3" id="3"/>
+        <p:txBody>
+          <a:bodyPr/>
+          <a:lstStyle/>
+          <a:p>
+            <a:endParaRPr lang="ja-JP" altLang="en-US"/>
+          </a:p>
+        </p:txBody>
+      </p:sp>
+      <p:sp>
+        <p:nvSpPr>
+          <p:cNvPr id="3" name="Freeform 3"/>
           <p:cNvSpPr/>
           <p:nvPr/>
         </p:nvSpPr>
         <p:spPr>
-          <a:xfrm flipH="true" flipV="false" rot="0">
+          <a:xfrm flipH="1">
             <a:off x="725760" y="1256800"/>
             <a:ext cx="2359993" cy="823852"/>
           </a:xfrm>
@@ -5857,9 +6209,9 @@
             <a:gdLst/>
             <a:ahLst/>
             <a:cxnLst/>
-            <a:rect r="r" b="b" t="t" l="l"/>
+            <a:rect l="l" t="t" r="r" b="b"/>
             <a:pathLst>
-              <a:path h="823852" w="2359993">
+              <a:path w="2359993" h="823852">
                 <a:moveTo>
                   <a:pt x="2359993" y="0"/>
                 </a:moveTo>
@@ -5888,19 +6240,26 @@
               </a:extLst>
             </a:blip>
             <a:stretch>
-              <a:fillRect l="0" t="0" r="0" b="0"/>
+              <a:fillRect/>
             </a:stretch>
           </a:blipFill>
         </p:spPr>
-      </p:sp>
-      <p:sp>
-        <p:nvSpPr>
-          <p:cNvPr name="Freeform 4" id="4"/>
+        <p:txBody>
+          <a:bodyPr/>
+          <a:lstStyle/>
+          <a:p>
+            <a:endParaRPr lang="ja-JP" altLang="en-US"/>
+          </a:p>
+        </p:txBody>
+      </p:sp>
+      <p:sp>
+        <p:nvSpPr>
+          <p:cNvPr id="4" name="Freeform 4"/>
           <p:cNvSpPr/>
           <p:nvPr/>
         </p:nvSpPr>
         <p:spPr>
-          <a:xfrm flipH="false" flipV="false" rot="0">
+          <a:xfrm>
             <a:off x="-521479" y="-413826"/>
             <a:ext cx="2494479" cy="2494479"/>
           </a:xfrm>
@@ -5909,9 +6268,9 @@
             <a:gdLst/>
             <a:ahLst/>
             <a:cxnLst/>
-            <a:rect r="r" b="b" t="t" l="l"/>
+            <a:rect l="l" t="t" r="r" b="b"/>
             <a:pathLst>
-              <a:path h="2494479" w="2494479">
+              <a:path w="2494479" h="2494479">
                 <a:moveTo>
                   <a:pt x="0" y="0"/>
                 </a:moveTo>
@@ -5940,44 +6299,51 @@
               </a:extLst>
             </a:blip>
             <a:stretch>
-              <a:fillRect l="0" t="0" r="0" b="0"/>
+              <a:fillRect/>
             </a:stretch>
           </a:blipFill>
         </p:spPr>
-      </p:sp>
-      <p:sp>
-        <p:nvSpPr>
-          <p:cNvPr name="Freeform 5" id="5"/>
+        <p:txBody>
+          <a:bodyPr/>
+          <a:lstStyle/>
+          <a:p>
+            <a:endParaRPr lang="ja-JP" altLang="en-US"/>
+          </a:p>
+        </p:txBody>
+      </p:sp>
+      <p:sp>
+        <p:nvSpPr>
+          <p:cNvPr id="6" name="Freeform 6"/>
           <p:cNvSpPr/>
           <p:nvPr/>
         </p:nvSpPr>
         <p:spPr>
-          <a:xfrm flipH="true" flipV="false" rot="0">
-            <a:off x="15901945" y="574331"/>
-            <a:ext cx="2908065" cy="518164"/>
+          <a:xfrm>
+            <a:off x="14691893" y="8914416"/>
+            <a:ext cx="4718258" cy="1372584"/>
           </a:xfrm>
           <a:custGeom>
             <a:avLst/>
             <a:gdLst/>
             <a:ahLst/>
             <a:cxnLst/>
-            <a:rect r="r" b="b" t="t" l="l"/>
+            <a:rect l="l" t="t" r="r" b="b"/>
             <a:pathLst>
-              <a:path h="518164" w="2908065">
+              <a:path w="4718258" h="1372584">
                 <a:moveTo>
-                  <a:pt x="2908065" y="0"/>
+                  <a:pt x="0" y="0"/>
                 </a:moveTo>
                 <a:lnTo>
+                  <a:pt x="4718258" y="0"/>
+                </a:lnTo>
+                <a:lnTo>
+                  <a:pt x="4718258" y="1372584"/>
+                </a:lnTo>
+                <a:lnTo>
+                  <a:pt x="0" y="1372584"/>
+                </a:lnTo>
+                <a:lnTo>
                   <a:pt x="0" y="0"/>
-                </a:lnTo>
-                <a:lnTo>
-                  <a:pt x="0" y="518164"/>
-                </a:lnTo>
-                <a:lnTo>
-                  <a:pt x="2908065" y="518164"/>
-                </a:lnTo>
-                <a:lnTo>
-                  <a:pt x="2908065" y="0"/>
                 </a:lnTo>
                 <a:close/>
               </a:path>
@@ -5985,6 +6351,7 @@
           </a:custGeom>
           <a:blipFill>
             <a:blip r:embed="rId8">
+              <a:alphaModFix amt="51000"/>
               <a:extLst>
                 <a:ext uri="{96DAC541-7B7A-43D3-8B79-37D633B846F1}">
                   <asvg:svgBlip xmlns:asvg="http://schemas.microsoft.com/office/drawing/2016/SVG/main" r:embed="rId9"/>
@@ -5992,72 +6359,26 @@
               </a:extLst>
             </a:blip>
             <a:stretch>
-              <a:fillRect l="0" t="0" r="0" b="0"/>
+              <a:fillRect/>
             </a:stretch>
           </a:blipFill>
         </p:spPr>
-      </p:sp>
-      <p:sp>
-        <p:nvSpPr>
-          <p:cNvPr name="Freeform 6" id="6"/>
-          <p:cNvSpPr/>
-          <p:nvPr/>
-        </p:nvSpPr>
-        <p:spPr>
-          <a:xfrm flipH="false" flipV="false" rot="0">
-            <a:off x="14691893" y="8914416"/>
-            <a:ext cx="4718258" cy="1372584"/>
-          </a:xfrm>
-          <a:custGeom>
-            <a:avLst/>
-            <a:gdLst/>
-            <a:ahLst/>
-            <a:cxnLst/>
-            <a:rect r="r" b="b" t="t" l="l"/>
-            <a:pathLst>
-              <a:path h="1372584" w="4718258">
-                <a:moveTo>
-                  <a:pt x="0" y="0"/>
-                </a:moveTo>
-                <a:lnTo>
-                  <a:pt x="4718258" y="0"/>
-                </a:lnTo>
-                <a:lnTo>
-                  <a:pt x="4718258" y="1372584"/>
-                </a:lnTo>
-                <a:lnTo>
-                  <a:pt x="0" y="1372584"/>
-                </a:lnTo>
-                <a:lnTo>
-                  <a:pt x="0" y="0"/>
-                </a:lnTo>
-                <a:close/>
-              </a:path>
-            </a:pathLst>
-          </a:custGeom>
-          <a:blipFill>
-            <a:blip r:embed="rId10">
-              <a:alphaModFix amt="51000"/>
-              <a:extLst>
-                <a:ext uri="{96DAC541-7B7A-43D3-8B79-37D633B846F1}">
-                  <asvg:svgBlip xmlns:asvg="http://schemas.microsoft.com/office/drawing/2016/SVG/main" r:embed="rId11"/>
-                </a:ext>
-              </a:extLst>
-            </a:blip>
-            <a:stretch>
-              <a:fillRect l="0" t="0" r="0" b="0"/>
-            </a:stretch>
-          </a:blipFill>
-        </p:spPr>
+        <p:txBody>
+          <a:bodyPr/>
+          <a:lstStyle/>
+          <a:p>
+            <a:endParaRPr lang="ja-JP" altLang="en-US"/>
+          </a:p>
+        </p:txBody>
       </p:sp>
       <p:grpSp>
         <p:nvGrpSpPr>
-          <p:cNvPr name="Group 7" id="7"/>
+          <p:cNvPr id="7" name="Group 7"/>
           <p:cNvGrpSpPr/>
           <p:nvPr/>
         </p:nvGrpSpPr>
         <p:grpSpPr>
-          <a:xfrm rot="0">
+          <a:xfrm>
             <a:off x="1028700" y="684816"/>
             <a:ext cx="16436790" cy="8229600"/>
             <a:chOff x="0" y="0"/>
@@ -6066,12 +6387,12 @@
         </p:grpSpPr>
         <p:sp>
           <p:nvSpPr>
-            <p:cNvPr name="Freeform 8" id="8"/>
+            <p:cNvPr id="8" name="Freeform 8"/>
             <p:cNvSpPr/>
             <p:nvPr/>
           </p:nvSpPr>
           <p:spPr>
-            <a:xfrm flipH="false" flipV="false" rot="0">
+            <a:xfrm>
               <a:off x="0" y="0"/>
               <a:ext cx="4329031" cy="2167467"/>
             </a:xfrm>
@@ -6080,9 +6401,9 @@
               <a:gdLst/>
               <a:ahLst/>
               <a:cxnLst/>
-              <a:rect r="r" b="b" t="t" l="l"/>
+              <a:rect l="l" t="t" r="r" b="b"/>
               <a:pathLst>
-                <a:path h="2167467" w="4329031">
+                <a:path w="4329031" h="2167467">
                   <a:moveTo>
                     <a:pt x="24022" y="0"/>
                   </a:moveTo>
@@ -6138,11 +6459,18 @@
               </a:srgbClr>
             </a:solidFill>
           </p:spPr>
+          <p:txBody>
+            <a:bodyPr/>
+            <a:lstStyle/>
+            <a:p>
+              <a:endParaRPr lang="ja-JP" altLang="en-US" dirty="0"/>
+            </a:p>
+          </p:txBody>
         </p:sp>
         <p:sp>
           <p:nvSpPr>
-            <p:cNvPr name="TextBox 9" id="9"/>
-            <p:cNvSpPr txBox="true"/>
+            <p:cNvPr id="9" name="TextBox 9"/>
+            <p:cNvSpPr txBox="1"/>
             <p:nvPr/>
           </p:nvSpPr>
           <p:spPr>
@@ -6155,7 +6483,7 @@
             </a:prstGeom>
           </p:spPr>
           <p:txBody>
-            <a:bodyPr anchor="ctr" rtlCol="false" tIns="50800" lIns="50800" bIns="50800" rIns="50800"/>
+            <a:bodyPr lIns="50800" tIns="50800" rIns="50800" bIns="50800" rtlCol="0" anchor="ctr"/>
             <a:lstStyle/>
             <a:p>
               <a:pPr algn="ctr">
@@ -6163,19 +6491,20 @@
                   <a:spcPts val="2519"/>
                 </a:lnSpc>
               </a:pPr>
+              <a:endParaRPr/>
             </a:p>
           </p:txBody>
         </p:sp>
       </p:grpSp>
       <p:sp>
         <p:nvSpPr>
-          <p:cNvPr name="TextBox 10" id="10"/>
-          <p:cNvSpPr txBox="true"/>
+          <p:cNvPr id="10" name="TextBox 10"/>
+          <p:cNvSpPr txBox="1"/>
           <p:nvPr/>
         </p:nvSpPr>
         <p:spPr>
-          <a:xfrm rot="0">
-            <a:off x="6942241" y="9525"/>
+          <a:xfrm>
+            <a:off x="6942241" y="1104900"/>
             <a:ext cx="3990461" cy="2390775"/>
           </a:xfrm>
           <a:prstGeom prst="rect">
@@ -6183,7 +6512,7 @@
           </a:prstGeom>
         </p:spPr>
         <p:txBody>
-          <a:bodyPr anchor="t" rtlCol="false" tIns="0" lIns="0" bIns="0" rIns="0">
+          <a:bodyPr lIns="0" tIns="0" rIns="0" bIns="0" rtlCol="0" anchor="t">
             <a:spAutoFit/>
           </a:bodyPr>
           <a:lstStyle/>
@@ -6197,7 +6526,7 @@
               </a:spcBef>
             </a:pPr>
             <a:r>
-              <a:rPr lang="en-US" sz="9000">
+              <a:rPr lang="en-US" sz="9000" dirty="0" err="1">
                 <a:solidFill>
                   <a:srgbClr val="000000"/>
                 </a:solidFill>
@@ -6208,37 +6537,42 @@
               </a:rPr>
               <a:t>改善案</a:t>
             </a:r>
-          </a:p>
-        </p:txBody>
-      </p:sp>
-      <p:sp>
-        <p:nvSpPr>
-          <p:cNvPr name="TextBox 11" id="11"/>
-          <p:cNvSpPr txBox="true"/>
+            <a:endParaRPr lang="en-US" sz="9000" dirty="0">
+              <a:solidFill>
+                <a:srgbClr val="000000"/>
+              </a:solidFill>
+              <a:latin typeface="ドットゴシック 12"/>
+              <a:ea typeface="ドットゴシック 12"/>
+              <a:cs typeface="ドットゴシック 12"/>
+              <a:sym typeface="ドットゴシック 12"/>
+            </a:endParaRPr>
+          </a:p>
+        </p:txBody>
+      </p:sp>
+      <p:sp>
+        <p:nvSpPr>
+          <p:cNvPr id="11" name="TextBox 11"/>
+          <p:cNvSpPr txBox="1"/>
           <p:nvPr/>
         </p:nvSpPr>
         <p:spPr>
-          <a:xfrm rot="0">
-            <a:off x="4061916" y="3099361"/>
-            <a:ext cx="11052783" cy="4327525"/>
+          <a:xfrm>
+            <a:off x="4061916" y="3254375"/>
+            <a:ext cx="11052783" cy="4616648"/>
           </a:xfrm>
           <a:prstGeom prst="rect">
             <a:avLst/>
           </a:prstGeom>
         </p:spPr>
         <p:txBody>
-          <a:bodyPr anchor="t" rtlCol="false" tIns="0" lIns="0" bIns="0" rIns="0">
+          <a:bodyPr lIns="0" tIns="0" rIns="0" bIns="0" rtlCol="0" anchor="t">
             <a:spAutoFit/>
           </a:bodyPr>
           <a:lstStyle/>
           <a:p>
-            <a:pPr algn="l">
-              <a:lnSpc>
-                <a:spcPts val="9799"/>
-              </a:lnSpc>
-            </a:pPr>
-            <a:r>
-              <a:rPr lang="en-US" sz="6999">
+            <a:pPr algn="l"/>
+            <a:r>
+              <a:rPr lang="en-US" sz="5000" dirty="0" err="1">
                 <a:solidFill>
                   <a:srgbClr val="000000"/>
                 </a:solidFill>
@@ -6249,25 +6583,112 @@
               </a:rPr>
               <a:t>ジャンルごとのソート機能</a:t>
             </a:r>
+            <a:endParaRPr lang="en-US" sz="5000" dirty="0">
+              <a:solidFill>
+                <a:srgbClr val="000000"/>
+              </a:solidFill>
+              <a:latin typeface="ドットゴシック 12"/>
+              <a:ea typeface="ドットゴシック 12"/>
+              <a:cs typeface="ドットゴシック 12"/>
+              <a:sym typeface="ドットゴシック 12"/>
+            </a:endParaRPr>
           </a:p>
           <a:p>
             <a:pPr algn="l">
-              <a:lnSpc>
-                <a:spcPts val="9799"/>
-              </a:lnSpc>
-            </a:pPr>
-          </a:p>
-          <a:p>
-            <a:pPr algn="l">
-              <a:lnSpc>
-                <a:spcPts val="9799"/>
-              </a:lnSpc>
               <a:spcBef>
                 <a:spcPct val="0"/>
               </a:spcBef>
             </a:pPr>
-            <a:r>
-              <a:rPr lang="en-US" sz="6999">
+            <a:endParaRPr lang="en-US" altLang="ja-JP" sz="5000" dirty="0">
+              <a:solidFill>
+                <a:srgbClr val="000000"/>
+              </a:solidFill>
+              <a:latin typeface="ドットゴシック 12"/>
+              <a:ea typeface="ドットゴシック 12"/>
+              <a:cs typeface="ドットゴシック 12"/>
+              <a:sym typeface="ドットゴシック 12"/>
+            </a:endParaRPr>
+          </a:p>
+          <a:p>
+            <a:pPr algn="l">
+              <a:spcBef>
+                <a:spcPct val="0"/>
+              </a:spcBef>
+            </a:pPr>
+            <a:r>
+              <a:rPr lang="ja-JP" altLang="en-US" sz="5000" dirty="0">
+                <a:solidFill>
+                  <a:srgbClr val="000000"/>
+                </a:solidFill>
+                <a:latin typeface="ドットゴシック 12"/>
+                <a:ea typeface="ドットゴシック 12"/>
+                <a:cs typeface="ドットゴシック 12"/>
+                <a:sym typeface="ドットゴシック 12"/>
+              </a:rPr>
+              <a:t>問題の一覧表示、</a:t>
+            </a:r>
+            <a:endParaRPr lang="en-US" altLang="ja-JP" sz="5000" dirty="0">
+              <a:solidFill>
+                <a:srgbClr val="000000"/>
+              </a:solidFill>
+              <a:latin typeface="ドットゴシック 12"/>
+              <a:ea typeface="ドットゴシック 12"/>
+              <a:cs typeface="ドットゴシック 12"/>
+              <a:sym typeface="ドットゴシック 12"/>
+            </a:endParaRPr>
+          </a:p>
+          <a:p>
+            <a:pPr algn="l">
+              <a:spcBef>
+                <a:spcPct val="0"/>
+              </a:spcBef>
+            </a:pPr>
+            <a:r>
+              <a:rPr lang="ja-JP" altLang="en-US" sz="5000" dirty="0">
+                <a:solidFill>
+                  <a:srgbClr val="000000"/>
+                </a:solidFill>
+                <a:latin typeface="ドットゴシック 12"/>
+                <a:ea typeface="ドットゴシック 12"/>
+                <a:cs typeface="ドットゴシック 12"/>
+                <a:sym typeface="ドットゴシック 12"/>
+              </a:rPr>
+              <a:t>編集、削除機能</a:t>
+            </a:r>
+            <a:endParaRPr lang="en-US" altLang="ja-JP" sz="5000" dirty="0">
+              <a:solidFill>
+                <a:srgbClr val="000000"/>
+              </a:solidFill>
+              <a:latin typeface="ドットゴシック 12"/>
+              <a:ea typeface="ドットゴシック 12"/>
+              <a:cs typeface="ドットゴシック 12"/>
+              <a:sym typeface="ドットゴシック 12"/>
+            </a:endParaRPr>
+          </a:p>
+          <a:p>
+            <a:pPr algn="l">
+              <a:spcBef>
+                <a:spcPct val="0"/>
+              </a:spcBef>
+            </a:pPr>
+            <a:endParaRPr lang="en-US" sz="5000" dirty="0">
+              <a:solidFill>
+                <a:srgbClr val="000000"/>
+              </a:solidFill>
+              <a:latin typeface="ドットゴシック 12"/>
+              <a:ea typeface="ドットゴシック 12"/>
+              <a:cs typeface="ドットゴシック 12"/>
+              <a:sym typeface="ドットゴシック 12"/>
+            </a:endParaRPr>
+          </a:p>
+          <a:p>
+            <a:pPr algn="l">
+              <a:spcBef>
+                <a:spcPct val="0"/>
+              </a:spcBef>
+            </a:pPr>
+            <a:r>
+              <a:rPr lang="ja-JP" altLang="en-US" sz="5000" dirty="0">
                 <a:solidFill>
                   <a:srgbClr val="000000"/>
                 </a:solidFill>
@@ -6278,6 +6699,15 @@
               </a:rPr>
               <a:t>ゲーム性の追加</a:t>
             </a:r>
+            <a:endParaRPr lang="en-US" sz="5000" dirty="0">
+              <a:solidFill>
+                <a:srgbClr val="000000"/>
+              </a:solidFill>
+              <a:latin typeface="ドットゴシック 12"/>
+              <a:ea typeface="ドットゴシック 12"/>
+              <a:cs typeface="ドットゴシック 12"/>
+              <a:sym typeface="ドットゴシック 12"/>
+            </a:endParaRPr>
           </a:p>
         </p:txBody>
       </p:sp>
@@ -6290,13 +6720,14 @@
 </file>
 
 <file path=ppt/slides/slide8.xml><?xml version="1.0" encoding="utf-8"?>
-<p:sld xmlns:p="http://schemas.openxmlformats.org/presentationml/2006/main" xmlns:a="http://schemas.openxmlformats.org/drawingml/2006/main" xmlns:r="http://schemas.openxmlformats.org/officeDocument/2006/relationships">
+<p:sld xmlns:a="http://schemas.openxmlformats.org/drawingml/2006/main" xmlns:r="http://schemas.openxmlformats.org/officeDocument/2006/relationships" xmlns:p="http://schemas.openxmlformats.org/presentationml/2006/main">
   <p:cSld>
     <p:bg>
       <p:bgPr>
         <a:solidFill>
           <a:srgbClr val="59007A"/>
         </a:solidFill>
+        <a:effectLst/>
       </p:bgPr>
     </p:bg>
     <p:spTree>
@@ -6315,12 +6746,12 @@
       </p:grpSpPr>
       <p:sp>
         <p:nvSpPr>
-          <p:cNvPr name="Freeform 2" id="2"/>
+          <p:cNvPr id="2" name="Freeform 2"/>
           <p:cNvSpPr/>
           <p:nvPr/>
         </p:nvSpPr>
         <p:spPr>
-          <a:xfrm flipH="false" flipV="false" rot="0">
+          <a:xfrm>
             <a:off x="7129606" y="1057562"/>
             <a:ext cx="4028788" cy="4028788"/>
           </a:xfrm>
@@ -6329,9 +6760,9 @@
             <a:gdLst/>
             <a:ahLst/>
             <a:cxnLst/>
-            <a:rect r="r" b="b" t="t" l="l"/>
+            <a:rect l="l" t="t" r="r" b="b"/>
             <a:pathLst>
-              <a:path h="4028788" w="4028788">
+              <a:path w="4028788" h="4028788">
                 <a:moveTo>
                   <a:pt x="0" y="0"/>
                 </a:moveTo>
@@ -6360,19 +6791,26 @@
               </a:extLst>
             </a:blip>
             <a:stretch>
-              <a:fillRect l="0" t="0" r="0" b="0"/>
+              <a:fillRect/>
             </a:stretch>
           </a:blipFill>
         </p:spPr>
-      </p:sp>
-      <p:sp>
-        <p:nvSpPr>
-          <p:cNvPr name="TextBox 3" id="3"/>
-          <p:cNvSpPr txBox="true"/>
+        <p:txBody>
+          <a:bodyPr/>
+          <a:lstStyle/>
+          <a:p>
+            <a:endParaRPr lang="ja-JP" altLang="en-US"/>
+          </a:p>
+        </p:txBody>
+      </p:sp>
+      <p:sp>
+        <p:nvSpPr>
+          <p:cNvPr id="3" name="TextBox 3"/>
+          <p:cNvSpPr txBox="1"/>
           <p:nvPr/>
         </p:nvSpPr>
         <p:spPr>
-          <a:xfrm rot="0">
+          <a:xfrm>
             <a:off x="3900164" y="3594529"/>
             <a:ext cx="10487673" cy="4064550"/>
           </a:xfrm>
@@ -6381,7 +6819,7 @@
           </a:prstGeom>
         </p:spPr>
         <p:txBody>
-          <a:bodyPr anchor="t" rtlCol="false" tIns="0" lIns="0" bIns="0" rIns="0">
+          <a:bodyPr lIns="0" tIns="0" rIns="0" bIns="0" rtlCol="0" anchor="t">
             <a:spAutoFit/>
           </a:bodyPr>
           <a:lstStyle/>
@@ -6427,12 +6865,12 @@
       </p:sp>
       <p:sp>
         <p:nvSpPr>
-          <p:cNvPr name="Freeform 4" id="4"/>
+          <p:cNvPr id="4" name="Freeform 4"/>
           <p:cNvSpPr/>
           <p:nvPr/>
         </p:nvSpPr>
         <p:spPr>
-          <a:xfrm flipH="false" flipV="false" rot="0">
+          <a:xfrm>
             <a:off x="4257771" y="1710223"/>
             <a:ext cx="1885630" cy="658256"/>
           </a:xfrm>
@@ -6441,9 +6879,9 @@
             <a:gdLst/>
             <a:ahLst/>
             <a:cxnLst/>
-            <a:rect r="r" b="b" t="t" l="l"/>
+            <a:rect l="l" t="t" r="r" b="b"/>
             <a:pathLst>
-              <a:path h="658256" w="1885630">
+              <a:path w="1885630" h="658256">
                 <a:moveTo>
                   <a:pt x="0" y="0"/>
                 </a:moveTo>
@@ -6472,19 +6910,26 @@
               </a:extLst>
             </a:blip>
             <a:stretch>
-              <a:fillRect l="0" t="0" r="0" b="0"/>
+              <a:fillRect/>
             </a:stretch>
           </a:blipFill>
         </p:spPr>
-      </p:sp>
-      <p:sp>
-        <p:nvSpPr>
-          <p:cNvPr name="Freeform 5" id="5"/>
+        <p:txBody>
+          <a:bodyPr/>
+          <a:lstStyle/>
+          <a:p>
+            <a:endParaRPr lang="ja-JP" altLang="en-US"/>
+          </a:p>
+        </p:txBody>
+      </p:sp>
+      <p:sp>
+        <p:nvSpPr>
+          <p:cNvPr id="5" name="Freeform 5"/>
           <p:cNvSpPr/>
           <p:nvPr/>
         </p:nvSpPr>
         <p:spPr>
-          <a:xfrm flipH="true" flipV="false" rot="0">
+          <a:xfrm flipH="1">
             <a:off x="12144598" y="1710223"/>
             <a:ext cx="1885630" cy="658256"/>
           </a:xfrm>
@@ -6493,9 +6938,9 @@
             <a:gdLst/>
             <a:ahLst/>
             <a:cxnLst/>
-            <a:rect r="r" b="b" t="t" l="l"/>
+            <a:rect l="l" t="t" r="r" b="b"/>
             <a:pathLst>
-              <a:path h="658256" w="1885630">
+              <a:path w="1885630" h="658256">
                 <a:moveTo>
                   <a:pt x="1885631" y="0"/>
                 </a:moveTo>
@@ -6524,19 +6969,26 @@
               </a:extLst>
             </a:blip>
             <a:stretch>
-              <a:fillRect l="0" t="0" r="0" b="0"/>
+              <a:fillRect/>
             </a:stretch>
           </a:blipFill>
         </p:spPr>
-      </p:sp>
-      <p:sp>
-        <p:nvSpPr>
-          <p:cNvPr name="Freeform 6" id="6"/>
+        <p:txBody>
+          <a:bodyPr/>
+          <a:lstStyle/>
+          <a:p>
+            <a:endParaRPr lang="ja-JP" altLang="en-US"/>
+          </a:p>
+        </p:txBody>
+      </p:sp>
+      <p:sp>
+        <p:nvSpPr>
+          <p:cNvPr id="6" name="Freeform 6"/>
           <p:cNvSpPr/>
           <p:nvPr/>
         </p:nvSpPr>
         <p:spPr>
-          <a:xfrm flipH="false" flipV="false" rot="0">
+          <a:xfrm>
             <a:off x="-711215" y="631973"/>
             <a:ext cx="2996082" cy="533847"/>
           </a:xfrm>
@@ -6545,9 +6997,9 @@
             <a:gdLst/>
             <a:ahLst/>
             <a:cxnLst/>
-            <a:rect r="r" b="b" t="t" l="l"/>
+            <a:rect l="l" t="t" r="r" b="b"/>
             <a:pathLst>
-              <a:path h="533847" w="2996082">
+              <a:path w="2996082" h="533847">
                 <a:moveTo>
                   <a:pt x="0" y="0"/>
                 </a:moveTo>
@@ -6576,19 +7028,26 @@
               </a:extLst>
             </a:blip>
             <a:stretch>
-              <a:fillRect l="0" t="0" r="0" b="0"/>
+              <a:fillRect/>
             </a:stretch>
           </a:blipFill>
         </p:spPr>
-      </p:sp>
-      <p:sp>
-        <p:nvSpPr>
-          <p:cNvPr name="Freeform 7" id="7"/>
+        <p:txBody>
+          <a:bodyPr/>
+          <a:lstStyle/>
+          <a:p>
+            <a:endParaRPr lang="ja-JP" altLang="en-US"/>
+          </a:p>
+        </p:txBody>
+      </p:sp>
+      <p:sp>
+        <p:nvSpPr>
+          <p:cNvPr id="7" name="Freeform 7"/>
           <p:cNvSpPr/>
           <p:nvPr/>
         </p:nvSpPr>
         <p:spPr>
-          <a:xfrm flipH="true" flipV="false" rot="0">
+          <a:xfrm flipH="1">
             <a:off x="16003133" y="631973"/>
             <a:ext cx="2996082" cy="533847"/>
           </a:xfrm>
@@ -6597,9 +7056,9 @@
             <a:gdLst/>
             <a:ahLst/>
             <a:cxnLst/>
-            <a:rect r="r" b="b" t="t" l="l"/>
+            <a:rect l="l" t="t" r="r" b="b"/>
             <a:pathLst>
-              <a:path h="533847" w="2996082">
+              <a:path w="2996082" h="533847">
                 <a:moveTo>
                   <a:pt x="2996082" y="0"/>
                 </a:moveTo>
@@ -6628,19 +7087,26 @@
               </a:extLst>
             </a:blip>
             <a:stretch>
-              <a:fillRect l="0" t="0" r="0" b="0"/>
+              <a:fillRect/>
             </a:stretch>
           </a:blipFill>
         </p:spPr>
-      </p:sp>
-      <p:sp>
-        <p:nvSpPr>
-          <p:cNvPr name="Freeform 8" id="8"/>
+        <p:txBody>
+          <a:bodyPr/>
+          <a:lstStyle/>
+          <a:p>
+            <a:endParaRPr lang="ja-JP" altLang="en-US"/>
+          </a:p>
+        </p:txBody>
+      </p:sp>
+      <p:sp>
+        <p:nvSpPr>
+          <p:cNvPr id="8" name="Freeform 8"/>
           <p:cNvSpPr/>
           <p:nvPr/>
         </p:nvSpPr>
         <p:spPr>
-          <a:xfrm flipH="false" flipV="false" rot="0">
+          <a:xfrm>
             <a:off x="14266789" y="6945711"/>
             <a:ext cx="1736344" cy="3341289"/>
           </a:xfrm>
@@ -6649,9 +7115,9 @@
             <a:gdLst/>
             <a:ahLst/>
             <a:cxnLst/>
-            <a:rect r="r" b="b" t="t" l="l"/>
+            <a:rect l="l" t="t" r="r" b="b"/>
             <a:pathLst>
-              <a:path h="3341289" w="1736344">
+              <a:path w="1736344" h="3341289">
                 <a:moveTo>
                   <a:pt x="0" y="0"/>
                 </a:moveTo>
@@ -6674,19 +7140,26 @@
           <a:blipFill>
             <a:blip r:embed="rId8"/>
             <a:stretch>
-              <a:fillRect l="0" t="0" r="0" b="0"/>
+              <a:fillRect/>
             </a:stretch>
           </a:blipFill>
         </p:spPr>
-      </p:sp>
-      <p:sp>
-        <p:nvSpPr>
-          <p:cNvPr name="Freeform 9" id="9"/>
+        <p:txBody>
+          <a:bodyPr/>
+          <a:lstStyle/>
+          <a:p>
+            <a:endParaRPr lang="ja-JP" altLang="en-US"/>
+          </a:p>
+        </p:txBody>
+      </p:sp>
+      <p:sp>
+        <p:nvSpPr>
+          <p:cNvPr id="9" name="Freeform 9"/>
           <p:cNvSpPr/>
           <p:nvPr/>
         </p:nvSpPr>
         <p:spPr>
-          <a:xfrm flipH="true" flipV="false" rot="0">
+          <a:xfrm flipH="1">
             <a:off x="548523" y="6945711"/>
             <a:ext cx="1736344" cy="3341289"/>
           </a:xfrm>
@@ -6695,9 +7168,9 @@
             <a:gdLst/>
             <a:ahLst/>
             <a:cxnLst/>
-            <a:rect r="r" b="b" t="t" l="l"/>
+            <a:rect l="l" t="t" r="r" b="b"/>
             <a:pathLst>
-              <a:path h="3341289" w="1736344">
+              <a:path w="1736344" h="3341289">
                 <a:moveTo>
                   <a:pt x="1736344" y="0"/>
                 </a:moveTo>
@@ -6720,19 +7193,26 @@
           <a:blipFill>
             <a:blip r:embed="rId9"/>
             <a:stretch>
-              <a:fillRect l="0" t="0" r="0" b="0"/>
+              <a:fillRect/>
             </a:stretch>
           </a:blipFill>
         </p:spPr>
-      </p:sp>
-      <p:sp>
-        <p:nvSpPr>
-          <p:cNvPr name="Freeform 10" id="10"/>
+        <p:txBody>
+          <a:bodyPr/>
+          <a:lstStyle/>
+          <a:p>
+            <a:endParaRPr lang="ja-JP" altLang="en-US"/>
+          </a:p>
+        </p:txBody>
+      </p:sp>
+      <p:sp>
+        <p:nvSpPr>
+          <p:cNvPr id="10" name="Freeform 10"/>
           <p:cNvSpPr/>
           <p:nvPr/>
         </p:nvSpPr>
         <p:spPr>
-          <a:xfrm flipH="true" flipV="false" rot="0">
+          <a:xfrm flipH="1">
             <a:off x="4112781" y="6945711"/>
             <a:ext cx="1736344" cy="3341289"/>
           </a:xfrm>
@@ -6741,9 +7221,9 @@
             <a:gdLst/>
             <a:ahLst/>
             <a:cxnLst/>
-            <a:rect r="r" b="b" t="t" l="l"/>
+            <a:rect l="l" t="t" r="r" b="b"/>
             <a:pathLst>
-              <a:path h="3341289" w="1736344">
+              <a:path w="1736344" h="3341289">
                 <a:moveTo>
                   <a:pt x="1736344" y="0"/>
                 </a:moveTo>
@@ -6766,19 +7246,26 @@
           <a:blipFill>
             <a:blip r:embed="rId10"/>
             <a:stretch>
-              <a:fillRect l="0" t="0" r="0" b="0"/>
+              <a:fillRect/>
             </a:stretch>
           </a:blipFill>
         </p:spPr>
-      </p:sp>
-      <p:sp>
-        <p:nvSpPr>
-          <p:cNvPr name="Freeform 11" id="11"/>
+        <p:txBody>
+          <a:bodyPr/>
+          <a:lstStyle/>
+          <a:p>
+            <a:endParaRPr lang="ja-JP" altLang="en-US"/>
+          </a:p>
+        </p:txBody>
+      </p:sp>
+      <p:sp>
+        <p:nvSpPr>
+          <p:cNvPr id="11" name="Freeform 11"/>
           <p:cNvSpPr/>
           <p:nvPr/>
         </p:nvSpPr>
         <p:spPr>
-          <a:xfrm flipH="false" flipV="false" rot="0">
+          <a:xfrm>
             <a:off x="15600299" y="6945711"/>
             <a:ext cx="1900875" cy="3341289"/>
           </a:xfrm>
@@ -6787,9 +7274,9 @@
             <a:gdLst/>
             <a:ahLst/>
             <a:cxnLst/>
-            <a:rect r="r" b="b" t="t" l="l"/>
+            <a:rect l="l" t="t" r="r" b="b"/>
             <a:pathLst>
-              <a:path h="3341289" w="1900875">
+              <a:path w="1900875" h="3341289">
                 <a:moveTo>
                   <a:pt x="0" y="0"/>
                 </a:moveTo>
@@ -6812,19 +7299,26 @@
           <a:blipFill>
             <a:blip r:embed="rId11"/>
             <a:stretch>
-              <a:fillRect l="0" t="0" r="0" b="0"/>
+              <a:fillRect/>
             </a:stretch>
           </a:blipFill>
         </p:spPr>
-      </p:sp>
-      <p:sp>
-        <p:nvSpPr>
-          <p:cNvPr name="Freeform 12" id="12"/>
+        <p:txBody>
+          <a:bodyPr/>
+          <a:lstStyle/>
+          <a:p>
+            <a:endParaRPr lang="ja-JP" altLang="en-US"/>
+          </a:p>
+        </p:txBody>
+      </p:sp>
+      <p:sp>
+        <p:nvSpPr>
+          <p:cNvPr id="12" name="Freeform 12"/>
           <p:cNvSpPr/>
           <p:nvPr/>
         </p:nvSpPr>
         <p:spPr>
-          <a:xfrm flipH="true" flipV="false" rot="0">
+          <a:xfrm flipH="1">
             <a:off x="2164582" y="6945711"/>
             <a:ext cx="1735581" cy="3341289"/>
           </a:xfrm>
@@ -6833,9 +7327,9 @@
             <a:gdLst/>
             <a:ahLst/>
             <a:cxnLst/>
-            <a:rect r="r" b="b" t="t" l="l"/>
+            <a:rect l="l" t="t" r="r" b="b"/>
             <a:pathLst>
-              <a:path h="3341289" w="1735581">
+              <a:path w="1735581" h="3341289">
                 <a:moveTo>
                   <a:pt x="1735582" y="0"/>
                 </a:moveTo>
@@ -6858,19 +7352,26 @@
           <a:blipFill>
             <a:blip r:embed="rId12"/>
             <a:stretch>
-              <a:fillRect l="0" t="0" r="0" b="0"/>
+              <a:fillRect/>
             </a:stretch>
           </a:blipFill>
         </p:spPr>
-      </p:sp>
-      <p:sp>
-        <p:nvSpPr>
-          <p:cNvPr name="Freeform 13" id="13"/>
+        <p:txBody>
+          <a:bodyPr/>
+          <a:lstStyle/>
+          <a:p>
+            <a:endParaRPr lang="ja-JP" altLang="en-US"/>
+          </a:p>
+        </p:txBody>
+      </p:sp>
+      <p:sp>
+        <p:nvSpPr>
+          <p:cNvPr id="13" name="Freeform 13"/>
           <p:cNvSpPr/>
           <p:nvPr/>
         </p:nvSpPr>
         <p:spPr>
-          <a:xfrm flipH="false" flipV="false" rot="0">
+          <a:xfrm>
             <a:off x="12573612" y="6870010"/>
             <a:ext cx="1814224" cy="3492690"/>
           </a:xfrm>
@@ -6879,9 +7380,9 @@
             <a:gdLst/>
             <a:ahLst/>
             <a:cxnLst/>
-            <a:rect r="r" b="b" t="t" l="l"/>
+            <a:rect l="l" t="t" r="r" b="b"/>
             <a:pathLst>
-              <a:path h="3492690" w="1814224">
+              <a:path w="1814224" h="3492690">
                 <a:moveTo>
                   <a:pt x="0" y="0"/>
                 </a:moveTo>
@@ -6904,10 +7405,17 @@
           <a:blipFill>
             <a:blip r:embed="rId13"/>
             <a:stretch>
-              <a:fillRect l="0" t="0" r="0" b="0"/>
+              <a:fillRect/>
             </a:stretch>
           </a:blipFill>
         </p:spPr>
+        <p:txBody>
+          <a:bodyPr/>
+          <a:lstStyle/>
+          <a:p>
+            <a:endParaRPr lang="ja-JP" altLang="en-US"/>
+          </a:p>
+        </p:txBody>
       </p:sp>
     </p:spTree>
   </p:cSld>

--- a/flutter_application_1/flutter2025_yogiashi.pptx
+++ b/flutter_application_1/flutter2025_yogiashi.pptx
@@ -320,7 +320,7 @@
             <a:fld id="{1D8BD707-D9CF-40AE-B4C6-C98DA3205C09}" type="datetimeFigureOut">
               <a:rPr lang="en-US" smtClean="0"/>
               <a:pPr/>
-              <a:t>7/10/2025</a:t>
+              <a:t>7/16/2025</a:t>
             </a:fld>
             <a:endParaRPr lang="en-US"/>
           </a:p>
@@ -485,7 +485,7 @@
             <a:fld id="{1D8BD707-D9CF-40AE-B4C6-C98DA3205C09}" type="datetimeFigureOut">
               <a:rPr lang="en-US" smtClean="0"/>
               <a:pPr/>
-              <a:t>7/10/2025</a:t>
+              <a:t>7/16/2025</a:t>
             </a:fld>
             <a:endParaRPr lang="en-US"/>
           </a:p>
@@ -660,7 +660,7 @@
             <a:fld id="{1D8BD707-D9CF-40AE-B4C6-C98DA3205C09}" type="datetimeFigureOut">
               <a:rPr lang="en-US" smtClean="0"/>
               <a:pPr/>
-              <a:t>7/10/2025</a:t>
+              <a:t>7/16/2025</a:t>
             </a:fld>
             <a:endParaRPr lang="en-US"/>
           </a:p>
@@ -825,7 +825,7 @@
             <a:fld id="{1D8BD707-D9CF-40AE-B4C6-C98DA3205C09}" type="datetimeFigureOut">
               <a:rPr lang="en-US" smtClean="0"/>
               <a:pPr/>
-              <a:t>7/10/2025</a:t>
+              <a:t>7/16/2025</a:t>
             </a:fld>
             <a:endParaRPr lang="en-US"/>
           </a:p>
@@ -1067,7 +1067,7 @@
             <a:fld id="{1D8BD707-D9CF-40AE-B4C6-C98DA3205C09}" type="datetimeFigureOut">
               <a:rPr lang="en-US" smtClean="0"/>
               <a:pPr/>
-              <a:t>7/10/2025</a:t>
+              <a:t>7/16/2025</a:t>
             </a:fld>
             <a:endParaRPr lang="en-US"/>
           </a:p>
@@ -1349,7 +1349,7 @@
             <a:fld id="{1D8BD707-D9CF-40AE-B4C6-C98DA3205C09}" type="datetimeFigureOut">
               <a:rPr lang="en-US" smtClean="0"/>
               <a:pPr/>
-              <a:t>7/10/2025</a:t>
+              <a:t>7/16/2025</a:t>
             </a:fld>
             <a:endParaRPr lang="en-US"/>
           </a:p>
@@ -1765,7 +1765,7 @@
             <a:fld id="{1D8BD707-D9CF-40AE-B4C6-C98DA3205C09}" type="datetimeFigureOut">
               <a:rPr lang="en-US" smtClean="0"/>
               <a:pPr/>
-              <a:t>7/10/2025</a:t>
+              <a:t>7/16/2025</a:t>
             </a:fld>
             <a:endParaRPr lang="en-US"/>
           </a:p>
@@ -1879,7 +1879,7 @@
             <a:fld id="{1D8BD707-D9CF-40AE-B4C6-C98DA3205C09}" type="datetimeFigureOut">
               <a:rPr lang="en-US" smtClean="0"/>
               <a:pPr/>
-              <a:t>7/10/2025</a:t>
+              <a:t>7/16/2025</a:t>
             </a:fld>
             <a:endParaRPr lang="en-US"/>
           </a:p>
@@ -1971,7 +1971,7 @@
             <a:fld id="{1D8BD707-D9CF-40AE-B4C6-C98DA3205C09}" type="datetimeFigureOut">
               <a:rPr lang="en-US" smtClean="0"/>
               <a:pPr/>
-              <a:t>7/10/2025</a:t>
+              <a:t>7/16/2025</a:t>
             </a:fld>
             <a:endParaRPr lang="en-US"/>
           </a:p>
@@ -2243,7 +2243,7 @@
             <a:fld id="{1D8BD707-D9CF-40AE-B4C6-C98DA3205C09}" type="datetimeFigureOut">
               <a:rPr lang="en-US" smtClean="0"/>
               <a:pPr/>
-              <a:t>7/10/2025</a:t>
+              <a:t>7/16/2025</a:t>
             </a:fld>
             <a:endParaRPr lang="en-US"/>
           </a:p>
@@ -2492,7 +2492,7 @@
             <a:fld id="{1D8BD707-D9CF-40AE-B4C6-C98DA3205C09}" type="datetimeFigureOut">
               <a:rPr lang="en-US" smtClean="0"/>
               <a:pPr/>
-              <a:t>7/10/2025</a:t>
+              <a:t>7/16/2025</a:t>
             </a:fld>
             <a:endParaRPr lang="en-US"/>
           </a:p>
@@ -2700,7 +2700,7 @@
             <a:fld id="{1D8BD707-D9CF-40AE-B4C6-C98DA3205C09}" type="datetimeFigureOut">
               <a:rPr lang="en-US" smtClean="0"/>
               <a:pPr/>
-              <a:t>7/10/2025</a:t>
+              <a:t>7/16/2025</a:t>
             </a:fld>
             <a:endParaRPr lang="en-US"/>
           </a:p>
@@ -6557,7 +6557,7 @@
         </p:nvSpPr>
         <p:spPr>
           <a:xfrm>
-            <a:off x="4061916" y="3254375"/>
+            <a:off x="3720703" y="3174928"/>
             <a:ext cx="11052783" cy="4616648"/>
           </a:xfrm>
           <a:prstGeom prst="rect">
@@ -6571,6 +6571,18 @@
           <a:lstStyle/>
           <a:p>
             <a:pPr algn="l"/>
+            <a:r>
+              <a:rPr lang="ja-JP" altLang="en-US" sz="5000" dirty="0">
+                <a:solidFill>
+                  <a:srgbClr val="000000"/>
+                </a:solidFill>
+                <a:latin typeface="ドットゴシック 12"/>
+                <a:ea typeface="ドットゴシック 12"/>
+                <a:cs typeface="ドットゴシック 12"/>
+                <a:sym typeface="ドットゴシック 12"/>
+              </a:rPr>
+              <a:t>・</a:t>
+            </a:r>
             <a:r>
               <a:rPr lang="en-US" sz="5000" dirty="0" err="1">
                 <a:solidFill>
@@ -6625,7 +6637,7 @@
                 <a:cs typeface="ドットゴシック 12"/>
                 <a:sym typeface="ドットゴシック 12"/>
               </a:rPr>
-              <a:t>問題の一覧表示、</a:t>
+              <a:t>・問題の一覧表示、</a:t>
             </a:r>
             <a:endParaRPr lang="en-US" altLang="ja-JP" sz="5000" dirty="0">
               <a:solidFill>
@@ -6653,7 +6665,7 @@
                 <a:cs typeface="ドットゴシック 12"/>
                 <a:sym typeface="ドットゴシック 12"/>
               </a:rPr>
-              <a:t>編集、削除機能</a:t>
+              <a:t>　編集、削除機能</a:t>
             </a:r>
             <a:endParaRPr lang="en-US" altLang="ja-JP" sz="5000" dirty="0">
               <a:solidFill>
@@ -6697,7 +6709,7 @@
                 <a:cs typeface="ドットゴシック 12"/>
                 <a:sym typeface="ドットゴシック 12"/>
               </a:rPr>
-              <a:t>ゲーム性の追加</a:t>
+              <a:t>・ゲーム性の追加</a:t>
             </a:r>
             <a:endParaRPr lang="en-US" sz="5000" dirty="0">
               <a:solidFill>
